--- a/docs/Project presentation.pptx
+++ b/docs/Project presentation.pptx
@@ -4,16 +4,21 @@
   <p:sldMasterIdLst>
     <p:sldMasterId id="2147483648" r:id="rId1"/>
   </p:sldMasterIdLst>
+  <p:notesMasterIdLst>
+    <p:notesMasterId r:id="rId13"/>
+  </p:notesMasterIdLst>
   <p:sldIdLst>
-    <p:sldId id="256" r:id="rId2"/>
+    <p:sldId id="271" r:id="rId2"/>
     <p:sldId id="262" r:id="rId3"/>
-    <p:sldId id="268" r:id="rId4"/>
-    <p:sldId id="264" r:id="rId5"/>
-    <p:sldId id="260" r:id="rId6"/>
-    <p:sldId id="261" r:id="rId7"/>
-    <p:sldId id="266" r:id="rId8"/>
-    <p:sldId id="258" r:id="rId9"/>
-    <p:sldId id="259" r:id="rId10"/>
+    <p:sldId id="273" r:id="rId4"/>
+    <p:sldId id="274" r:id="rId5"/>
+    <p:sldId id="275" r:id="rId6"/>
+    <p:sldId id="260" r:id="rId7"/>
+    <p:sldId id="261" r:id="rId8"/>
+    <p:sldId id="276" r:id="rId9"/>
+    <p:sldId id="277" r:id="rId10"/>
+    <p:sldId id="278" r:id="rId11"/>
+    <p:sldId id="259" r:id="rId12"/>
   </p:sldIdLst>
   <p:sldSz cx="12192000" cy="6858000"/>
   <p:notesSz cx="6858000" cy="9144000"/>
@@ -120,9 +125,14 @@
 </p:presentation>
 </file>
 
-<file path=ppt/slideLayouts/slideLayout1.xml><?xml version="1.0" encoding="utf-8"?>
-<p:sldLayout xmlns:a="http://schemas.openxmlformats.org/drawingml/2006/main" xmlns:r="http://schemas.openxmlformats.org/officeDocument/2006/relationships" xmlns:p="http://schemas.openxmlformats.org/presentationml/2006/main" type="title" preserve="1">
-  <p:cSld name="Title Slide">
+<file path=ppt/notesMasters/notesMaster1.xml><?xml version="1.0" encoding="utf-8"?>
+<p:notesMaster xmlns:a="http://schemas.openxmlformats.org/drawingml/2006/main" xmlns:r="http://schemas.openxmlformats.org/officeDocument/2006/relationships" xmlns:p="http://schemas.openxmlformats.org/presentationml/2006/main">
+  <p:cSld>
+    <p:bg>
+      <p:bgRef idx="1001">
+        <a:schemeClr val="bg1"/>
+      </p:bgRef>
+    </p:bg>
     <p:spTree>
       <p:nvGrpSpPr>
         <p:cNvPr id="1" name=""/>
@@ -139,135 +149,63 @@
       </p:grpSpPr>
       <p:sp>
         <p:nvSpPr>
-          <p:cNvPr id="2" name="Title 1">
-            <a:extLst>
-              <a:ext uri="{FF2B5EF4-FFF2-40B4-BE49-F238E27FC236}">
-                <a16:creationId xmlns:a16="http://schemas.microsoft.com/office/drawing/2014/main" id="{451F0BD7-7C6A-E34D-B6F6-A797E95C1460}"/>
-              </a:ext>
-            </a:extLst>
-          </p:cNvPr>
-          <p:cNvSpPr>
-            <a:spLocks noGrp="1"/>
-          </p:cNvSpPr>
-          <p:nvPr>
-            <p:ph type="ctrTitle"/>
+          <p:cNvPr id="2" name="Header Placeholder 1"/>
+          <p:cNvSpPr>
+            <a:spLocks noGrp="1"/>
+          </p:cNvSpPr>
+          <p:nvPr>
+            <p:ph type="hdr" sz="quarter"/>
           </p:nvPr>
         </p:nvSpPr>
         <p:spPr>
           <a:xfrm>
-            <a:off x="1524000" y="1122363"/>
-            <a:ext cx="9144000" cy="2387600"/>
-          </a:xfrm>
-        </p:spPr>
-        <p:txBody>
-          <a:bodyPr anchor="b"/>
+            <a:off x="0" y="0"/>
+            <a:ext cx="2971800" cy="458788"/>
+          </a:xfrm>
+          <a:prstGeom prst="rect">
+            <a:avLst/>
+          </a:prstGeom>
+        </p:spPr>
+        <p:txBody>
+          <a:bodyPr vert="horz" lIns="91440" tIns="45720" rIns="91440" bIns="45720" rtlCol="0"/>
           <a:lstStyle>
-            <a:lvl1pPr algn="ctr">
-              <a:defRPr sz="6000"/>
+            <a:lvl1pPr algn="l">
+              <a:defRPr sz="1200"/>
             </a:lvl1pPr>
           </a:lstStyle>
           <a:p>
-            <a:r>
-              <a:rPr lang="en-GB"/>
-              <a:t>Click to edit Master title style</a:t>
-            </a:r>
             <a:endParaRPr lang="en-CH"/>
           </a:p>
         </p:txBody>
       </p:sp>
       <p:sp>
         <p:nvSpPr>
-          <p:cNvPr id="3" name="Subtitle 2">
-            <a:extLst>
-              <a:ext uri="{FF2B5EF4-FFF2-40B4-BE49-F238E27FC236}">
-                <a16:creationId xmlns:a16="http://schemas.microsoft.com/office/drawing/2014/main" id="{5779FE33-6520-8648-8943-6942130948DA}"/>
-              </a:ext>
-            </a:extLst>
-          </p:cNvPr>
-          <p:cNvSpPr>
-            <a:spLocks noGrp="1"/>
-          </p:cNvSpPr>
-          <p:nvPr>
-            <p:ph type="subTitle" idx="1"/>
+          <p:cNvPr id="3" name="Date Placeholder 2"/>
+          <p:cNvSpPr>
+            <a:spLocks noGrp="1"/>
+          </p:cNvSpPr>
+          <p:nvPr>
+            <p:ph type="dt" idx="1"/>
           </p:nvPr>
         </p:nvSpPr>
         <p:spPr>
           <a:xfrm>
-            <a:off x="1524000" y="3602038"/>
-            <a:ext cx="9144000" cy="1655762"/>
-          </a:xfrm>
-        </p:spPr>
-        <p:txBody>
-          <a:bodyPr/>
+            <a:off x="3884613" y="0"/>
+            <a:ext cx="2971800" cy="458788"/>
+          </a:xfrm>
+          <a:prstGeom prst="rect">
+            <a:avLst/>
+          </a:prstGeom>
+        </p:spPr>
+        <p:txBody>
+          <a:bodyPr vert="horz" lIns="91440" tIns="45720" rIns="91440" bIns="45720" rtlCol="0"/>
           <a:lstStyle>
-            <a:lvl1pPr marL="0" indent="0" algn="ctr">
-              <a:buNone/>
-              <a:defRPr sz="2400"/>
+            <a:lvl1pPr algn="r">
+              <a:defRPr sz="1200"/>
             </a:lvl1pPr>
-            <a:lvl2pPr marL="457200" indent="0" algn="ctr">
-              <a:buNone/>
-              <a:defRPr sz="2000"/>
-            </a:lvl2pPr>
-            <a:lvl3pPr marL="914400" indent="0" algn="ctr">
-              <a:buNone/>
-              <a:defRPr sz="1800"/>
-            </a:lvl3pPr>
-            <a:lvl4pPr marL="1371600" indent="0" algn="ctr">
-              <a:buNone/>
-              <a:defRPr sz="1600"/>
-            </a:lvl4pPr>
-            <a:lvl5pPr marL="1828800" indent="0" algn="ctr">
-              <a:buNone/>
-              <a:defRPr sz="1600"/>
-            </a:lvl5pPr>
-            <a:lvl6pPr marL="2286000" indent="0" algn="ctr">
-              <a:buNone/>
-              <a:defRPr sz="1600"/>
-            </a:lvl6pPr>
-            <a:lvl7pPr marL="2743200" indent="0" algn="ctr">
-              <a:buNone/>
-              <a:defRPr sz="1600"/>
-            </a:lvl7pPr>
-            <a:lvl8pPr marL="3200400" indent="0" algn="ctr">
-              <a:buNone/>
-              <a:defRPr sz="1600"/>
-            </a:lvl8pPr>
-            <a:lvl9pPr marL="3657600" indent="0" algn="ctr">
-              <a:buNone/>
-              <a:defRPr sz="1600"/>
-            </a:lvl9pPr>
           </a:lstStyle>
           <a:p>
-            <a:r>
-              <a:rPr lang="en-GB"/>
-              <a:t>Click to edit Master subtitle style</a:t>
-            </a:r>
-            <a:endParaRPr lang="en-CH"/>
-          </a:p>
-        </p:txBody>
-      </p:sp>
-      <p:sp>
-        <p:nvSpPr>
-          <p:cNvPr id="4" name="Date Placeholder 3">
-            <a:extLst>
-              <a:ext uri="{FF2B5EF4-FFF2-40B4-BE49-F238E27FC236}">
-                <a16:creationId xmlns:a16="http://schemas.microsoft.com/office/drawing/2014/main" id="{C7C7915E-498A-8942-9FCC-6F8AFD9D5857}"/>
-              </a:ext>
-            </a:extLst>
-          </p:cNvPr>
-          <p:cNvSpPr>
-            <a:spLocks noGrp="1"/>
-          </p:cNvSpPr>
-          <p:nvPr>
-            <p:ph type="dt" sz="half" idx="10"/>
-          </p:nvPr>
-        </p:nvSpPr>
-        <p:spPr/>
-        <p:txBody>
-          <a:bodyPr/>
-          <a:lstStyle/>
-          <a:p>
-            <a:fld id="{5CDDBA9F-2B35-6F43-9BD1-0C89A7E3AC6D}" type="datetimeFigureOut">
+            <a:fld id="{E059FD1F-3807-7B4E-AA3B-7483657EA5A8}" type="datetimeFigureOut">
               <a:rPr lang="en-CH" smtClean="0"/>
               <a:t>10.12.20</a:t>
             </a:fld>
@@ -277,23 +215,31 @@
       </p:sp>
       <p:sp>
         <p:nvSpPr>
-          <p:cNvPr id="5" name="Footer Placeholder 4">
-            <a:extLst>
-              <a:ext uri="{FF2B5EF4-FFF2-40B4-BE49-F238E27FC236}">
-                <a16:creationId xmlns:a16="http://schemas.microsoft.com/office/drawing/2014/main" id="{6FA6DF85-7202-724A-957B-538E3F244B71}"/>
-              </a:ext>
-            </a:extLst>
-          </p:cNvPr>
-          <p:cNvSpPr>
-            <a:spLocks noGrp="1"/>
-          </p:cNvSpPr>
-          <p:nvPr>
-            <p:ph type="ftr" sz="quarter" idx="11"/>
-          </p:nvPr>
-        </p:nvSpPr>
-        <p:spPr/>
-        <p:txBody>
-          <a:bodyPr/>
+          <p:cNvPr id="4" name="Slide Image Placeholder 3"/>
+          <p:cNvSpPr>
+            <a:spLocks noGrp="1" noRot="1" noChangeAspect="1"/>
+          </p:cNvSpPr>
+          <p:nvPr>
+            <p:ph type="sldImg" idx="2"/>
+          </p:nvPr>
+        </p:nvSpPr>
+        <p:spPr>
+          <a:xfrm>
+            <a:off x="685800" y="1143000"/>
+            <a:ext cx="5486400" cy="3086100"/>
+          </a:xfrm>
+          <a:prstGeom prst="rect">
+            <a:avLst/>
+          </a:prstGeom>
+          <a:noFill/>
+          <a:ln w="12700">
+            <a:solidFill>
+              <a:prstClr val="black"/>
+            </a:solidFill>
+          </a:ln>
+        </p:spPr>
+        <p:txBody>
+          <a:bodyPr vert="horz" lIns="91440" tIns="45720" rIns="91440" bIns="45720" rtlCol="0" anchor="ctr"/>
           <a:lstStyle/>
           <a:p>
             <a:endParaRPr lang="en-CH"/>
@@ -302,26 +248,123 @@
       </p:sp>
       <p:sp>
         <p:nvSpPr>
-          <p:cNvPr id="6" name="Slide Number Placeholder 5">
-            <a:extLst>
-              <a:ext uri="{FF2B5EF4-FFF2-40B4-BE49-F238E27FC236}">
-                <a16:creationId xmlns:a16="http://schemas.microsoft.com/office/drawing/2014/main" id="{7FD59150-7DB5-8E4B-B4E1-BCA9BAEE3DF5}"/>
-              </a:ext>
-            </a:extLst>
-          </p:cNvPr>
-          <p:cNvSpPr>
-            <a:spLocks noGrp="1"/>
-          </p:cNvSpPr>
-          <p:nvPr>
-            <p:ph type="sldNum" sz="quarter" idx="12"/>
-          </p:nvPr>
-        </p:nvSpPr>
-        <p:spPr/>
-        <p:txBody>
-          <a:bodyPr/>
+          <p:cNvPr id="5" name="Notes Placeholder 4"/>
+          <p:cNvSpPr>
+            <a:spLocks noGrp="1"/>
+          </p:cNvSpPr>
+          <p:nvPr>
+            <p:ph type="body" sz="quarter" idx="3"/>
+          </p:nvPr>
+        </p:nvSpPr>
+        <p:spPr>
+          <a:xfrm>
+            <a:off x="685800" y="4400550"/>
+            <a:ext cx="5486400" cy="3600450"/>
+          </a:xfrm>
+          <a:prstGeom prst="rect">
+            <a:avLst/>
+          </a:prstGeom>
+        </p:spPr>
+        <p:txBody>
+          <a:bodyPr vert="horz" lIns="91440" tIns="45720" rIns="91440" bIns="45720" rtlCol="0"/>
           <a:lstStyle/>
           <a:p>
-            <a:fld id="{66288184-ABB1-5547-80D9-35FC1E4BD9CE}" type="slidenum">
+            <a:pPr lvl="0"/>
+            <a:r>
+              <a:rPr lang="en-GB"/>
+              <a:t>Click to edit Master text styles</a:t>
+            </a:r>
+          </a:p>
+          <a:p>
+            <a:pPr lvl="1"/>
+            <a:r>
+              <a:rPr lang="en-GB"/>
+              <a:t>Second level</a:t>
+            </a:r>
+          </a:p>
+          <a:p>
+            <a:pPr lvl="2"/>
+            <a:r>
+              <a:rPr lang="en-GB"/>
+              <a:t>Third level</a:t>
+            </a:r>
+          </a:p>
+          <a:p>
+            <a:pPr lvl="3"/>
+            <a:r>
+              <a:rPr lang="en-GB"/>
+              <a:t>Fourth level</a:t>
+            </a:r>
+          </a:p>
+          <a:p>
+            <a:pPr lvl="4"/>
+            <a:r>
+              <a:rPr lang="en-GB"/>
+              <a:t>Fifth level</a:t>
+            </a:r>
+            <a:endParaRPr lang="en-CH"/>
+          </a:p>
+        </p:txBody>
+      </p:sp>
+      <p:sp>
+        <p:nvSpPr>
+          <p:cNvPr id="6" name="Footer Placeholder 5"/>
+          <p:cNvSpPr>
+            <a:spLocks noGrp="1"/>
+          </p:cNvSpPr>
+          <p:nvPr>
+            <p:ph type="ftr" sz="quarter" idx="4"/>
+          </p:nvPr>
+        </p:nvSpPr>
+        <p:spPr>
+          <a:xfrm>
+            <a:off x="0" y="8685213"/>
+            <a:ext cx="2971800" cy="458787"/>
+          </a:xfrm>
+          <a:prstGeom prst="rect">
+            <a:avLst/>
+          </a:prstGeom>
+        </p:spPr>
+        <p:txBody>
+          <a:bodyPr vert="horz" lIns="91440" tIns="45720" rIns="91440" bIns="45720" rtlCol="0" anchor="b"/>
+          <a:lstStyle>
+            <a:lvl1pPr algn="l">
+              <a:defRPr sz="1200"/>
+            </a:lvl1pPr>
+          </a:lstStyle>
+          <a:p>
+            <a:endParaRPr lang="en-CH"/>
+          </a:p>
+        </p:txBody>
+      </p:sp>
+      <p:sp>
+        <p:nvSpPr>
+          <p:cNvPr id="7" name="Slide Number Placeholder 6"/>
+          <p:cNvSpPr>
+            <a:spLocks noGrp="1"/>
+          </p:cNvSpPr>
+          <p:nvPr>
+            <p:ph type="sldNum" sz="quarter" idx="5"/>
+          </p:nvPr>
+        </p:nvSpPr>
+        <p:spPr>
+          <a:xfrm>
+            <a:off x="3884613" y="8685213"/>
+            <a:ext cx="2971800" cy="458787"/>
+          </a:xfrm>
+          <a:prstGeom prst="rect">
+            <a:avLst/>
+          </a:prstGeom>
+        </p:spPr>
+        <p:txBody>
+          <a:bodyPr vert="horz" lIns="91440" tIns="45720" rIns="91440" bIns="45720" rtlCol="0" anchor="b"/>
+          <a:lstStyle>
+            <a:lvl1pPr algn="r">
+              <a:defRPr sz="1200"/>
+            </a:lvl1pPr>
+          </a:lstStyle>
+          <a:p>
+            <a:fld id="{06049CEA-3B08-5041-9BB8-EFEA9E0EE63A}" type="slidenum">
               <a:rPr lang="en-CH" smtClean="0"/>
               <a:t>‹#›</a:t>
             </a:fld>
@@ -332,7 +375,362 @@
     </p:spTree>
     <p:extLst>
       <p:ext uri="{BB962C8B-B14F-4D97-AF65-F5344CB8AC3E}">
-        <p14:creationId xmlns:p14="http://schemas.microsoft.com/office/powerpoint/2010/main" val="2681203777"/>
+        <p14:creationId xmlns:p14="http://schemas.microsoft.com/office/powerpoint/2010/main" val="719134351"/>
+      </p:ext>
+    </p:extLst>
+  </p:cSld>
+  <p:clrMap bg1="lt1" tx1="dk1" bg2="lt2" tx2="dk2" accent1="accent1" accent2="accent2" accent3="accent3" accent4="accent4" accent5="accent5" accent6="accent6" hlink="hlink" folHlink="folHlink"/>
+  <p:notesStyle>
+    <a:lvl1pPr marL="0" algn="l" defTabSz="914400" rtl="0" eaLnBrk="1" latinLnBrk="0" hangingPunct="1">
+      <a:defRPr sz="1200" kern="1200">
+        <a:solidFill>
+          <a:schemeClr val="tx1"/>
+        </a:solidFill>
+        <a:latin typeface="+mn-lt"/>
+        <a:ea typeface="+mn-ea"/>
+        <a:cs typeface="+mn-cs"/>
+      </a:defRPr>
+    </a:lvl1pPr>
+    <a:lvl2pPr marL="457200" algn="l" defTabSz="914400" rtl="0" eaLnBrk="1" latinLnBrk="0" hangingPunct="1">
+      <a:defRPr sz="1200" kern="1200">
+        <a:solidFill>
+          <a:schemeClr val="tx1"/>
+        </a:solidFill>
+        <a:latin typeface="+mn-lt"/>
+        <a:ea typeface="+mn-ea"/>
+        <a:cs typeface="+mn-cs"/>
+      </a:defRPr>
+    </a:lvl2pPr>
+    <a:lvl3pPr marL="914400" algn="l" defTabSz="914400" rtl="0" eaLnBrk="1" latinLnBrk="0" hangingPunct="1">
+      <a:defRPr sz="1200" kern="1200">
+        <a:solidFill>
+          <a:schemeClr val="tx1"/>
+        </a:solidFill>
+        <a:latin typeface="+mn-lt"/>
+        <a:ea typeface="+mn-ea"/>
+        <a:cs typeface="+mn-cs"/>
+      </a:defRPr>
+    </a:lvl3pPr>
+    <a:lvl4pPr marL="1371600" algn="l" defTabSz="914400" rtl="0" eaLnBrk="1" latinLnBrk="0" hangingPunct="1">
+      <a:defRPr sz="1200" kern="1200">
+        <a:solidFill>
+          <a:schemeClr val="tx1"/>
+        </a:solidFill>
+        <a:latin typeface="+mn-lt"/>
+        <a:ea typeface="+mn-ea"/>
+        <a:cs typeface="+mn-cs"/>
+      </a:defRPr>
+    </a:lvl4pPr>
+    <a:lvl5pPr marL="1828800" algn="l" defTabSz="914400" rtl="0" eaLnBrk="1" latinLnBrk="0" hangingPunct="1">
+      <a:defRPr sz="1200" kern="1200">
+        <a:solidFill>
+          <a:schemeClr val="tx1"/>
+        </a:solidFill>
+        <a:latin typeface="+mn-lt"/>
+        <a:ea typeface="+mn-ea"/>
+        <a:cs typeface="+mn-cs"/>
+      </a:defRPr>
+    </a:lvl5pPr>
+    <a:lvl6pPr marL="2286000" algn="l" defTabSz="914400" rtl="0" eaLnBrk="1" latinLnBrk="0" hangingPunct="1">
+      <a:defRPr sz="1200" kern="1200">
+        <a:solidFill>
+          <a:schemeClr val="tx1"/>
+        </a:solidFill>
+        <a:latin typeface="+mn-lt"/>
+        <a:ea typeface="+mn-ea"/>
+        <a:cs typeface="+mn-cs"/>
+      </a:defRPr>
+    </a:lvl6pPr>
+    <a:lvl7pPr marL="2743200" algn="l" defTabSz="914400" rtl="0" eaLnBrk="1" latinLnBrk="0" hangingPunct="1">
+      <a:defRPr sz="1200" kern="1200">
+        <a:solidFill>
+          <a:schemeClr val="tx1"/>
+        </a:solidFill>
+        <a:latin typeface="+mn-lt"/>
+        <a:ea typeface="+mn-ea"/>
+        <a:cs typeface="+mn-cs"/>
+      </a:defRPr>
+    </a:lvl7pPr>
+    <a:lvl8pPr marL="3200400" algn="l" defTabSz="914400" rtl="0" eaLnBrk="1" latinLnBrk="0" hangingPunct="1">
+      <a:defRPr sz="1200" kern="1200">
+        <a:solidFill>
+          <a:schemeClr val="tx1"/>
+        </a:solidFill>
+        <a:latin typeface="+mn-lt"/>
+        <a:ea typeface="+mn-ea"/>
+        <a:cs typeface="+mn-cs"/>
+      </a:defRPr>
+    </a:lvl8pPr>
+    <a:lvl9pPr marL="3657600" algn="l" defTabSz="914400" rtl="0" eaLnBrk="1" latinLnBrk="0" hangingPunct="1">
+      <a:defRPr sz="1200" kern="1200">
+        <a:solidFill>
+          <a:schemeClr val="tx1"/>
+        </a:solidFill>
+        <a:latin typeface="+mn-lt"/>
+        <a:ea typeface="+mn-ea"/>
+        <a:cs typeface="+mn-cs"/>
+      </a:defRPr>
+    </a:lvl9pPr>
+  </p:notesStyle>
+</p:notesMaster>
+</file>
+
+<file path=ppt/slideLayouts/slideLayout1.xml><?xml version="1.0" encoding="utf-8"?>
+<p:sldLayout xmlns:a="http://schemas.openxmlformats.org/drawingml/2006/main" xmlns:r="http://schemas.openxmlformats.org/officeDocument/2006/relationships" xmlns:p="http://schemas.openxmlformats.org/presentationml/2006/main" type="obj" preserve="1">
+  <p:cSld name="Title and Content">
+    <p:spTree>
+      <p:nvGrpSpPr>
+        <p:cNvPr id="1" name=""/>
+        <p:cNvGrpSpPr/>
+        <p:nvPr/>
+      </p:nvGrpSpPr>
+      <p:grpSpPr>
+        <a:xfrm>
+          <a:off x="0" y="0"/>
+          <a:ext cx="0" cy="0"/>
+          <a:chOff x="0" y="0"/>
+          <a:chExt cx="0" cy="0"/>
+        </a:xfrm>
+      </p:grpSpPr>
+      <p:sp>
+        <p:nvSpPr>
+          <p:cNvPr id="2" name="Title 1">
+            <a:extLst>
+              <a:ext uri="{FF2B5EF4-FFF2-40B4-BE49-F238E27FC236}">
+                <a16:creationId xmlns:a16="http://schemas.microsoft.com/office/drawing/2014/main" id="{1C13C9A6-242D-EA47-8E0B-AABA5D2862F3}"/>
+              </a:ext>
+            </a:extLst>
+          </p:cNvPr>
+          <p:cNvSpPr>
+            <a:spLocks noGrp="1"/>
+          </p:cNvSpPr>
+          <p:nvPr>
+            <p:ph type="title"/>
+          </p:nvPr>
+        </p:nvSpPr>
+        <p:spPr>
+          <a:xfrm>
+            <a:off x="838200" y="180000"/>
+            <a:ext cx="10515600" cy="864000"/>
+          </a:xfrm>
+        </p:spPr>
+        <p:txBody>
+          <a:bodyPr/>
+          <a:lstStyle>
+            <a:lvl1pPr>
+              <a:defRPr b="1"/>
+            </a:lvl1pPr>
+          </a:lstStyle>
+          <a:p>
+            <a:r>
+              <a:rPr lang="en-GB" dirty="0"/>
+              <a:t>Click to edit Master title style</a:t>
+            </a:r>
+            <a:endParaRPr lang="en-CH" dirty="0"/>
+          </a:p>
+        </p:txBody>
+      </p:sp>
+      <p:sp>
+        <p:nvSpPr>
+          <p:cNvPr id="3" name="Content Placeholder 2">
+            <a:extLst>
+              <a:ext uri="{FF2B5EF4-FFF2-40B4-BE49-F238E27FC236}">
+                <a16:creationId xmlns:a16="http://schemas.microsoft.com/office/drawing/2014/main" id="{2743FC36-64A7-884F-9AF2-69B55939C205}"/>
+              </a:ext>
+            </a:extLst>
+          </p:cNvPr>
+          <p:cNvSpPr>
+            <a:spLocks noGrp="1"/>
+          </p:cNvSpPr>
+          <p:nvPr>
+            <p:ph idx="1"/>
+          </p:nvPr>
+        </p:nvSpPr>
+        <p:spPr/>
+        <p:txBody>
+          <a:bodyPr/>
+          <a:lstStyle>
+            <a:lvl1pPr>
+              <a:defRPr sz="2000">
+                <a:latin typeface="+mj-lt"/>
+              </a:defRPr>
+            </a:lvl1pPr>
+            <a:lvl2pPr>
+              <a:defRPr sz="2000">
+                <a:latin typeface="+mj-lt"/>
+              </a:defRPr>
+            </a:lvl2pPr>
+            <a:lvl3pPr>
+              <a:defRPr sz="2000">
+                <a:latin typeface="+mj-lt"/>
+              </a:defRPr>
+            </a:lvl3pPr>
+            <a:lvl4pPr>
+              <a:defRPr sz="2000">
+                <a:latin typeface="+mj-lt"/>
+              </a:defRPr>
+            </a:lvl4pPr>
+            <a:lvl5pPr>
+              <a:defRPr sz="2000">
+                <a:latin typeface="+mj-lt"/>
+              </a:defRPr>
+            </a:lvl5pPr>
+          </a:lstStyle>
+          <a:p>
+            <a:pPr lvl="0"/>
+            <a:r>
+              <a:rPr lang="en-GB" dirty="0"/>
+              <a:t>Click to edit Master text styles</a:t>
+            </a:r>
+          </a:p>
+          <a:p>
+            <a:pPr lvl="1"/>
+            <a:r>
+              <a:rPr lang="en-GB" dirty="0"/>
+              <a:t>Second level</a:t>
+            </a:r>
+          </a:p>
+          <a:p>
+            <a:pPr lvl="2"/>
+            <a:r>
+              <a:rPr lang="en-GB" dirty="0"/>
+              <a:t>Third level</a:t>
+            </a:r>
+          </a:p>
+          <a:p>
+            <a:pPr lvl="3"/>
+            <a:r>
+              <a:rPr lang="en-GB" dirty="0"/>
+              <a:t>Fourth level</a:t>
+            </a:r>
+          </a:p>
+          <a:p>
+            <a:pPr lvl="4"/>
+            <a:r>
+              <a:rPr lang="en-GB" dirty="0"/>
+              <a:t>Fifth level</a:t>
+            </a:r>
+            <a:endParaRPr lang="en-CH" dirty="0"/>
+          </a:p>
+        </p:txBody>
+      </p:sp>
+      <p:sp>
+        <p:nvSpPr>
+          <p:cNvPr id="4" name="Date Placeholder 3">
+            <a:extLst>
+              <a:ext uri="{FF2B5EF4-FFF2-40B4-BE49-F238E27FC236}">
+                <a16:creationId xmlns:a16="http://schemas.microsoft.com/office/drawing/2014/main" id="{2D56A883-6A8B-0C4F-87DF-5E87359771A7}"/>
+              </a:ext>
+            </a:extLst>
+          </p:cNvPr>
+          <p:cNvSpPr>
+            <a:spLocks noGrp="1"/>
+          </p:cNvSpPr>
+          <p:nvPr>
+            <p:ph type="dt" sz="half" idx="10"/>
+          </p:nvPr>
+        </p:nvSpPr>
+        <p:spPr/>
+        <p:txBody>
+          <a:bodyPr/>
+          <a:lstStyle>
+            <a:lvl1pPr>
+              <a:defRPr sz="1400">
+                <a:solidFill>
+                  <a:schemeClr val="tx1"/>
+                </a:solidFill>
+              </a:defRPr>
+            </a:lvl1pPr>
+          </a:lstStyle>
+          <a:p>
+            <a:fld id="{5CDDBA9F-2B35-6F43-9BD1-0C89A7E3AC6D}" type="datetimeFigureOut">
+              <a:rPr lang="en-CH" smtClean="0"/>
+              <a:pPr/>
+              <a:t>10.12.20</a:t>
+            </a:fld>
+            <a:endParaRPr lang="en-CH" sz="1400" dirty="0"/>
+          </a:p>
+        </p:txBody>
+      </p:sp>
+      <p:sp>
+        <p:nvSpPr>
+          <p:cNvPr id="5" name="Footer Placeholder 4">
+            <a:extLst>
+              <a:ext uri="{FF2B5EF4-FFF2-40B4-BE49-F238E27FC236}">
+                <a16:creationId xmlns:a16="http://schemas.microsoft.com/office/drawing/2014/main" id="{6487EE44-769E-1E4A-B3C6-47DE1D06F5B0}"/>
+              </a:ext>
+            </a:extLst>
+          </p:cNvPr>
+          <p:cNvSpPr>
+            <a:spLocks noGrp="1"/>
+          </p:cNvSpPr>
+          <p:nvPr>
+            <p:ph type="ftr" sz="quarter" idx="11"/>
+          </p:nvPr>
+        </p:nvSpPr>
+        <p:spPr/>
+        <p:txBody>
+          <a:bodyPr/>
+          <a:lstStyle>
+            <a:lvl1pPr>
+              <a:defRPr sz="1400">
+                <a:solidFill>
+                  <a:schemeClr val="tx1"/>
+                </a:solidFill>
+              </a:defRPr>
+            </a:lvl1pPr>
+          </a:lstStyle>
+          <a:p>
+            <a:r>
+              <a:rPr lang="en-CH" dirty="0"/>
+              <a:t>IR Project - Stefano Taillefert</a:t>
+            </a:r>
+            <a:endParaRPr lang="en-CH" sz="1400" dirty="0"/>
+          </a:p>
+        </p:txBody>
+      </p:sp>
+      <p:sp>
+        <p:nvSpPr>
+          <p:cNvPr id="6" name="Slide Number Placeholder 5">
+            <a:extLst>
+              <a:ext uri="{FF2B5EF4-FFF2-40B4-BE49-F238E27FC236}">
+                <a16:creationId xmlns:a16="http://schemas.microsoft.com/office/drawing/2014/main" id="{11510149-A936-9946-B296-95FD9E5BF4F2}"/>
+              </a:ext>
+            </a:extLst>
+          </p:cNvPr>
+          <p:cNvSpPr>
+            <a:spLocks noGrp="1"/>
+          </p:cNvSpPr>
+          <p:nvPr>
+            <p:ph type="sldNum" sz="quarter" idx="12"/>
+          </p:nvPr>
+        </p:nvSpPr>
+        <p:spPr/>
+        <p:txBody>
+          <a:bodyPr/>
+          <a:lstStyle>
+            <a:lvl1pPr>
+              <a:defRPr>
+                <a:solidFill>
+                  <a:schemeClr val="tx1"/>
+                </a:solidFill>
+              </a:defRPr>
+            </a:lvl1pPr>
+          </a:lstStyle>
+          <a:p>
+            <a:fld id="{66288184-ABB1-5547-80D9-35FC1E4BD9CE}" type="slidenum">
+              <a:rPr lang="en-CH" smtClean="0"/>
+              <a:pPr/>
+              <a:t>‹#›</a:t>
+            </a:fld>
+            <a:endParaRPr lang="en-CH" dirty="0"/>
+          </a:p>
+        </p:txBody>
+      </p:sp>
+    </p:spTree>
+    <p:extLst>
+      <p:ext uri="{BB962C8B-B14F-4D97-AF65-F5344CB8AC3E}">
+        <p14:creationId xmlns:p14="http://schemas.microsoft.com/office/powerpoint/2010/main" val="1981279412"/>
       </p:ext>
     </p:extLst>
   </p:cSld>
@@ -341,12 +739,12 @@
   </p:clrMapOvr>
   <mc:AlternateContent xmlns:mc="http://schemas.openxmlformats.org/markup-compatibility/2006">
     <mc:Choice xmlns:p14="http://schemas.microsoft.com/office/powerpoint/2010/main" Requires="p14">
-      <p:transition spd="med" p14:dur="700">
+      <p:transition p14:dur="200">
         <p:fade/>
       </p:transition>
     </mc:Choice>
     <mc:Fallback>
-      <p:transition spd="med">
+      <p:transition>
         <p:fade/>
       </p:transition>
     </mc:Fallback>
@@ -553,12 +951,12 @@
   </p:clrMapOvr>
   <mc:AlternateContent xmlns:mc="http://schemas.openxmlformats.org/markup-compatibility/2006">
     <mc:Choice xmlns:p14="http://schemas.microsoft.com/office/powerpoint/2010/main" Requires="p14">
-      <p:transition spd="med" p14:dur="700">
+      <p:transition p14:dur="200">
         <p:fade/>
       </p:transition>
     </mc:Choice>
     <mc:Fallback>
-      <p:transition spd="med">
+      <p:transition>
         <p:fade/>
       </p:transition>
     </mc:Fallback>
@@ -775,12 +1173,12 @@
   </p:clrMapOvr>
   <mc:AlternateContent xmlns:mc="http://schemas.openxmlformats.org/markup-compatibility/2006">
     <mc:Choice xmlns:p14="http://schemas.microsoft.com/office/powerpoint/2010/main" Requires="p14">
-      <p:transition spd="med" p14:dur="700">
+      <p:transition p14:dur="200">
         <p:fade/>
       </p:transition>
     </mc:Choice>
     <mc:Fallback>
-      <p:transition spd="med">
+      <p:transition>
         <p:fade/>
       </p:transition>
     </mc:Fallback>
@@ -789,8 +1187,8 @@
 </file>
 
 <file path=ppt/slideLayouts/slideLayout2.xml><?xml version="1.0" encoding="utf-8"?>
-<p:sldLayout xmlns:a="http://schemas.openxmlformats.org/drawingml/2006/main" xmlns:r="http://schemas.openxmlformats.org/officeDocument/2006/relationships" xmlns:p="http://schemas.openxmlformats.org/presentationml/2006/main" type="obj" preserve="1">
-  <p:cSld name="Title and Content">
+<p:sldLayout xmlns:a="http://schemas.openxmlformats.org/drawingml/2006/main" xmlns:r="http://schemas.openxmlformats.org/officeDocument/2006/relationships" xmlns:p="http://schemas.openxmlformats.org/presentationml/2006/main" type="title" preserve="1">
+  <p:cSld name="Title Slide">
     <p:spTree>
       <p:nvGrpSpPr>
         <p:cNvPr id="1" name=""/>
@@ -810,21 +1208,30 @@
           <p:cNvPr id="2" name="Title 1">
             <a:extLst>
               <a:ext uri="{FF2B5EF4-FFF2-40B4-BE49-F238E27FC236}">
-                <a16:creationId xmlns:a16="http://schemas.microsoft.com/office/drawing/2014/main" id="{1C13C9A6-242D-EA47-8E0B-AABA5D2862F3}"/>
-              </a:ext>
-            </a:extLst>
-          </p:cNvPr>
-          <p:cNvSpPr>
-            <a:spLocks noGrp="1"/>
-          </p:cNvSpPr>
-          <p:nvPr>
-            <p:ph type="title"/>
-          </p:nvPr>
-        </p:nvSpPr>
-        <p:spPr/>
-        <p:txBody>
-          <a:bodyPr/>
-          <a:lstStyle/>
+                <a16:creationId xmlns:a16="http://schemas.microsoft.com/office/drawing/2014/main" id="{451F0BD7-7C6A-E34D-B6F6-A797E95C1460}"/>
+              </a:ext>
+            </a:extLst>
+          </p:cNvPr>
+          <p:cNvSpPr>
+            <a:spLocks noGrp="1"/>
+          </p:cNvSpPr>
+          <p:nvPr>
+            <p:ph type="ctrTitle"/>
+          </p:nvPr>
+        </p:nvSpPr>
+        <p:spPr>
+          <a:xfrm>
+            <a:off x="1524000" y="1122363"/>
+            <a:ext cx="9144000" cy="2387600"/>
+          </a:xfrm>
+        </p:spPr>
+        <p:txBody>
+          <a:bodyPr anchor="b"/>
+          <a:lstStyle>
+            <a:lvl1pPr algn="ctr">
+              <a:defRPr sz="6000"/>
+            </a:lvl1pPr>
+          </a:lstStyle>
           <a:p>
             <a:r>
               <a:rPr lang="en-GB"/>
@@ -836,57 +1243,70 @@
       </p:sp>
       <p:sp>
         <p:nvSpPr>
-          <p:cNvPr id="3" name="Content Placeholder 2">
-            <a:extLst>
-              <a:ext uri="{FF2B5EF4-FFF2-40B4-BE49-F238E27FC236}">
-                <a16:creationId xmlns:a16="http://schemas.microsoft.com/office/drawing/2014/main" id="{2743FC36-64A7-884F-9AF2-69B55939C205}"/>
-              </a:ext>
-            </a:extLst>
-          </p:cNvPr>
-          <p:cNvSpPr>
-            <a:spLocks noGrp="1"/>
-          </p:cNvSpPr>
-          <p:nvPr>
-            <p:ph idx="1"/>
-          </p:nvPr>
-        </p:nvSpPr>
-        <p:spPr/>
+          <p:cNvPr id="3" name="Subtitle 2">
+            <a:extLst>
+              <a:ext uri="{FF2B5EF4-FFF2-40B4-BE49-F238E27FC236}">
+                <a16:creationId xmlns:a16="http://schemas.microsoft.com/office/drawing/2014/main" id="{5779FE33-6520-8648-8943-6942130948DA}"/>
+              </a:ext>
+            </a:extLst>
+          </p:cNvPr>
+          <p:cNvSpPr>
+            <a:spLocks noGrp="1"/>
+          </p:cNvSpPr>
+          <p:nvPr>
+            <p:ph type="subTitle" idx="1"/>
+          </p:nvPr>
+        </p:nvSpPr>
+        <p:spPr>
+          <a:xfrm>
+            <a:off x="1524000" y="3602038"/>
+            <a:ext cx="9144000" cy="1655762"/>
+          </a:xfrm>
+        </p:spPr>
         <p:txBody>
           <a:bodyPr/>
-          <a:lstStyle/>
-          <a:p>
-            <a:pPr lvl="0"/>
+          <a:lstStyle>
+            <a:lvl1pPr marL="0" indent="0" algn="ctr">
+              <a:buNone/>
+              <a:defRPr sz="2400"/>
+            </a:lvl1pPr>
+            <a:lvl2pPr marL="457200" indent="0" algn="ctr">
+              <a:buNone/>
+              <a:defRPr sz="2000"/>
+            </a:lvl2pPr>
+            <a:lvl3pPr marL="914400" indent="0" algn="ctr">
+              <a:buNone/>
+              <a:defRPr sz="1800"/>
+            </a:lvl3pPr>
+            <a:lvl4pPr marL="1371600" indent="0" algn="ctr">
+              <a:buNone/>
+              <a:defRPr sz="1600"/>
+            </a:lvl4pPr>
+            <a:lvl5pPr marL="1828800" indent="0" algn="ctr">
+              <a:buNone/>
+              <a:defRPr sz="1600"/>
+            </a:lvl5pPr>
+            <a:lvl6pPr marL="2286000" indent="0" algn="ctr">
+              <a:buNone/>
+              <a:defRPr sz="1600"/>
+            </a:lvl6pPr>
+            <a:lvl7pPr marL="2743200" indent="0" algn="ctr">
+              <a:buNone/>
+              <a:defRPr sz="1600"/>
+            </a:lvl7pPr>
+            <a:lvl8pPr marL="3200400" indent="0" algn="ctr">
+              <a:buNone/>
+              <a:defRPr sz="1600"/>
+            </a:lvl8pPr>
+            <a:lvl9pPr marL="3657600" indent="0" algn="ctr">
+              <a:buNone/>
+              <a:defRPr sz="1600"/>
+            </a:lvl9pPr>
+          </a:lstStyle>
+          <a:p>
             <a:r>
               <a:rPr lang="en-GB"/>
-              <a:t>Click to edit Master text styles</a:t>
-            </a:r>
-          </a:p>
-          <a:p>
-            <a:pPr lvl="1"/>
-            <a:r>
-              <a:rPr lang="en-GB"/>
-              <a:t>Second level</a:t>
-            </a:r>
-          </a:p>
-          <a:p>
-            <a:pPr lvl="2"/>
-            <a:r>
-              <a:rPr lang="en-GB"/>
-              <a:t>Third level</a:t>
-            </a:r>
-          </a:p>
-          <a:p>
-            <a:pPr lvl="3"/>
-            <a:r>
-              <a:rPr lang="en-GB"/>
-              <a:t>Fourth level</a:t>
-            </a:r>
-          </a:p>
-          <a:p>
-            <a:pPr lvl="4"/>
-            <a:r>
-              <a:rPr lang="en-GB"/>
-              <a:t>Fifth level</a:t>
+              <a:t>Click to edit Master subtitle style</a:t>
             </a:r>
             <a:endParaRPr lang="en-CH"/>
           </a:p>
@@ -897,7 +1317,7 @@
           <p:cNvPr id="4" name="Date Placeholder 3">
             <a:extLst>
               <a:ext uri="{FF2B5EF4-FFF2-40B4-BE49-F238E27FC236}">
-                <a16:creationId xmlns:a16="http://schemas.microsoft.com/office/drawing/2014/main" id="{2D56A883-6A8B-0C4F-87DF-5E87359771A7}"/>
+                <a16:creationId xmlns:a16="http://schemas.microsoft.com/office/drawing/2014/main" id="{C7C7915E-498A-8942-9FCC-6F8AFD9D5857}"/>
               </a:ext>
             </a:extLst>
           </p:cNvPr>
@@ -926,7 +1346,7 @@
           <p:cNvPr id="5" name="Footer Placeholder 4">
             <a:extLst>
               <a:ext uri="{FF2B5EF4-FFF2-40B4-BE49-F238E27FC236}">
-                <a16:creationId xmlns:a16="http://schemas.microsoft.com/office/drawing/2014/main" id="{6487EE44-769E-1E4A-B3C6-47DE1D06F5B0}"/>
+                <a16:creationId xmlns:a16="http://schemas.microsoft.com/office/drawing/2014/main" id="{6FA6DF85-7202-724A-957B-538E3F244B71}"/>
               </a:ext>
             </a:extLst>
           </p:cNvPr>
@@ -951,7 +1371,7 @@
           <p:cNvPr id="6" name="Slide Number Placeholder 5">
             <a:extLst>
               <a:ext uri="{FF2B5EF4-FFF2-40B4-BE49-F238E27FC236}">
-                <a16:creationId xmlns:a16="http://schemas.microsoft.com/office/drawing/2014/main" id="{11510149-A936-9946-B296-95FD9E5BF4F2}"/>
+                <a16:creationId xmlns:a16="http://schemas.microsoft.com/office/drawing/2014/main" id="{7FD59150-7DB5-8E4B-B4E1-BCA9BAEE3DF5}"/>
               </a:ext>
             </a:extLst>
           </p:cNvPr>
@@ -978,7 +1398,7 @@
     </p:spTree>
     <p:extLst>
       <p:ext uri="{BB962C8B-B14F-4D97-AF65-F5344CB8AC3E}">
-        <p14:creationId xmlns:p14="http://schemas.microsoft.com/office/powerpoint/2010/main" val="1981279412"/>
+        <p14:creationId xmlns:p14="http://schemas.microsoft.com/office/powerpoint/2010/main" val="2681203777"/>
       </p:ext>
     </p:extLst>
   </p:cSld>
@@ -987,12 +1407,12 @@
   </p:clrMapOvr>
   <mc:AlternateContent xmlns:mc="http://schemas.openxmlformats.org/markup-compatibility/2006">
     <mc:Choice xmlns:p14="http://schemas.microsoft.com/office/powerpoint/2010/main" Requires="p14">
-      <p:transition spd="med" p14:dur="700">
+      <p:transition p14:dur="200">
         <p:fade/>
       </p:transition>
     </mc:Choice>
     <mc:Fallback>
-      <p:transition spd="med">
+      <p:transition>
         <p:fade/>
       </p:transition>
     </mc:Fallback>
@@ -1275,12 +1695,12 @@
   </p:clrMapOvr>
   <mc:AlternateContent xmlns:mc="http://schemas.openxmlformats.org/markup-compatibility/2006">
     <mc:Choice xmlns:p14="http://schemas.microsoft.com/office/powerpoint/2010/main" Requires="p14">
-      <p:transition spd="med" p14:dur="700">
+      <p:transition p14:dur="200">
         <p:fade/>
       </p:transition>
     </mc:Choice>
     <mc:Fallback>
-      <p:transition spd="med">
+      <p:transition>
         <p:fade/>
       </p:transition>
     </mc:Fallback>
@@ -1327,10 +1747,10 @@
           <a:lstStyle/>
           <a:p>
             <a:r>
-              <a:rPr lang="en-GB"/>
+              <a:rPr lang="en-GB" dirty="0"/>
               <a:t>Click to edit Master title style</a:t>
             </a:r>
-            <a:endParaRPr lang="en-CH"/>
+            <a:endParaRPr lang="en-CH" dirty="0"/>
           </a:p>
         </p:txBody>
       </p:sp>
@@ -1555,12 +1975,12 @@
   </p:clrMapOvr>
   <mc:AlternateContent xmlns:mc="http://schemas.openxmlformats.org/markup-compatibility/2006">
     <mc:Choice xmlns:p14="http://schemas.microsoft.com/office/powerpoint/2010/main" Requires="p14">
-      <p:transition spd="med" p14:dur="700">
+      <p:transition p14:dur="200">
         <p:fade/>
       </p:transition>
     </mc:Choice>
     <mc:Fallback>
-      <p:transition spd="med">
+      <p:transition>
         <p:fade/>
       </p:transition>
     </mc:Fallback>
@@ -1982,12 +2402,12 @@
   </p:clrMapOvr>
   <mc:AlternateContent xmlns:mc="http://schemas.openxmlformats.org/markup-compatibility/2006">
     <mc:Choice xmlns:p14="http://schemas.microsoft.com/office/powerpoint/2010/main" Requires="p14">
-      <p:transition spd="med" p14:dur="700">
+      <p:transition p14:dur="200">
         <p:fade/>
       </p:transition>
     </mc:Choice>
     <mc:Fallback>
-      <p:transition spd="med">
+      <p:transition>
         <p:fade/>
       </p:transition>
     </mc:Fallback>
@@ -2034,10 +2454,10 @@
           <a:lstStyle/>
           <a:p>
             <a:r>
-              <a:rPr lang="en-GB"/>
+              <a:rPr lang="en-GB" dirty="0"/>
               <a:t>Click to edit Master title style</a:t>
             </a:r>
-            <a:endParaRPr lang="en-CH"/>
+            <a:endParaRPr lang="en-CH" dirty="0"/>
           </a:p>
         </p:txBody>
       </p:sp>
@@ -2136,12 +2556,12 @@
   </p:clrMapOvr>
   <mc:AlternateContent xmlns:mc="http://schemas.openxmlformats.org/markup-compatibility/2006">
     <mc:Choice xmlns:p14="http://schemas.microsoft.com/office/powerpoint/2010/main" Requires="p14">
-      <p:transition spd="med" p14:dur="700">
+      <p:transition p14:dur="200">
         <p:fade/>
       </p:transition>
     </mc:Choice>
     <mc:Fallback>
-      <p:transition spd="med">
+      <p:transition>
         <p:fade/>
       </p:transition>
     </mc:Fallback>
@@ -2261,12 +2681,12 @@
   </p:clrMapOvr>
   <mc:AlternateContent xmlns:mc="http://schemas.openxmlformats.org/markup-compatibility/2006">
     <mc:Choice xmlns:p14="http://schemas.microsoft.com/office/powerpoint/2010/main" Requires="p14">
-      <p:transition spd="med" p14:dur="700">
+      <p:transition p14:dur="200">
         <p:fade/>
       </p:transition>
     </mc:Choice>
     <mc:Fallback>
-      <p:transition spd="med">
+      <p:transition>
         <p:fade/>
       </p:transition>
     </mc:Fallback>
@@ -2586,12 +3006,12 @@
   </p:clrMapOvr>
   <mc:AlternateContent xmlns:mc="http://schemas.openxmlformats.org/markup-compatibility/2006">
     <mc:Choice xmlns:p14="http://schemas.microsoft.com/office/powerpoint/2010/main" Requires="p14">
-      <p:transition spd="med" p14:dur="700">
+      <p:transition p14:dur="200">
         <p:fade/>
       </p:transition>
     </mc:Choice>
     <mc:Fallback>
-      <p:transition spd="med">
+      <p:transition>
         <p:fade/>
       </p:transition>
     </mc:Fallback>
@@ -2887,12 +3307,12 @@
   </p:clrMapOvr>
   <mc:AlternateContent xmlns:mc="http://schemas.openxmlformats.org/markup-compatibility/2006">
     <mc:Choice xmlns:p14="http://schemas.microsoft.com/office/powerpoint/2010/main" Requires="p14">
-      <p:transition spd="med" p14:dur="700">
+      <p:transition p14:dur="200">
         <p:fade/>
       </p:transition>
     </mc:Choice>
     <mc:Fallback>
-      <p:transition spd="med">
+      <p:transition>
         <p:fade/>
       </p:transition>
     </mc:Fallback>
@@ -2904,9 +3324,15 @@
 <p:sldMaster xmlns:a="http://schemas.openxmlformats.org/drawingml/2006/main" xmlns:r="http://schemas.openxmlformats.org/officeDocument/2006/relationships" xmlns:p="http://schemas.openxmlformats.org/presentationml/2006/main">
   <p:cSld>
     <p:bg>
-      <p:bgRef idx="1001">
-        <a:schemeClr val="bg1"/>
-      </p:bgRef>
+      <p:bgPr>
+        <a:solidFill>
+          <a:schemeClr val="bg2">
+            <a:tint val="95000"/>
+            <a:satMod val="170000"/>
+          </a:schemeClr>
+        </a:solidFill>
+        <a:effectLst/>
+      </p:bgPr>
     </p:bg>
     <p:spTree>
       <p:nvGrpSpPr>
@@ -2940,8 +3366,8 @@
         </p:nvSpPr>
         <p:spPr>
           <a:xfrm>
-            <a:off x="838200" y="365125"/>
-            <a:ext cx="10515600" cy="1325563"/>
+            <a:off x="838200" y="180000"/>
+            <a:ext cx="10515600" cy="864000"/>
           </a:xfrm>
           <a:prstGeom prst="rect">
             <a:avLst/>
@@ -2954,10 +3380,10 @@
           <a:lstStyle/>
           <a:p>
             <a:r>
-              <a:rPr lang="en-GB"/>
+              <a:rPr lang="en-GB" dirty="0"/>
               <a:t>Click to edit Master title style</a:t>
             </a:r>
-            <a:endParaRPr lang="en-CH"/>
+            <a:endParaRPr lang="en-CH" dirty="0"/>
           </a:p>
         </p:txBody>
       </p:sp>
@@ -2979,8 +3405,8 @@
         </p:nvSpPr>
         <p:spPr>
           <a:xfrm>
-            <a:off x="838200" y="1825625"/>
-            <a:ext cx="10515600" cy="4351338"/>
+            <a:off x="838200" y="1658319"/>
+            <a:ext cx="10515600" cy="4518644"/>
           </a:xfrm>
           <a:prstGeom prst="rect">
             <a:avLst/>
@@ -2994,38 +3420,38 @@
           <a:p>
             <a:pPr lvl="0"/>
             <a:r>
-              <a:rPr lang="en-GB"/>
+              <a:rPr lang="en-GB" dirty="0"/>
               <a:t>Click to edit Master text styles</a:t>
             </a:r>
           </a:p>
           <a:p>
             <a:pPr lvl="1"/>
             <a:r>
-              <a:rPr lang="en-GB"/>
+              <a:rPr lang="en-GB" dirty="0"/>
               <a:t>Second level</a:t>
             </a:r>
           </a:p>
           <a:p>
             <a:pPr lvl="2"/>
             <a:r>
-              <a:rPr lang="en-GB"/>
+              <a:rPr lang="en-GB" dirty="0"/>
               <a:t>Third level</a:t>
             </a:r>
           </a:p>
           <a:p>
             <a:pPr lvl="3"/>
             <a:r>
-              <a:rPr lang="en-GB"/>
+              <a:rPr lang="en-GB" dirty="0"/>
               <a:t>Fourth level</a:t>
             </a:r>
           </a:p>
           <a:p>
             <a:pPr lvl="4"/>
             <a:r>
-              <a:rPr lang="en-GB"/>
+              <a:rPr lang="en-GB" dirty="0"/>
               <a:t>Fifth level</a:t>
             </a:r>
-            <a:endParaRPr lang="en-CH"/>
+            <a:endParaRPr lang="en-CH" dirty="0"/>
           </a:p>
         </p:txBody>
       </p:sp>
@@ -3175,8 +3601,8 @@
   </p:cSld>
   <p:clrMap bg1="lt1" tx1="dk1" bg2="lt2" tx2="dk2" accent1="accent1" accent2="accent2" accent3="accent3" accent4="accent4" accent5="accent5" accent6="accent6" hlink="hlink" folHlink="folHlink"/>
   <p:sldLayoutIdLst>
-    <p:sldLayoutId id="2147483649" r:id="rId1"/>
-    <p:sldLayoutId id="2147483650" r:id="rId2"/>
+    <p:sldLayoutId id="2147483650" r:id="rId1"/>
+    <p:sldLayoutId id="2147483649" r:id="rId2"/>
     <p:sldLayoutId id="2147483651" r:id="rId3"/>
     <p:sldLayoutId id="2147483652" r:id="rId4"/>
     <p:sldLayoutId id="2147483653" r:id="rId5"/>
@@ -3189,12 +3615,12 @@
   </p:sldLayoutIdLst>
   <mc:AlternateContent xmlns:mc="http://schemas.openxmlformats.org/markup-compatibility/2006">
     <mc:Choice xmlns:p14="http://schemas.microsoft.com/office/powerpoint/2010/main" Requires="p14">
-      <p:transition spd="med" p14:dur="700">
+      <p:transition p14:dur="200">
         <p:fade/>
       </p:transition>
     </mc:Choice>
     <mc:Fallback>
-      <p:transition spd="med">
+      <p:transition>
         <p:fade/>
       </p:transition>
     </mc:Fallback>
@@ -3209,7 +3635,7 @@
           <a:spcPct val="0"/>
         </a:spcBef>
         <a:buNone/>
-        <a:defRPr sz="4400" kern="1200">
+        <a:defRPr sz="4400" b="1" kern="1200">
           <a:solidFill>
             <a:schemeClr val="tx1"/>
           </a:solidFill>
@@ -3233,7 +3659,7 @@
           <a:solidFill>
             <a:schemeClr val="tx1"/>
           </a:solidFill>
-          <a:latin typeface="+mn-lt"/>
+          <a:latin typeface="+mj-lt"/>
           <a:ea typeface="+mn-ea"/>
           <a:cs typeface="+mn-cs"/>
         </a:defRPr>
@@ -3251,7 +3677,7 @@
           <a:solidFill>
             <a:schemeClr val="tx1"/>
           </a:solidFill>
-          <a:latin typeface="+mn-lt"/>
+          <a:latin typeface="+mj-lt"/>
           <a:ea typeface="+mn-ea"/>
           <a:cs typeface="+mn-cs"/>
         </a:defRPr>
@@ -3269,7 +3695,7 @@
           <a:solidFill>
             <a:schemeClr val="tx1"/>
           </a:solidFill>
-          <a:latin typeface="+mn-lt"/>
+          <a:latin typeface="+mj-lt"/>
           <a:ea typeface="+mn-ea"/>
           <a:cs typeface="+mn-cs"/>
         </a:defRPr>
@@ -3287,7 +3713,7 @@
           <a:solidFill>
             <a:schemeClr val="tx1"/>
           </a:solidFill>
-          <a:latin typeface="+mn-lt"/>
+          <a:latin typeface="+mj-lt"/>
           <a:ea typeface="+mn-ea"/>
           <a:cs typeface="+mn-cs"/>
         </a:defRPr>
@@ -3305,7 +3731,7 @@
           <a:solidFill>
             <a:schemeClr val="tx1"/>
           </a:solidFill>
-          <a:latin typeface="+mn-lt"/>
+          <a:latin typeface="+mj-lt"/>
           <a:ea typeface="+mn-ea"/>
           <a:cs typeface="+mn-cs"/>
         </a:defRPr>
@@ -3485,14 +3911,6 @@
 <file path=ppt/slides/slide1.xml><?xml version="1.0" encoding="utf-8"?>
 <p:sld xmlns:a="http://schemas.openxmlformats.org/drawingml/2006/main" xmlns:r="http://schemas.openxmlformats.org/officeDocument/2006/relationships" xmlns:p="http://schemas.openxmlformats.org/presentationml/2006/main">
   <p:cSld>
-    <p:bg>
-      <p:bgPr>
-        <a:solidFill>
-          <a:srgbClr val="000000"/>
-        </a:solidFill>
-        <a:effectLst/>
-      </p:bgPr>
-    </p:bg>
     <p:spTree>
       <p:nvGrpSpPr>
         <p:cNvPr id="1" name=""/>
@@ -3509,73 +3927,60 @@
       </p:grpSpPr>
       <p:sp>
         <p:nvSpPr>
-          <p:cNvPr id="11" name="Rectangle 10">
-            <a:extLst>
-              <a:ext uri="{FF2B5EF4-FFF2-40B4-BE49-F238E27FC236}">
-                <a16:creationId xmlns:a16="http://schemas.microsoft.com/office/drawing/2014/main" id="{71B2258F-86CA-4D4D-8270-BC05FCDEBFB3}"/>
-              </a:ext>
-              <a:ext uri="{C183D7F6-B498-43B3-948B-1728B52AA6E4}">
-                <adec:decorative xmlns:adec="http://schemas.microsoft.com/office/drawing/2017/decorative" val="1"/>
-              </a:ext>
-            </a:extLst>
-          </p:cNvPr>
-          <p:cNvSpPr>
-            <a:spLocks noGrp="1" noRot="1" noChangeAspect="1" noMove="1" noResize="1" noEditPoints="1" noAdjustHandles="1" noChangeArrowheads="1" noChangeShapeType="1" noTextEdit="1"/>
-          </p:cNvSpPr>
-          <p:nvPr>
-            <p:extLst>
-              <p:ext uri="{386F3935-93C4-4BCD-93E2-E3B085C9AB24}">
-                <p16:designElem xmlns:p16="http://schemas.microsoft.com/office/powerpoint/2015/main" val="1"/>
-              </p:ext>
-            </p:extLst>
-          </p:nvPr>
-        </p:nvSpPr>
-        <p:spPr>
-          <a:xfrm>
-            <a:off x="0" y="0"/>
-            <a:ext cx="12192000" cy="6857999"/>
-          </a:xfrm>
-          <a:prstGeom prst="rect">
-            <a:avLst/>
-          </a:prstGeom>
-          <a:solidFill>
-            <a:srgbClr val="000000"/>
-          </a:solidFill>
-          <a:ln>
-            <a:noFill/>
-          </a:ln>
-        </p:spPr>
-        <p:style>
-          <a:lnRef idx="2">
-            <a:schemeClr val="accent1">
-              <a:shade val="50000"/>
-            </a:schemeClr>
-          </a:lnRef>
-          <a:fillRef idx="1">
-            <a:schemeClr val="accent1"/>
-          </a:fillRef>
-          <a:effectRef idx="0">
-            <a:schemeClr val="accent1"/>
-          </a:effectRef>
-          <a:fontRef idx="minor">
-            <a:schemeClr val="lt1"/>
-          </a:fontRef>
-        </p:style>
-        <p:txBody>
-          <a:bodyPr rtlCol="0" anchor="ctr"/>
+          <p:cNvPr id="2" name="Title 1">
+            <a:extLst>
+              <a:ext uri="{FF2B5EF4-FFF2-40B4-BE49-F238E27FC236}">
+                <a16:creationId xmlns:a16="http://schemas.microsoft.com/office/drawing/2014/main" id="{EA0F9D2A-B4FF-9F4F-B83A-CDCE4274A4A9}"/>
+              </a:ext>
+            </a:extLst>
+          </p:cNvPr>
+          <p:cNvSpPr>
+            <a:spLocks noGrp="1"/>
+          </p:cNvSpPr>
+          <p:nvPr>
+            <p:ph type="ctrTitle"/>
+          </p:nvPr>
+        </p:nvSpPr>
+        <p:spPr/>
+        <p:txBody>
+          <a:bodyPr/>
           <a:lstStyle/>
           <a:p>
-            <a:pPr algn="ctr"/>
-            <a:endParaRPr lang="en-US"/>
+            <a:endParaRPr lang="en-CH"/>
+          </a:p>
+        </p:txBody>
+      </p:sp>
+      <p:sp>
+        <p:nvSpPr>
+          <p:cNvPr id="3" name="Subtitle 2">
+            <a:extLst>
+              <a:ext uri="{FF2B5EF4-FFF2-40B4-BE49-F238E27FC236}">
+                <a16:creationId xmlns:a16="http://schemas.microsoft.com/office/drawing/2014/main" id="{9E8B8044-5476-F147-AFDC-CE938B1E5D15}"/>
+              </a:ext>
+            </a:extLst>
+          </p:cNvPr>
+          <p:cNvSpPr>
+            <a:spLocks noGrp="1"/>
+          </p:cNvSpPr>
+          <p:nvPr>
+            <p:ph type="subTitle" idx="1"/>
+          </p:nvPr>
+        </p:nvSpPr>
+        <p:spPr/>
+        <p:txBody>
+          <a:bodyPr/>
+          <a:lstStyle/>
+          <a:p>
+            <a:endParaRPr lang="en-CH"/>
           </a:p>
         </p:txBody>
       </p:sp>
       <p:pic>
         <p:nvPicPr>
-          <p:cNvPr id="6" name="Picture 4" descr="Cinema movie theater - Download Free Vectors, Clipart Graphics &amp; Vector Art">
-            <a:extLst>
-              <a:ext uri="{FF2B5EF4-FFF2-40B4-BE49-F238E27FC236}">
-                <a16:creationId xmlns:a16="http://schemas.microsoft.com/office/drawing/2014/main" id="{FB4915B5-8DCB-5540-8087-49E22498E7B6}"/>
+          <p:cNvPr id="2050" name="Picture 2" descr="Cinema">
+            <a:extLst>
+              <a:ext uri="{FF2B5EF4-FFF2-40B4-BE49-F238E27FC236}">
+                <a16:creationId xmlns:a16="http://schemas.microsoft.com/office/drawing/2014/main" id="{8394E2BE-DF8D-654B-B158-8FD1BC7F488A}"/>
               </a:ext>
             </a:extLst>
           </p:cNvPr>
@@ -3584,31 +3989,23 @@
           </p:cNvPicPr>
           <p:nvPr/>
         </p:nvPicPr>
-        <p:blipFill rotWithShape="1">
+        <p:blipFill>
           <a:blip r:embed="rId2">
-            <a:alphaModFix amt="50000"/>
-            <a:extLst>
-              <a:ext uri="{BEBA8EAE-BF5A-486C-A8C5-ECC9F3942E4B}">
-                <a14:imgProps xmlns:a14="http://schemas.microsoft.com/office/drawing/2010/main">
-                  <a14:imgLayer r:embed="rId3">
-                    <a14:imgEffect>
-                      <a14:brightnessContrast bright="40000" contrast="-40000"/>
-                    </a14:imgEffect>
-                  </a14:imgLayer>
-                </a14:imgProps>
-              </a:ext>
+            <a:extLst>
               <a:ext uri="{28A0092B-C50C-407E-A947-70E740481C1C}">
                 <a14:useLocalDpi xmlns:a14="http://schemas.microsoft.com/office/drawing/2010/main" val="0"/>
               </a:ext>
             </a:extLst>
           </a:blip>
-          <a:srcRect b="10000"/>
-          <a:stretch/>
+          <a:srcRect/>
+          <a:stretch>
+            <a:fillRect/>
+          </a:stretch>
         </p:blipFill>
         <p:spPr bwMode="auto">
           <a:xfrm>
-            <a:off x="20" y="1"/>
-            <a:ext cx="12191980" cy="6857999"/>
+            <a:off x="-142754" y="-701738"/>
+            <a:ext cx="12477509" cy="8261476"/>
           </a:xfrm>
           <a:prstGeom prst="rect">
             <a:avLst/>
@@ -3627,88 +4024,105 @@
       </p:pic>
       <p:sp>
         <p:nvSpPr>
-          <p:cNvPr id="2" name="Title 1">
-            <a:extLst>
-              <a:ext uri="{FF2B5EF4-FFF2-40B4-BE49-F238E27FC236}">
-                <a16:creationId xmlns:a16="http://schemas.microsoft.com/office/drawing/2014/main" id="{D0E5817F-8255-2041-A570-9ED5E788C862}"/>
-              </a:ext>
-            </a:extLst>
-          </p:cNvPr>
-          <p:cNvSpPr>
-            <a:spLocks noGrp="1"/>
-          </p:cNvSpPr>
-          <p:nvPr>
-            <p:ph type="ctrTitle"/>
-          </p:nvPr>
+          <p:cNvPr id="5" name="Title 1">
+            <a:extLst>
+              <a:ext uri="{FF2B5EF4-FFF2-40B4-BE49-F238E27FC236}">
+                <a16:creationId xmlns:a16="http://schemas.microsoft.com/office/drawing/2014/main" id="{3E91E484-2FE7-B34B-9B76-5279247EB851}"/>
+              </a:ext>
+            </a:extLst>
+          </p:cNvPr>
+          <p:cNvSpPr txBox="1">
+            <a:spLocks/>
+          </p:cNvSpPr>
+          <p:nvPr/>
         </p:nvSpPr>
         <p:spPr>
           <a:xfrm>
-            <a:off x="1524000" y="558140"/>
-            <a:ext cx="9144000" cy="1662617"/>
-          </a:xfrm>
-        </p:spPr>
-        <p:txBody>
-          <a:bodyPr>
+            <a:off x="1524000" y="951678"/>
+            <a:ext cx="9144000" cy="1479004"/>
+          </a:xfrm>
+          <a:prstGeom prst="rect">
+            <a:avLst/>
+          </a:prstGeom>
+        </p:spPr>
+        <p:txBody>
+          <a:bodyPr vert="horz" lIns="91440" tIns="45720" rIns="91440" bIns="45720" rtlCol="0" anchor="b">
             <a:normAutofit/>
           </a:bodyPr>
+          <a:lstStyle>
+            <a:lvl1pPr algn="ctr" defTabSz="914400" rtl="0" eaLnBrk="1" latinLnBrk="0" hangingPunct="1">
+              <a:lnSpc>
+                <a:spcPct val="90000"/>
+              </a:lnSpc>
+              <a:spcBef>
+                <a:spcPct val="0"/>
+              </a:spcBef>
+              <a:buNone/>
+              <a:defRPr sz="6000" kern="1200">
+                <a:solidFill>
+                  <a:schemeClr val="tx1"/>
+                </a:solidFill>
+                <a:latin typeface="+mj-lt"/>
+                <a:ea typeface="+mj-ea"/>
+                <a:cs typeface="+mj-cs"/>
+              </a:defRPr>
+            </a:lvl1pPr>
+          </a:lstStyle>
+          <a:p>
+            <a:r>
+              <a:rPr lang="en-CH" sz="8000" dirty="0">
+                <a:solidFill>
+                  <a:schemeClr val="bg1"/>
+                </a:solidFill>
+                <a:effectLst>
+                  <a:outerShdw blurRad="50800" dist="38100" dir="2700000" algn="tl" rotWithShape="0">
+                    <a:prstClr val="black">
+                      <a:alpha val="40000"/>
+                    </a:prstClr>
+                  </a:outerShdw>
+                </a:effectLst>
+              </a:rPr>
+              <a:t>Movie search</a:t>
+            </a:r>
+          </a:p>
+        </p:txBody>
+      </p:sp>
+      <p:sp>
+        <p:nvSpPr>
+          <p:cNvPr id="8" name="TextBox 7">
+            <a:extLst>
+              <a:ext uri="{FF2B5EF4-FFF2-40B4-BE49-F238E27FC236}">
+                <a16:creationId xmlns:a16="http://schemas.microsoft.com/office/drawing/2014/main" id="{63E80072-396A-7B4E-876B-B848F97E4D39}"/>
+              </a:ext>
+            </a:extLst>
+          </p:cNvPr>
+          <p:cNvSpPr txBox="1"/>
+          <p:nvPr/>
+        </p:nvSpPr>
+        <p:spPr>
+          <a:xfrm>
+            <a:off x="3716482" y="2905780"/>
+            <a:ext cx="4759036" cy="523220"/>
+          </a:xfrm>
+          <a:prstGeom prst="rect">
+            <a:avLst/>
+          </a:prstGeom>
+          <a:noFill/>
+        </p:spPr>
+        <p:txBody>
+          <a:bodyPr wrap="square" rtlCol="0">
+            <a:spAutoFit/>
+          </a:bodyPr>
           <a:lstStyle/>
           <a:p>
-            <a:r>
-              <a:rPr lang="en-CH" dirty="0">
+            <a:pPr algn="ctr"/>
+            <a:r>
+              <a:rPr lang="en-CH" sz="2800" dirty="0">
                 <a:solidFill>
                   <a:schemeClr val="bg1"/>
                 </a:solidFill>
               </a:rPr>
-              <a:t>Movie search</a:t>
-            </a:r>
-          </a:p>
-        </p:txBody>
-      </p:sp>
-      <p:sp>
-        <p:nvSpPr>
-          <p:cNvPr id="3" name="Subtitle 2">
-            <a:extLst>
-              <a:ext uri="{FF2B5EF4-FFF2-40B4-BE49-F238E27FC236}">
-                <a16:creationId xmlns:a16="http://schemas.microsoft.com/office/drawing/2014/main" id="{D8EDE9C4-243E-414D-99F6-8C677A7CD846}"/>
-              </a:ext>
-            </a:extLst>
-          </p:cNvPr>
-          <p:cNvSpPr>
-            <a:spLocks noGrp="1"/>
-          </p:cNvSpPr>
-          <p:nvPr>
-            <p:ph type="subTitle" idx="1"/>
-          </p:nvPr>
-        </p:nvSpPr>
-        <p:spPr>
-          <a:xfrm>
-            <a:off x="1524000" y="2550696"/>
-            <a:ext cx="9144000" cy="1280160"/>
-          </a:xfrm>
-        </p:spPr>
-        <p:txBody>
-          <a:bodyPr>
-            <a:normAutofit/>
-          </a:bodyPr>
-          <a:lstStyle/>
-          <a:p>
-            <a:r>
-              <a:rPr lang="en-CH" dirty="0">
-                <a:solidFill>
-                  <a:schemeClr val="bg1"/>
-                </a:solidFill>
-              </a:rPr>
-              <a:t>IR Final Project</a:t>
-            </a:r>
-          </a:p>
-          <a:p>
-            <a:r>
-              <a:rPr lang="en-CH" dirty="0">
-                <a:solidFill>
-                  <a:schemeClr val="bg1"/>
-                </a:solidFill>
-              </a:rPr>
-              <a:t>Stefano Taillefert</a:t>
+              <a:t>IR Project - Stefano Taillefert</a:t>
             </a:r>
           </a:p>
         </p:txBody>
@@ -3716,21 +4130,339 @@
     </p:spTree>
     <p:extLst>
       <p:ext uri="{BB962C8B-B14F-4D97-AF65-F5344CB8AC3E}">
-        <p14:creationId xmlns:p14="http://schemas.microsoft.com/office/powerpoint/2010/main" val="2195234499"/>
+        <p14:creationId xmlns:p14="http://schemas.microsoft.com/office/powerpoint/2010/main" val="3499351505"/>
       </p:ext>
     </p:extLst>
   </p:cSld>
   <p:clrMapOvr>
-    <a:overrideClrMapping bg1="dk1" tx1="lt1" bg2="dk2" tx2="lt2" accent1="accent1" accent2="accent2" accent3="accent3" accent4="accent4" accent5="accent5" accent6="accent6" hlink="hlink" folHlink="folHlink"/>
+    <a:masterClrMapping/>
   </p:clrMapOvr>
   <mc:AlternateContent xmlns:mc="http://schemas.openxmlformats.org/markup-compatibility/2006">
     <mc:Choice xmlns:p14="http://schemas.microsoft.com/office/powerpoint/2010/main" Requires="p14">
-      <p:transition spd="med" p14:dur="700">
+      <p:transition p14:dur="200">
         <p:fade/>
       </p:transition>
     </mc:Choice>
     <mc:Fallback>
-      <p:transition spd="med">
+      <p:transition>
+        <p:fade/>
+      </p:transition>
+    </mc:Fallback>
+  </mc:AlternateContent>
+</p:sld>
+</file>
+
+<file path=ppt/slides/slide10.xml><?xml version="1.0" encoding="utf-8"?>
+<p:sld xmlns:a="http://schemas.openxmlformats.org/drawingml/2006/main" xmlns:r="http://schemas.openxmlformats.org/officeDocument/2006/relationships" xmlns:p="http://schemas.openxmlformats.org/presentationml/2006/main">
+  <p:cSld>
+    <p:spTree>
+      <p:nvGrpSpPr>
+        <p:cNvPr id="1" name=""/>
+        <p:cNvGrpSpPr/>
+        <p:nvPr/>
+      </p:nvGrpSpPr>
+      <p:grpSpPr>
+        <a:xfrm>
+          <a:off x="0" y="0"/>
+          <a:ext cx="0" cy="0"/>
+          <a:chOff x="0" y="0"/>
+          <a:chExt cx="0" cy="0"/>
+        </a:xfrm>
+      </p:grpSpPr>
+      <p:sp>
+        <p:nvSpPr>
+          <p:cNvPr id="2" name="Title 1">
+            <a:extLst>
+              <a:ext uri="{FF2B5EF4-FFF2-40B4-BE49-F238E27FC236}">
+                <a16:creationId xmlns:a16="http://schemas.microsoft.com/office/drawing/2014/main" id="{C8ACACAB-A7B7-3F43-9E2B-937180C2354B}"/>
+              </a:ext>
+            </a:extLst>
+          </p:cNvPr>
+          <p:cNvSpPr>
+            <a:spLocks noGrp="1"/>
+          </p:cNvSpPr>
+          <p:nvPr>
+            <p:ph type="title"/>
+          </p:nvPr>
+        </p:nvSpPr>
+        <p:spPr>
+          <a:xfrm>
+            <a:off x="838800" y="180000"/>
+            <a:ext cx="10515600" cy="1325563"/>
+          </a:xfrm>
+        </p:spPr>
+        <p:txBody>
+          <a:bodyPr/>
+          <a:lstStyle/>
+          <a:p>
+            <a:r>
+              <a:rPr lang="en-CH" dirty="0"/>
+              <a:t>Questions</a:t>
+            </a:r>
+          </a:p>
+        </p:txBody>
+      </p:sp>
+      <p:sp>
+        <p:nvSpPr>
+          <p:cNvPr id="5" name="TextBox 4">
+            <a:extLst>
+              <a:ext uri="{FF2B5EF4-FFF2-40B4-BE49-F238E27FC236}">
+                <a16:creationId xmlns:a16="http://schemas.microsoft.com/office/drawing/2014/main" id="{EB9F21B8-D179-D14C-8F62-F9459457341F}"/>
+              </a:ext>
+            </a:extLst>
+          </p:cNvPr>
+          <p:cNvSpPr txBox="1"/>
+          <p:nvPr/>
+        </p:nvSpPr>
+        <p:spPr>
+          <a:xfrm>
+            <a:off x="9097505" y="191387"/>
+            <a:ext cx="2944678" cy="369332"/>
+          </a:xfrm>
+          <a:prstGeom prst="rect">
+            <a:avLst/>
+          </a:prstGeom>
+          <a:noFill/>
+        </p:spPr>
+        <p:txBody>
+          <a:bodyPr wrap="square" rtlCol="0">
+            <a:spAutoFit/>
+          </a:bodyPr>
+          <a:lstStyle/>
+          <a:p>
+            <a:r>
+              <a:rPr lang="en-CH" dirty="0"/>
+              <a:t>IR Project - Stefano Taillefert</a:t>
+            </a:r>
+          </a:p>
+        </p:txBody>
+      </p:sp>
+      <p:pic>
+        <p:nvPicPr>
+          <p:cNvPr id="11" name="Picture 10">
+            <a:extLst>
+              <a:ext uri="{FF2B5EF4-FFF2-40B4-BE49-F238E27FC236}">
+                <a16:creationId xmlns:a16="http://schemas.microsoft.com/office/drawing/2014/main" id="{B6840E52-F421-7848-9FC8-65C528741693}"/>
+              </a:ext>
+            </a:extLst>
+          </p:cNvPr>
+          <p:cNvPicPr>
+            <a:picLocks noChangeAspect="1"/>
+          </p:cNvPicPr>
+          <p:nvPr/>
+        </p:nvPicPr>
+        <p:blipFill>
+          <a:blip r:embed="rId2"/>
+          <a:srcRect/>
+          <a:stretch/>
+        </p:blipFill>
+        <p:spPr>
+          <a:xfrm>
+            <a:off x="2589555" y="82543"/>
+            <a:ext cx="6584070" cy="6584070"/>
+          </a:xfrm>
+          <a:prstGeom prst="rect">
+            <a:avLst/>
+          </a:prstGeom>
+        </p:spPr>
+      </p:pic>
+      <p:pic>
+        <p:nvPicPr>
+          <p:cNvPr id="12" name="Picture 11">
+            <a:extLst>
+              <a:ext uri="{FF2B5EF4-FFF2-40B4-BE49-F238E27FC236}">
+                <a16:creationId xmlns:a16="http://schemas.microsoft.com/office/drawing/2014/main" id="{50AFCD7B-552C-424D-9990-0B4AEAEF349E}"/>
+              </a:ext>
+            </a:extLst>
+          </p:cNvPr>
+          <p:cNvPicPr>
+            <a:picLocks noChangeAspect="1"/>
+          </p:cNvPicPr>
+          <p:nvPr/>
+        </p:nvPicPr>
+        <p:blipFill>
+          <a:blip r:embed="rId3"/>
+          <a:srcRect/>
+          <a:stretch/>
+        </p:blipFill>
+        <p:spPr>
+          <a:xfrm>
+            <a:off x="775856" y="180000"/>
+            <a:ext cx="10211467" cy="6984467"/>
+          </a:xfrm>
+          <a:prstGeom prst="rect">
+            <a:avLst/>
+          </a:prstGeom>
+        </p:spPr>
+      </p:pic>
+    </p:spTree>
+    <p:extLst>
+      <p:ext uri="{BB962C8B-B14F-4D97-AF65-F5344CB8AC3E}">
+        <p14:creationId xmlns:p14="http://schemas.microsoft.com/office/powerpoint/2010/main" val="1911152580"/>
+      </p:ext>
+    </p:extLst>
+  </p:cSld>
+  <p:clrMapOvr>
+    <a:masterClrMapping/>
+  </p:clrMapOvr>
+  <mc:AlternateContent xmlns:mc="http://schemas.openxmlformats.org/markup-compatibility/2006">
+    <mc:Choice xmlns:p14="http://schemas.microsoft.com/office/powerpoint/2010/main" Requires="p14">
+      <p:transition p14:dur="200">
+        <p:fade/>
+      </p:transition>
+    </mc:Choice>
+    <mc:Fallback>
+      <p:transition>
+        <p:fade/>
+      </p:transition>
+    </mc:Fallback>
+  </mc:AlternateContent>
+</p:sld>
+</file>
+
+<file path=ppt/slides/slide11.xml><?xml version="1.0" encoding="utf-8"?>
+<p:sld xmlns:a="http://schemas.openxmlformats.org/drawingml/2006/main" xmlns:r="http://schemas.openxmlformats.org/officeDocument/2006/relationships" xmlns:p="http://schemas.openxmlformats.org/presentationml/2006/main">
+  <p:cSld>
+    <p:spTree>
+      <p:nvGrpSpPr>
+        <p:cNvPr id="1" name=""/>
+        <p:cNvGrpSpPr/>
+        <p:nvPr/>
+      </p:nvGrpSpPr>
+      <p:grpSpPr>
+        <a:xfrm>
+          <a:off x="0" y="0"/>
+          <a:ext cx="0" cy="0"/>
+          <a:chOff x="0" y="0"/>
+          <a:chExt cx="0" cy="0"/>
+        </a:xfrm>
+      </p:grpSpPr>
+      <p:sp>
+        <p:nvSpPr>
+          <p:cNvPr id="2" name="Title 1">
+            <a:extLst>
+              <a:ext uri="{FF2B5EF4-FFF2-40B4-BE49-F238E27FC236}">
+                <a16:creationId xmlns:a16="http://schemas.microsoft.com/office/drawing/2014/main" id="{E1493BF0-AFAF-A346-AD82-5431E9F2E1C0}"/>
+              </a:ext>
+            </a:extLst>
+          </p:cNvPr>
+          <p:cNvSpPr>
+            <a:spLocks noGrp="1"/>
+          </p:cNvSpPr>
+          <p:nvPr>
+            <p:ph type="ctrTitle"/>
+          </p:nvPr>
+        </p:nvSpPr>
+        <p:spPr/>
+        <p:txBody>
+          <a:bodyPr/>
+          <a:lstStyle/>
+          <a:p>
+            <a:r>
+              <a:rPr lang="en-CH" dirty="0"/>
+              <a:t>Demo time!</a:t>
+            </a:r>
+          </a:p>
+        </p:txBody>
+      </p:sp>
+      <p:pic>
+        <p:nvPicPr>
+          <p:cNvPr id="7170" name="Picture 2" descr="Fubuki &quot;YABE&quot; - YouTube">
+            <a:extLst>
+              <a:ext uri="{FF2B5EF4-FFF2-40B4-BE49-F238E27FC236}">
+                <a16:creationId xmlns:a16="http://schemas.microsoft.com/office/drawing/2014/main" id="{E63856B0-AB58-E746-8A7C-AF01980EE367}"/>
+              </a:ext>
+            </a:extLst>
+          </p:cNvPr>
+          <p:cNvPicPr>
+            <a:picLocks noChangeAspect="1" noChangeArrowheads="1"/>
+          </p:cNvPicPr>
+          <p:nvPr/>
+        </p:nvPicPr>
+        <p:blipFill rotWithShape="1">
+          <a:blip r:embed="rId2">
+            <a:extLst>
+              <a:ext uri="{28A0092B-C50C-407E-A947-70E740481C1C}">
+                <a14:useLocalDpi xmlns:a14="http://schemas.microsoft.com/office/drawing/2010/main" val="0"/>
+              </a:ext>
+            </a:extLst>
+          </a:blip>
+          <a:srcRect l="3974" r="12031"/>
+          <a:stretch/>
+        </p:blipFill>
+        <p:spPr bwMode="auto">
+          <a:xfrm>
+            <a:off x="8725786" y="4500711"/>
+            <a:ext cx="3370521" cy="2257200"/>
+          </a:xfrm>
+          <a:prstGeom prst="rect">
+            <a:avLst/>
+          </a:prstGeom>
+          <a:noFill/>
+          <a:extLst>
+            <a:ext uri="{909E8E84-426E-40DD-AFC4-6F175D3DCCD1}">
+              <a14:hiddenFill xmlns:a14="http://schemas.microsoft.com/office/drawing/2010/main">
+                <a:solidFill>
+                  <a:srgbClr val="FFFFFF"/>
+                </a:solidFill>
+              </a14:hiddenFill>
+            </a:ext>
+          </a:extLst>
+        </p:spPr>
+      </p:pic>
+      <p:sp>
+        <p:nvSpPr>
+          <p:cNvPr id="8" name="TextBox 7">
+            <a:extLst>
+              <a:ext uri="{FF2B5EF4-FFF2-40B4-BE49-F238E27FC236}">
+                <a16:creationId xmlns:a16="http://schemas.microsoft.com/office/drawing/2014/main" id="{B1B8C249-2360-384A-839B-7EEF84051D5B}"/>
+              </a:ext>
+            </a:extLst>
+          </p:cNvPr>
+          <p:cNvSpPr txBox="1"/>
+          <p:nvPr/>
+        </p:nvSpPr>
+        <p:spPr>
+          <a:xfrm>
+            <a:off x="9097505" y="191387"/>
+            <a:ext cx="2944678" cy="369332"/>
+          </a:xfrm>
+          <a:prstGeom prst="rect">
+            <a:avLst/>
+          </a:prstGeom>
+          <a:noFill/>
+        </p:spPr>
+        <p:txBody>
+          <a:bodyPr wrap="square" rtlCol="0">
+            <a:spAutoFit/>
+          </a:bodyPr>
+          <a:lstStyle/>
+          <a:p>
+            <a:r>
+              <a:rPr lang="en-CH" dirty="0"/>
+              <a:t>IR Project - Stefano Taillefert</a:t>
+            </a:r>
+          </a:p>
+        </p:txBody>
+      </p:sp>
+    </p:spTree>
+    <p:extLst>
+      <p:ext uri="{BB962C8B-B14F-4D97-AF65-F5344CB8AC3E}">
+        <p14:creationId xmlns:p14="http://schemas.microsoft.com/office/powerpoint/2010/main" val="3781458819"/>
+      </p:ext>
+    </p:extLst>
+  </p:cSld>
+  <p:clrMapOvr>
+    <a:masterClrMapping/>
+  </p:clrMapOvr>
+  <mc:AlternateContent xmlns:mc="http://schemas.openxmlformats.org/markup-compatibility/2006">
+    <mc:Choice xmlns:p14="http://schemas.microsoft.com/office/powerpoint/2010/main" Requires="p14">
+      <p:transition p14:dur="200">
+        <p:fade/>
+      </p:transition>
+    </mc:Choice>
+    <mc:Fallback>
+      <p:transition>
         <p:fade/>
       </p:transition>
     </mc:Fallback>
@@ -3773,7 +4505,7 @@
         </p:nvSpPr>
         <p:spPr>
           <a:xfrm>
-            <a:off x="838200" y="184369"/>
+            <a:off x="838800" y="180000"/>
             <a:ext cx="10515600" cy="1325563"/>
           </a:xfrm>
         </p:spPr>
@@ -3866,7 +4598,7 @@
             </a:pPr>
             <a:r>
               <a:rPr lang="en-CH" dirty="0"/>
-              <a:t>Step 4: </a:t>
+              <a:t>Step 4: ?</a:t>
             </a:r>
           </a:p>
           <a:p>
@@ -3915,7 +4647,7 @@
         </p:blipFill>
         <p:spPr bwMode="auto">
           <a:xfrm>
-            <a:off x="2304313" y="4572002"/>
+            <a:off x="2284325" y="3889149"/>
             <a:ext cx="949250" cy="949250"/>
           </a:xfrm>
           <a:prstGeom prst="rect">
@@ -3947,7 +4679,7 @@
         </p:nvSpPr>
         <p:spPr>
           <a:xfrm rot="21095052">
-            <a:off x="2328477" y="4243792"/>
+            <a:off x="2018511" y="3772402"/>
             <a:ext cx="531628" cy="369332"/>
           </a:xfrm>
           <a:prstGeom prst="rect">
@@ -3997,7 +4729,7 @@
         </p:blipFill>
         <p:spPr bwMode="auto">
           <a:xfrm>
-            <a:off x="3912781" y="5167312"/>
+            <a:off x="2280811" y="5167312"/>
             <a:ext cx="1435397" cy="1435397"/>
           </a:xfrm>
           <a:prstGeom prst="rect">
@@ -4015,6 +4747,41 @@
           </a:extLst>
         </p:spPr>
       </p:pic>
+      <p:sp>
+        <p:nvSpPr>
+          <p:cNvPr id="5" name="TextBox 4">
+            <a:extLst>
+              <a:ext uri="{FF2B5EF4-FFF2-40B4-BE49-F238E27FC236}">
+                <a16:creationId xmlns:a16="http://schemas.microsoft.com/office/drawing/2014/main" id="{EB9F21B8-D179-D14C-8F62-F9459457341F}"/>
+              </a:ext>
+            </a:extLst>
+          </p:cNvPr>
+          <p:cNvSpPr txBox="1"/>
+          <p:nvPr/>
+        </p:nvSpPr>
+        <p:spPr>
+          <a:xfrm>
+            <a:off x="9097505" y="191387"/>
+            <a:ext cx="2944678" cy="369332"/>
+          </a:xfrm>
+          <a:prstGeom prst="rect">
+            <a:avLst/>
+          </a:prstGeom>
+          <a:noFill/>
+        </p:spPr>
+        <p:txBody>
+          <a:bodyPr wrap="square" rtlCol="0">
+            <a:spAutoFit/>
+          </a:bodyPr>
+          <a:lstStyle/>
+          <a:p>
+            <a:r>
+              <a:rPr lang="en-CH" dirty="0"/>
+              <a:t>IR Project - Stefano Taillefert</a:t>
+            </a:r>
+          </a:p>
+        </p:txBody>
+      </p:sp>
     </p:spTree>
     <p:extLst>
       <p:ext uri="{BB962C8B-B14F-4D97-AF65-F5344CB8AC3E}">
@@ -4026,13 +4793,13 @@
     <a:masterClrMapping/>
   </p:clrMapOvr>
   <mc:AlternateContent xmlns:mc="http://schemas.openxmlformats.org/markup-compatibility/2006">
-    <mc:Choice xmlns:p14="http://schemas.microsoft.com/office/powerpoint/2010/main" Requires="p14">
-      <p:transition spd="med" p14:dur="700">
-        <p:fade/>
+    <mc:Choice xmlns:p159="http://schemas.microsoft.com/office/powerpoint/2015/09/main" Requires="p159">
+      <p:transition xmlns:p14="http://schemas.microsoft.com/office/powerpoint/2010/main" spd="slow" p14:dur="2000">
+        <p159:morph option="byObject"/>
       </p:transition>
     </mc:Choice>
     <mc:Fallback>
-      <p:transition spd="med">
+      <p:transition spd="slow">
         <p:fade/>
       </p:transition>
     </mc:Fallback>
@@ -4049,6 +4816,9 @@
                     <p:cTn id="3" fill="hold">
                       <p:stCondLst>
                         <p:cond delay="indefinite"/>
+                        <p:cond evt="onBegin" delay="0">
+                          <p:tn val="2"/>
+                        </p:cond>
                       </p:stCondLst>
                       <p:childTnLst>
                         <p:par>
@@ -4058,7 +4828,7 @@
                             </p:stCondLst>
                             <p:childTnLst>
                               <p:par>
-                                <p:cTn id="5" presetID="1" presetClass="entr" presetSubtype="0" fill="hold" grpId="0" nodeType="clickEffect">
+                                <p:cTn id="5" presetID="1" presetClass="entr" presetSubtype="0" fill="hold" grpId="0" nodeType="withEffect">
                                   <p:stCondLst>
                                     <p:cond delay="0"/>
                                   </p:stCondLst>
@@ -4435,7 +5205,7 @@
         </p:nvSpPr>
         <p:spPr>
           <a:xfrm>
-            <a:off x="838200" y="184369"/>
+            <a:off x="838800" y="180000"/>
             <a:ext cx="10515600" cy="1325563"/>
           </a:xfrm>
         </p:spPr>
@@ -4516,14 +5286,55 @@
               <a:t>Easily extendable</a:t>
             </a:r>
           </a:p>
+          <a:p>
+            <a:pPr marL="0" indent="0">
+              <a:buNone/>
+            </a:pPr>
+            <a:endParaRPr lang="en-CH" dirty="0"/>
+          </a:p>
+        </p:txBody>
+      </p:sp>
+      <p:sp>
+        <p:nvSpPr>
+          <p:cNvPr id="5" name="TextBox 4">
+            <a:extLst>
+              <a:ext uri="{FF2B5EF4-FFF2-40B4-BE49-F238E27FC236}">
+                <a16:creationId xmlns:a16="http://schemas.microsoft.com/office/drawing/2014/main" id="{EB9F21B8-D179-D14C-8F62-F9459457341F}"/>
+              </a:ext>
+            </a:extLst>
+          </p:cNvPr>
+          <p:cNvSpPr txBox="1"/>
+          <p:nvPr/>
+        </p:nvSpPr>
+        <p:spPr>
+          <a:xfrm>
+            <a:off x="9097505" y="191387"/>
+            <a:ext cx="2944678" cy="369332"/>
+          </a:xfrm>
+          <a:prstGeom prst="rect">
+            <a:avLst/>
+          </a:prstGeom>
+          <a:noFill/>
+        </p:spPr>
+        <p:txBody>
+          <a:bodyPr wrap="square" rtlCol="0">
+            <a:spAutoFit/>
+          </a:bodyPr>
+          <a:lstStyle/>
+          <a:p>
+            <a:r>
+              <a:rPr lang="en-CH" dirty="0"/>
+              <a:t>IR Project - Stefano Taillefert</a:t>
+            </a:r>
+          </a:p>
         </p:txBody>
       </p:sp>
       <p:pic>
         <p:nvPicPr>
-          <p:cNvPr id="11266" name="Picture 2" descr="Feeling Like a Tech Dummy? IntelliSyn Offers Access to the For Dummies  Books to Change That! - IntelliSyn Communications Inc.">
-            <a:extLst>
-              <a:ext uri="{FF2B5EF4-FFF2-40B4-BE49-F238E27FC236}">
-                <a16:creationId xmlns:a16="http://schemas.microsoft.com/office/drawing/2014/main" id="{0253EB64-EFA5-1F4B-AE90-F5BA43385453}"/>
+          <p:cNvPr id="8" name="Picture 2" descr="Feeling Like a Tech Dummy? IntelliSyn Offers Access to the For Dummies  Books to Change That! - IntelliSyn Communications Inc.">
+            <a:extLst>
+              <a:ext uri="{FF2B5EF4-FFF2-40B4-BE49-F238E27FC236}">
+                <a16:creationId xmlns:a16="http://schemas.microsoft.com/office/drawing/2014/main" id="{02CA7591-7A95-CC4C-A06F-9848D89F84D9}"/>
               </a:ext>
             </a:extLst>
           </p:cNvPr>
@@ -4545,7 +5356,7 @@
         </p:blipFill>
         <p:spPr bwMode="auto">
           <a:xfrm>
-            <a:off x="7357056" y="1605628"/>
+            <a:off x="6690629" y="1509932"/>
             <a:ext cx="4360024" cy="4808462"/>
           </a:xfrm>
           <a:prstGeom prst="rect">
@@ -4566,7 +5377,7 @@
     </p:spTree>
     <p:extLst>
       <p:ext uri="{BB962C8B-B14F-4D97-AF65-F5344CB8AC3E}">
-        <p14:creationId xmlns:p14="http://schemas.microsoft.com/office/powerpoint/2010/main" val="3067802845"/>
+        <p14:creationId xmlns:p14="http://schemas.microsoft.com/office/powerpoint/2010/main" val="845953182"/>
       </p:ext>
     </p:extLst>
   </p:cSld>
@@ -4575,223 +5386,16 @@
   </p:clrMapOvr>
   <mc:AlternateContent xmlns:mc="http://schemas.openxmlformats.org/markup-compatibility/2006">
     <mc:Choice xmlns:p14="http://schemas.microsoft.com/office/powerpoint/2010/main" Requires="p14">
-      <p:transition spd="med" p14:dur="700">
+      <p:transition p14:dur="200">
         <p:fade/>
       </p:transition>
     </mc:Choice>
     <mc:Fallback>
-      <p:transition spd="med">
+      <p:transition>
         <p:fade/>
       </p:transition>
     </mc:Fallback>
   </mc:AlternateContent>
-  <p:timing>
-    <p:tnLst>
-      <p:par>
-        <p:cTn id="1" dur="indefinite" restart="never" nodeType="tmRoot">
-          <p:childTnLst>
-            <p:seq concurrent="1" nextAc="seek">
-              <p:cTn id="2" dur="indefinite" nodeType="mainSeq">
-                <p:childTnLst>
-                  <p:par>
-                    <p:cTn id="3" fill="hold">
-                      <p:stCondLst>
-                        <p:cond delay="indefinite"/>
-                      </p:stCondLst>
-                      <p:childTnLst>
-                        <p:par>
-                          <p:cTn id="4" fill="hold">
-                            <p:stCondLst>
-                              <p:cond delay="0"/>
-                            </p:stCondLst>
-                            <p:childTnLst>
-                              <p:par>
-                                <p:cTn id="5" presetID="1" presetClass="entr" presetSubtype="0" fill="hold" grpId="0" nodeType="clickEffect">
-                                  <p:stCondLst>
-                                    <p:cond delay="0"/>
-                                  </p:stCondLst>
-                                  <p:childTnLst>
-                                    <p:set>
-                                      <p:cBhvr>
-                                        <p:cTn id="6" dur="1" fill="hold">
-                                          <p:stCondLst>
-                                            <p:cond delay="0"/>
-                                          </p:stCondLst>
-                                        </p:cTn>
-                                        <p:tgtEl>
-                                          <p:spTgt spid="3">
-                                            <p:txEl>
-                                              <p:pRg st="0" end="0"/>
-                                            </p:txEl>
-                                          </p:spTgt>
-                                        </p:tgtEl>
-                                        <p:attrNameLst>
-                                          <p:attrName>style.visibility</p:attrName>
-                                        </p:attrNameLst>
-                                      </p:cBhvr>
-                                      <p:to>
-                                        <p:strVal val="visible"/>
-                                      </p:to>
-                                    </p:set>
-                                  </p:childTnLst>
-                                </p:cTn>
-                              </p:par>
-                              <p:par>
-                                <p:cTn id="7" presetID="1" presetClass="entr" presetSubtype="0" fill="hold" nodeType="withEffect">
-                                  <p:stCondLst>
-                                    <p:cond delay="0"/>
-                                  </p:stCondLst>
-                                  <p:childTnLst>
-                                    <p:set>
-                                      <p:cBhvr>
-                                        <p:cTn id="8" dur="1" fill="hold">
-                                          <p:stCondLst>
-                                            <p:cond delay="0"/>
-                                          </p:stCondLst>
-                                        </p:cTn>
-                                        <p:tgtEl>
-                                          <p:spTgt spid="11266"/>
-                                        </p:tgtEl>
-                                        <p:attrNameLst>
-                                          <p:attrName>style.visibility</p:attrName>
-                                        </p:attrNameLst>
-                                      </p:cBhvr>
-                                      <p:to>
-                                        <p:strVal val="visible"/>
-                                      </p:to>
-                                    </p:set>
-                                  </p:childTnLst>
-                                </p:cTn>
-                              </p:par>
-                            </p:childTnLst>
-                          </p:cTn>
-                        </p:par>
-                      </p:childTnLst>
-                    </p:cTn>
-                  </p:par>
-                  <p:par>
-                    <p:cTn id="9" fill="hold">
-                      <p:stCondLst>
-                        <p:cond delay="indefinite"/>
-                      </p:stCondLst>
-                      <p:childTnLst>
-                        <p:par>
-                          <p:cTn id="10" fill="hold">
-                            <p:stCondLst>
-                              <p:cond delay="0"/>
-                            </p:stCondLst>
-                            <p:childTnLst>
-                              <p:par>
-                                <p:cTn id="11" presetID="1" presetClass="entr" presetSubtype="0" fill="hold" grpId="0" nodeType="clickEffect">
-                                  <p:stCondLst>
-                                    <p:cond delay="0"/>
-                                  </p:stCondLst>
-                                  <p:childTnLst>
-                                    <p:set>
-                                      <p:cBhvr>
-                                        <p:cTn id="12" dur="1" fill="hold">
-                                          <p:stCondLst>
-                                            <p:cond delay="0"/>
-                                          </p:stCondLst>
-                                        </p:cTn>
-                                        <p:tgtEl>
-                                          <p:spTgt spid="3">
-                                            <p:txEl>
-                                              <p:pRg st="2" end="2"/>
-                                            </p:txEl>
-                                          </p:spTgt>
-                                        </p:tgtEl>
-                                        <p:attrNameLst>
-                                          <p:attrName>style.visibility</p:attrName>
-                                        </p:attrNameLst>
-                                      </p:cBhvr>
-                                      <p:to>
-                                        <p:strVal val="visible"/>
-                                      </p:to>
-                                    </p:set>
-                                  </p:childTnLst>
-                                </p:cTn>
-                              </p:par>
-                            </p:childTnLst>
-                          </p:cTn>
-                        </p:par>
-                      </p:childTnLst>
-                    </p:cTn>
-                  </p:par>
-                  <p:par>
-                    <p:cTn id="13" fill="hold">
-                      <p:stCondLst>
-                        <p:cond delay="indefinite"/>
-                      </p:stCondLst>
-                      <p:childTnLst>
-                        <p:par>
-                          <p:cTn id="14" fill="hold">
-                            <p:stCondLst>
-                              <p:cond delay="0"/>
-                            </p:stCondLst>
-                            <p:childTnLst>
-                              <p:par>
-                                <p:cTn id="15" presetID="1" presetClass="entr" presetSubtype="0" fill="hold" grpId="0" nodeType="clickEffect">
-                                  <p:stCondLst>
-                                    <p:cond delay="0"/>
-                                  </p:stCondLst>
-                                  <p:childTnLst>
-                                    <p:set>
-                                      <p:cBhvr>
-                                        <p:cTn id="16" dur="1" fill="hold">
-                                          <p:stCondLst>
-                                            <p:cond delay="0"/>
-                                          </p:stCondLst>
-                                        </p:cTn>
-                                        <p:tgtEl>
-                                          <p:spTgt spid="3">
-                                            <p:txEl>
-                                              <p:pRg st="4" end="4"/>
-                                            </p:txEl>
-                                          </p:spTgt>
-                                        </p:tgtEl>
-                                        <p:attrNameLst>
-                                          <p:attrName>style.visibility</p:attrName>
-                                        </p:attrNameLst>
-                                      </p:cBhvr>
-                                      <p:to>
-                                        <p:strVal val="visible"/>
-                                      </p:to>
-                                    </p:set>
-                                  </p:childTnLst>
-                                </p:cTn>
-                              </p:par>
-                            </p:childTnLst>
-                          </p:cTn>
-                        </p:par>
-                      </p:childTnLst>
-                    </p:cTn>
-                  </p:par>
-                </p:childTnLst>
-              </p:cTn>
-              <p:prevCondLst>
-                <p:cond evt="onPrev" delay="0">
-                  <p:tgtEl>
-                    <p:sldTgt/>
-                  </p:tgtEl>
-                </p:cond>
-              </p:prevCondLst>
-              <p:nextCondLst>
-                <p:cond evt="onNext" delay="0">
-                  <p:tgtEl>
-                    <p:sldTgt/>
-                  </p:tgtEl>
-                </p:cond>
-              </p:nextCondLst>
-            </p:seq>
-          </p:childTnLst>
-        </p:cTn>
-      </p:par>
-    </p:tnLst>
-    <p:bldLst>
-      <p:bldP spid="3" grpId="0" uiExpand="1" build="p"/>
-    </p:bldLst>
-  </p:timing>
 </p:sld>
 </file>
 
@@ -4830,7 +5434,7 @@
         </p:nvSpPr>
         <p:spPr>
           <a:xfrm>
-            <a:off x="838200" y="184369"/>
+            <a:off x="838800" y="180000"/>
             <a:ext cx="10515600" cy="1325563"/>
           </a:xfrm>
         </p:spPr>
@@ -4845,21 +5449,89 @@
           </a:p>
         </p:txBody>
       </p:sp>
+      <p:sp>
+        <p:nvSpPr>
+          <p:cNvPr id="3" name="Content Placeholder 2">
+            <a:extLst>
+              <a:ext uri="{FF2B5EF4-FFF2-40B4-BE49-F238E27FC236}">
+                <a16:creationId xmlns:a16="http://schemas.microsoft.com/office/drawing/2014/main" id="{0C6CFF4F-7F84-3E4C-A4BD-9859BE2A58E6}"/>
+              </a:ext>
+            </a:extLst>
+          </p:cNvPr>
+          <p:cNvSpPr>
+            <a:spLocks noGrp="1"/>
+          </p:cNvSpPr>
+          <p:nvPr>
+            <p:ph idx="1"/>
+          </p:nvPr>
+        </p:nvSpPr>
+        <p:spPr>
+          <a:xfrm>
+            <a:off x="838200" y="1690688"/>
+            <a:ext cx="10515600" cy="4975925"/>
+          </a:xfrm>
+        </p:spPr>
+        <p:txBody>
+          <a:bodyPr>
+            <a:normAutofit/>
+          </a:bodyPr>
+          <a:lstStyle/>
+          <a:p>
+            <a:pPr marL="0" indent="0">
+              <a:buNone/>
+            </a:pPr>
+            <a:endParaRPr lang="en-CH" dirty="0"/>
+          </a:p>
+        </p:txBody>
+      </p:sp>
+      <p:sp>
+        <p:nvSpPr>
+          <p:cNvPr id="5" name="TextBox 4">
+            <a:extLst>
+              <a:ext uri="{FF2B5EF4-FFF2-40B4-BE49-F238E27FC236}">
+                <a16:creationId xmlns:a16="http://schemas.microsoft.com/office/drawing/2014/main" id="{EB9F21B8-D179-D14C-8F62-F9459457341F}"/>
+              </a:ext>
+            </a:extLst>
+          </p:cNvPr>
+          <p:cNvSpPr txBox="1"/>
+          <p:nvPr/>
+        </p:nvSpPr>
+        <p:spPr>
+          <a:xfrm>
+            <a:off x="9097505" y="191387"/>
+            <a:ext cx="2944678" cy="369332"/>
+          </a:xfrm>
+          <a:prstGeom prst="rect">
+            <a:avLst/>
+          </a:prstGeom>
+          <a:noFill/>
+        </p:spPr>
+        <p:txBody>
+          <a:bodyPr wrap="square" rtlCol="0">
+            <a:spAutoFit/>
+          </a:bodyPr>
+          <a:lstStyle/>
+          <a:p>
+            <a:r>
+              <a:rPr lang="en-CH" dirty="0"/>
+              <a:t>IR Project - Stefano Taillefert</a:t>
+            </a:r>
+          </a:p>
+        </p:txBody>
+      </p:sp>
       <p:pic>
         <p:nvPicPr>
-          <p:cNvPr id="6" name="Content Placeholder 5" descr="A picture containing monitor, indoor, screen, sitting&#10;&#10;Description automatically generated">
-            <a:extLst>
-              <a:ext uri="{FF2B5EF4-FFF2-40B4-BE49-F238E27FC236}">
-                <a16:creationId xmlns:a16="http://schemas.microsoft.com/office/drawing/2014/main" id="{C8B208AD-F564-7F48-A5F0-B662AAF2332E}"/>
+          <p:cNvPr id="7" name="Content Placeholder 5" descr="A picture containing monitor, indoor, screen, sitting&#10;&#10;Description automatically generated">
+            <a:extLst>
+              <a:ext uri="{FF2B5EF4-FFF2-40B4-BE49-F238E27FC236}">
+                <a16:creationId xmlns:a16="http://schemas.microsoft.com/office/drawing/2014/main" id="{8BDD733B-2FB2-C043-B3D3-CE3D88DA5FC2}"/>
               </a:ext>
             </a:extLst>
           </p:cNvPr>
           <p:cNvPicPr>
-            <a:picLocks noGrp="1" noChangeAspect="1"/>
+            <a:picLocks noChangeAspect="1"/>
           </p:cNvPicPr>
-          <p:nvPr>
-            <p:ph idx="1"/>
-          </p:nvPr>
+          <p:nvPr/>
         </p:nvPicPr>
         <p:blipFill>
           <a:blip r:embed="rId2"/>
@@ -4872,12 +5544,15 @@
             <a:off x="631877" y="1254640"/>
             <a:ext cx="10928246" cy="5470628"/>
           </a:xfrm>
+          <a:prstGeom prst="rect">
+            <a:avLst/>
+          </a:prstGeom>
         </p:spPr>
       </p:pic>
     </p:spTree>
     <p:extLst>
       <p:ext uri="{BB962C8B-B14F-4D97-AF65-F5344CB8AC3E}">
-        <p14:creationId xmlns:p14="http://schemas.microsoft.com/office/powerpoint/2010/main" val="737628933"/>
+        <p14:creationId xmlns:p14="http://schemas.microsoft.com/office/powerpoint/2010/main" val="2989020741"/>
       </p:ext>
     </p:extLst>
   </p:cSld>
@@ -4886,12 +5561,12 @@
   </p:clrMapOvr>
   <mc:AlternateContent xmlns:mc="http://schemas.openxmlformats.org/markup-compatibility/2006">
     <mc:Choice xmlns:p14="http://schemas.microsoft.com/office/powerpoint/2010/main" Requires="p14">
-      <p:transition spd="med" p14:dur="700">
+      <p:transition p14:dur="200">
         <p:fade/>
       </p:transition>
     </mc:Choice>
     <mc:Fallback>
-      <p:transition spd="med">
+      <p:transition>
         <p:fade/>
       </p:transition>
     </mc:Fallback>
@@ -4921,7 +5596,7 @@
           <p:cNvPr id="2" name="Title 1">
             <a:extLst>
               <a:ext uri="{FF2B5EF4-FFF2-40B4-BE49-F238E27FC236}">
-                <a16:creationId xmlns:a16="http://schemas.microsoft.com/office/drawing/2014/main" id="{A285EB3F-C8CC-0D47-949C-5306997EA00C}"/>
+                <a16:creationId xmlns:a16="http://schemas.microsoft.com/office/drawing/2014/main" id="{C8ACACAB-A7B7-3F43-9E2B-937180C2354B}"/>
               </a:ext>
             </a:extLst>
           </p:cNvPr>
@@ -4934,7 +5609,7 @@
         </p:nvSpPr>
         <p:spPr>
           <a:xfrm>
-            <a:off x="838200" y="200654"/>
+            <a:off x="838800" y="180000"/>
             <a:ext cx="10515600" cy="1325563"/>
           </a:xfrm>
         </p:spPr>
@@ -4944,17 +5619,199 @@
           <a:p>
             <a:r>
               <a:rPr lang="en-CH" dirty="0"/>
-              <a:t>Tech stack</a:t>
+              <a:t>Components</a:t>
+            </a:r>
+          </a:p>
+        </p:txBody>
+      </p:sp>
+      <p:sp>
+        <p:nvSpPr>
+          <p:cNvPr id="5" name="TextBox 4">
+            <a:extLst>
+              <a:ext uri="{FF2B5EF4-FFF2-40B4-BE49-F238E27FC236}">
+                <a16:creationId xmlns:a16="http://schemas.microsoft.com/office/drawing/2014/main" id="{EB9F21B8-D179-D14C-8F62-F9459457341F}"/>
+              </a:ext>
+            </a:extLst>
+          </p:cNvPr>
+          <p:cNvSpPr txBox="1"/>
+          <p:nvPr/>
+        </p:nvSpPr>
+        <p:spPr>
+          <a:xfrm>
+            <a:off x="9097505" y="191387"/>
+            <a:ext cx="2944678" cy="369332"/>
+          </a:xfrm>
+          <a:prstGeom prst="rect">
+            <a:avLst/>
+          </a:prstGeom>
+          <a:noFill/>
+        </p:spPr>
+        <p:txBody>
+          <a:bodyPr wrap="square" rtlCol="0">
+            <a:spAutoFit/>
+          </a:bodyPr>
+          <a:lstStyle/>
+          <a:p>
+            <a:r>
+              <a:rPr lang="en-CH" dirty="0"/>
+              <a:t>IR Project - Stefano Taillefert</a:t>
+            </a:r>
+          </a:p>
+        </p:txBody>
+      </p:sp>
+      <p:sp>
+        <p:nvSpPr>
+          <p:cNvPr id="6" name="Rectangle 5">
+            <a:extLst>
+              <a:ext uri="{FF2B5EF4-FFF2-40B4-BE49-F238E27FC236}">
+                <a16:creationId xmlns:a16="http://schemas.microsoft.com/office/drawing/2014/main" id="{64CD2420-766C-774D-AAE5-F320EEF4A721}"/>
+              </a:ext>
+            </a:extLst>
+          </p:cNvPr>
+          <p:cNvSpPr/>
+          <p:nvPr/>
+        </p:nvSpPr>
+        <p:spPr>
+          <a:xfrm>
+            <a:off x="1267995" y="4989056"/>
+            <a:ext cx="1703672" cy="972152"/>
+          </a:xfrm>
+          <a:prstGeom prst="rect">
+            <a:avLst/>
+          </a:prstGeom>
+        </p:spPr>
+        <p:style>
+          <a:lnRef idx="2">
+            <a:schemeClr val="accent1">
+              <a:shade val="50000"/>
+            </a:schemeClr>
+          </a:lnRef>
+          <a:fillRef idx="1">
+            <a:schemeClr val="accent1"/>
+          </a:fillRef>
+          <a:effectRef idx="0">
+            <a:schemeClr val="accent1"/>
+          </a:effectRef>
+          <a:fontRef idx="minor">
+            <a:schemeClr val="lt1"/>
+          </a:fontRef>
+        </p:style>
+        <p:txBody>
+          <a:bodyPr rtlCol="0" anchor="ctr"/>
+          <a:lstStyle/>
+          <a:p>
+            <a:pPr algn="ctr"/>
+            <a:r>
+              <a:rPr lang="en-CH" dirty="0"/>
+              <a:t>Crawlers</a:t>
+            </a:r>
+          </a:p>
+        </p:txBody>
+      </p:sp>
+      <p:sp>
+        <p:nvSpPr>
+          <p:cNvPr id="8" name="Rectangle 7">
+            <a:extLst>
+              <a:ext uri="{FF2B5EF4-FFF2-40B4-BE49-F238E27FC236}">
+                <a16:creationId xmlns:a16="http://schemas.microsoft.com/office/drawing/2014/main" id="{FE43409E-C547-4449-9358-7DC6A7B15650}"/>
+              </a:ext>
+            </a:extLst>
+          </p:cNvPr>
+          <p:cNvSpPr/>
+          <p:nvPr/>
+        </p:nvSpPr>
+        <p:spPr>
+          <a:xfrm>
+            <a:off x="9220333" y="4989056"/>
+            <a:ext cx="1703672" cy="972152"/>
+          </a:xfrm>
+          <a:prstGeom prst="rect">
+            <a:avLst/>
+          </a:prstGeom>
+        </p:spPr>
+        <p:style>
+          <a:lnRef idx="2">
+            <a:schemeClr val="accent1">
+              <a:shade val="50000"/>
+            </a:schemeClr>
+          </a:lnRef>
+          <a:fillRef idx="1">
+            <a:schemeClr val="accent1"/>
+          </a:fillRef>
+          <a:effectRef idx="0">
+            <a:schemeClr val="accent1"/>
+          </a:effectRef>
+          <a:fontRef idx="minor">
+            <a:schemeClr val="lt1"/>
+          </a:fontRef>
+        </p:style>
+        <p:txBody>
+          <a:bodyPr rtlCol="0" anchor="ctr"/>
+          <a:lstStyle/>
+          <a:p>
+            <a:pPr algn="ctr"/>
+            <a:r>
+              <a:rPr lang="en-CH" dirty="0"/>
+              <a:t>Frontend</a:t>
+            </a:r>
+          </a:p>
+        </p:txBody>
+      </p:sp>
+      <p:sp>
+        <p:nvSpPr>
+          <p:cNvPr id="9" name="Rectangle 8">
+            <a:extLst>
+              <a:ext uri="{FF2B5EF4-FFF2-40B4-BE49-F238E27FC236}">
+                <a16:creationId xmlns:a16="http://schemas.microsoft.com/office/drawing/2014/main" id="{53865904-EDE6-ED41-B90E-0862BEAD9877}"/>
+              </a:ext>
+            </a:extLst>
+          </p:cNvPr>
+          <p:cNvSpPr/>
+          <p:nvPr/>
+        </p:nvSpPr>
+        <p:spPr>
+          <a:xfrm>
+            <a:off x="5244164" y="4989056"/>
+            <a:ext cx="1703672" cy="972152"/>
+          </a:xfrm>
+          <a:prstGeom prst="rect">
+            <a:avLst/>
+          </a:prstGeom>
+        </p:spPr>
+        <p:style>
+          <a:lnRef idx="2">
+            <a:schemeClr val="accent1">
+              <a:shade val="50000"/>
+            </a:schemeClr>
+          </a:lnRef>
+          <a:fillRef idx="1">
+            <a:schemeClr val="accent1"/>
+          </a:fillRef>
+          <a:effectRef idx="0">
+            <a:schemeClr val="accent1"/>
+          </a:effectRef>
+          <a:fontRef idx="minor">
+            <a:schemeClr val="lt1"/>
+          </a:fontRef>
+        </p:style>
+        <p:txBody>
+          <a:bodyPr rtlCol="0" anchor="ctr"/>
+          <a:lstStyle/>
+          <a:p>
+            <a:pPr algn="ctr"/>
+            <a:r>
+              <a:rPr lang="en-CH" dirty="0"/>
+              <a:t>Backend</a:t>
             </a:r>
           </a:p>
         </p:txBody>
       </p:sp>
       <p:pic>
         <p:nvPicPr>
-          <p:cNvPr id="3074" name="Picture 2" descr="How to scrape websites in 5 minutes with Scrapy? | Theodo">
-            <a:extLst>
-              <a:ext uri="{FF2B5EF4-FFF2-40B4-BE49-F238E27FC236}">
-                <a16:creationId xmlns:a16="http://schemas.microsoft.com/office/drawing/2014/main" id="{F9AD8786-3A80-6347-968C-1C0D86DA0E8F}"/>
+          <p:cNvPr id="10" name="Picture 2" descr="Internet Icon Android Kitkat PNG Image - PurePNG | Free transparent CC0 PNG  Image Library">
+            <a:extLst>
+              <a:ext uri="{FF2B5EF4-FFF2-40B4-BE49-F238E27FC236}">
+                <a16:creationId xmlns:a16="http://schemas.microsoft.com/office/drawing/2014/main" id="{80691098-BB67-F34A-98E4-3F5A9E147D78}"/>
               </a:ext>
             </a:extLst>
           </p:cNvPr>
@@ -4978,8 +5835,8 @@
         </p:blipFill>
         <p:spPr bwMode="auto">
           <a:xfrm>
-            <a:off x="4855991" y="492591"/>
-            <a:ext cx="5150731" cy="2067253"/>
+            <a:off x="1112721" y="1535744"/>
+            <a:ext cx="2014219" cy="2014219"/>
           </a:xfrm>
           <a:prstGeom prst="rect">
             <a:avLst/>
@@ -4996,12 +5853,48 @@
           </a:extLst>
         </p:spPr>
       </p:pic>
+      <p:sp>
+        <p:nvSpPr>
+          <p:cNvPr id="11" name="TextBox 10">
+            <a:extLst>
+              <a:ext uri="{FF2B5EF4-FFF2-40B4-BE49-F238E27FC236}">
+                <a16:creationId xmlns:a16="http://schemas.microsoft.com/office/drawing/2014/main" id="{ED3A4F35-3F94-994C-8806-7E882215126A}"/>
+              </a:ext>
+            </a:extLst>
+          </p:cNvPr>
+          <p:cNvSpPr txBox="1"/>
+          <p:nvPr/>
+        </p:nvSpPr>
+        <p:spPr>
+          <a:xfrm>
+            <a:off x="2788786" y="1663731"/>
+            <a:ext cx="991402" cy="369332"/>
+          </a:xfrm>
+          <a:prstGeom prst="rect">
+            <a:avLst/>
+          </a:prstGeom>
+          <a:noFill/>
+        </p:spPr>
+        <p:txBody>
+          <a:bodyPr wrap="square" rtlCol="0">
+            <a:spAutoFit/>
+          </a:bodyPr>
+          <a:lstStyle/>
+          <a:p>
+            <a:pPr algn="ctr"/>
+            <a:r>
+              <a:rPr lang="en-CH" dirty="0"/>
+              <a:t>Web</a:t>
+            </a:r>
+          </a:p>
+        </p:txBody>
+      </p:sp>
       <p:pic>
         <p:nvPicPr>
-          <p:cNvPr id="3076" name="Picture 4" descr="React.js! Let's Talk About It… – Danielle Developer">
-            <a:extLst>
-              <a:ext uri="{FF2B5EF4-FFF2-40B4-BE49-F238E27FC236}">
-                <a16:creationId xmlns:a16="http://schemas.microsoft.com/office/drawing/2014/main" id="{8869390F-DE7B-CC42-B5AD-86D348C9C0D5}"/>
+          <p:cNvPr id="12" name="Picture 4" descr="Laptop User Icon of Flat style - Available in SVG, PNG, EPS, AI &amp; Icon fonts">
+            <a:extLst>
+              <a:ext uri="{FF2B5EF4-FFF2-40B4-BE49-F238E27FC236}">
+                <a16:creationId xmlns:a16="http://schemas.microsoft.com/office/drawing/2014/main" id="{90556E10-DB9A-6743-BC46-8B3A837436E3}"/>
               </a:ext>
             </a:extLst>
           </p:cNvPr>
@@ -5010,7 +5903,7 @@
           </p:cNvPicPr>
           <p:nvPr/>
         </p:nvPicPr>
-        <p:blipFill rotWithShape="1">
+        <p:blipFill>
           <a:blip r:embed="rId3">
             <a:extLst>
               <a:ext uri="{28A0092B-C50C-407E-A947-70E740481C1C}">
@@ -5018,13 +5911,15 @@
               </a:ext>
             </a:extLst>
           </a:blip>
-          <a:srcRect l="2876" t="29869" r="9972" b="15485"/>
-          <a:stretch/>
+          <a:srcRect/>
+          <a:stretch>
+            <a:fillRect/>
+          </a:stretch>
         </p:blipFill>
         <p:spPr bwMode="auto">
           <a:xfrm>
-            <a:off x="714915" y="2073136"/>
-            <a:ext cx="4141076" cy="1485244"/>
+            <a:off x="9065059" y="1535745"/>
+            <a:ext cx="2014219" cy="2014219"/>
           </a:xfrm>
           <a:prstGeom prst="rect">
             <a:avLst/>
@@ -5041,151 +5936,434 @@
           </a:extLst>
         </p:spPr>
       </p:pic>
-      <p:pic>
-        <p:nvPicPr>
-          <p:cNvPr id="3078" name="Picture 6" descr="Material-UI: A popular React UI framework">
-            <a:extLst>
-              <a:ext uri="{FF2B5EF4-FFF2-40B4-BE49-F238E27FC236}">
-                <a16:creationId xmlns:a16="http://schemas.microsoft.com/office/drawing/2014/main" id="{0A631001-7AE8-2E43-A65A-501B82A86DCE}"/>
-              </a:ext>
-            </a:extLst>
-          </p:cNvPr>
-          <p:cNvPicPr>
-            <a:picLocks noChangeAspect="1" noChangeArrowheads="1"/>
-          </p:cNvPicPr>
+      <p:cxnSp>
+        <p:nvCxnSpPr>
+          <p:cNvPr id="13" name="Straight Arrow Connector 12">
+            <a:extLst>
+              <a:ext uri="{FF2B5EF4-FFF2-40B4-BE49-F238E27FC236}">
+                <a16:creationId xmlns:a16="http://schemas.microsoft.com/office/drawing/2014/main" id="{9C0950E8-51F6-804E-9EA8-FDBE1F47395A}"/>
+              </a:ext>
+            </a:extLst>
+          </p:cNvPr>
+          <p:cNvCxnSpPr>
+            <a:stCxn id="6" idx="3"/>
+            <a:endCxn id="9" idx="1"/>
+          </p:cNvCxnSpPr>
           <p:nvPr/>
-        </p:nvPicPr>
-        <p:blipFill>
-          <a:blip r:embed="rId4">
-            <a:extLst>
-              <a:ext uri="{28A0092B-C50C-407E-A947-70E740481C1C}">
-                <a14:useLocalDpi xmlns:a14="http://schemas.microsoft.com/office/drawing/2010/main" val="0"/>
-              </a:ext>
-            </a:extLst>
-          </a:blip>
-          <a:srcRect/>
-          <a:stretch>
-            <a:fillRect/>
-          </a:stretch>
-        </p:blipFill>
-        <p:spPr bwMode="auto">
-          <a:xfrm>
-            <a:off x="1917036" y="3774849"/>
-            <a:ext cx="2718026" cy="2718026"/>
+        </p:nvCxnSpPr>
+        <p:spPr>
+          <a:xfrm>
+            <a:off x="2971667" y="5475132"/>
+            <a:ext cx="2272497" cy="0"/>
+          </a:xfrm>
+          <a:prstGeom prst="straightConnector1">
+            <a:avLst/>
+          </a:prstGeom>
+          <a:ln>
+            <a:tailEnd type="triangle"/>
+          </a:ln>
+        </p:spPr>
+        <p:style>
+          <a:lnRef idx="3">
+            <a:schemeClr val="accent1"/>
+          </a:lnRef>
+          <a:fillRef idx="0">
+            <a:schemeClr val="accent1"/>
+          </a:fillRef>
+          <a:effectRef idx="2">
+            <a:schemeClr val="accent1"/>
+          </a:effectRef>
+          <a:fontRef idx="minor">
+            <a:schemeClr val="tx1"/>
+          </a:fontRef>
+        </p:style>
+      </p:cxnSp>
+      <p:cxnSp>
+        <p:nvCxnSpPr>
+          <p:cNvPr id="14" name="Straight Arrow Connector 13">
+            <a:extLst>
+              <a:ext uri="{FF2B5EF4-FFF2-40B4-BE49-F238E27FC236}">
+                <a16:creationId xmlns:a16="http://schemas.microsoft.com/office/drawing/2014/main" id="{1E50D1AC-B8CB-304A-86F4-1A8250997079}"/>
+              </a:ext>
+            </a:extLst>
+          </p:cNvPr>
+          <p:cNvCxnSpPr>
+            <a:cxnSpLocks/>
+            <a:stCxn id="6" idx="0"/>
+            <a:endCxn id="10" idx="2"/>
+          </p:cNvCxnSpPr>
+          <p:nvPr/>
+        </p:nvCxnSpPr>
+        <p:spPr>
+          <a:xfrm flipV="1">
+            <a:off x="2119831" y="3549963"/>
+            <a:ext cx="0" cy="1439093"/>
+          </a:xfrm>
+          <a:prstGeom prst="straightConnector1">
+            <a:avLst/>
+          </a:prstGeom>
+          <a:ln>
+            <a:tailEnd type="triangle"/>
+          </a:ln>
+        </p:spPr>
+        <p:style>
+          <a:lnRef idx="3">
+            <a:schemeClr val="accent1"/>
+          </a:lnRef>
+          <a:fillRef idx="0">
+            <a:schemeClr val="accent1"/>
+          </a:fillRef>
+          <a:effectRef idx="2">
+            <a:schemeClr val="accent1"/>
+          </a:effectRef>
+          <a:fontRef idx="minor">
+            <a:schemeClr val="tx1"/>
+          </a:fontRef>
+        </p:style>
+      </p:cxnSp>
+      <p:sp>
+        <p:nvSpPr>
+          <p:cNvPr id="15" name="TextBox 14">
+            <a:extLst>
+              <a:ext uri="{FF2B5EF4-FFF2-40B4-BE49-F238E27FC236}">
+                <a16:creationId xmlns:a16="http://schemas.microsoft.com/office/drawing/2014/main" id="{3353268F-14D5-3747-8E7A-AD381AF81EE6}"/>
+              </a:ext>
+            </a:extLst>
+          </p:cNvPr>
+          <p:cNvSpPr txBox="1"/>
+          <p:nvPr/>
+        </p:nvSpPr>
+        <p:spPr>
+          <a:xfrm>
+            <a:off x="8527984" y="1663731"/>
+            <a:ext cx="779646" cy="369332"/>
           </a:xfrm>
           <a:prstGeom prst="rect">
             <a:avLst/>
           </a:prstGeom>
           <a:noFill/>
-          <a:extLst>
-            <a:ext uri="{909E8E84-426E-40DD-AFC4-6F175D3DCCD1}">
-              <a14:hiddenFill xmlns:a14="http://schemas.microsoft.com/office/drawing/2010/main">
-                <a:solidFill>
-                  <a:srgbClr val="FFFFFF"/>
-                </a:solidFill>
-              </a14:hiddenFill>
-            </a:ext>
-          </a:extLst>
-        </p:spPr>
-      </p:pic>
-      <p:pic>
-        <p:nvPicPr>
-          <p:cNvPr id="3080" name="Picture 8" descr="Apache Solr -">
-            <a:extLst>
-              <a:ext uri="{FF2B5EF4-FFF2-40B4-BE49-F238E27FC236}">
-                <a16:creationId xmlns:a16="http://schemas.microsoft.com/office/drawing/2014/main" id="{CA342DC8-1E1F-BF43-8C58-D4655160C56F}"/>
-              </a:ext>
-            </a:extLst>
-          </p:cNvPr>
-          <p:cNvPicPr>
-            <a:picLocks noChangeAspect="1" noChangeArrowheads="1"/>
-          </p:cNvPicPr>
+        </p:spPr>
+        <p:txBody>
+          <a:bodyPr wrap="square" rtlCol="0">
+            <a:spAutoFit/>
+          </a:bodyPr>
+          <a:lstStyle/>
+          <a:p>
+            <a:pPr algn="ctr"/>
+            <a:r>
+              <a:rPr lang="en-CH" dirty="0"/>
+              <a:t>User</a:t>
+            </a:r>
+          </a:p>
+        </p:txBody>
+      </p:sp>
+      <p:sp>
+        <p:nvSpPr>
+          <p:cNvPr id="16" name="TextBox 15">
+            <a:extLst>
+              <a:ext uri="{FF2B5EF4-FFF2-40B4-BE49-F238E27FC236}">
+                <a16:creationId xmlns:a16="http://schemas.microsoft.com/office/drawing/2014/main" id="{D737BBE9-8898-FF44-AED7-B24B6FAE6A06}"/>
+              </a:ext>
+            </a:extLst>
+          </p:cNvPr>
+          <p:cNvSpPr txBox="1"/>
           <p:nvPr/>
-        </p:nvPicPr>
-        <p:blipFill>
-          <a:blip r:embed="rId5">
-            <a:extLst>
-              <a:ext uri="{28A0092B-C50C-407E-A947-70E740481C1C}">
-                <a14:useLocalDpi xmlns:a14="http://schemas.microsoft.com/office/drawing/2010/main" val="0"/>
-              </a:ext>
-            </a:extLst>
-          </a:blip>
-          <a:srcRect/>
-          <a:stretch>
-            <a:fillRect/>
-          </a:stretch>
-        </p:blipFill>
-        <p:spPr bwMode="auto">
-          <a:xfrm>
-            <a:off x="7556939" y="2663255"/>
-            <a:ext cx="3229303" cy="1631891"/>
+        </p:nvSpPr>
+        <p:spPr>
+          <a:xfrm>
+            <a:off x="2228582" y="4032796"/>
+            <a:ext cx="1453415" cy="369332"/>
           </a:xfrm>
           <a:prstGeom prst="rect">
             <a:avLst/>
           </a:prstGeom>
           <a:noFill/>
-          <a:extLst>
-            <a:ext uri="{909E8E84-426E-40DD-AFC4-6F175D3DCCD1}">
-              <a14:hiddenFill xmlns:a14="http://schemas.microsoft.com/office/drawing/2010/main">
-                <a:solidFill>
-                  <a:srgbClr val="FFFFFF"/>
-                </a:solidFill>
-              </a14:hiddenFill>
-            </a:ext>
-          </a:extLst>
-        </p:spPr>
-      </p:pic>
-      <p:pic>
-        <p:nvPicPr>
-          <p:cNvPr id="3082" name="Picture 10" descr="Docker Logos | Docker">
-            <a:extLst>
-              <a:ext uri="{FF2B5EF4-FFF2-40B4-BE49-F238E27FC236}">
-                <a16:creationId xmlns:a16="http://schemas.microsoft.com/office/drawing/2014/main" id="{AD0A68B4-7E7B-2448-BE2F-A34CE7DC6AAB}"/>
-              </a:ext>
-            </a:extLst>
-          </p:cNvPr>
-          <p:cNvPicPr>
-            <a:picLocks noChangeAspect="1" noChangeArrowheads="1"/>
-          </p:cNvPicPr>
+        </p:spPr>
+        <p:txBody>
+          <a:bodyPr wrap="square" rtlCol="0">
+            <a:spAutoFit/>
+          </a:bodyPr>
+          <a:lstStyle/>
+          <a:p>
+            <a:pPr algn="ctr"/>
+            <a:r>
+              <a:rPr lang="en-CH" dirty="0"/>
+              <a:t>Scrape pages</a:t>
+            </a:r>
+          </a:p>
+        </p:txBody>
+      </p:sp>
+      <p:sp>
+        <p:nvSpPr>
+          <p:cNvPr id="17" name="TextBox 16">
+            <a:extLst>
+              <a:ext uri="{FF2B5EF4-FFF2-40B4-BE49-F238E27FC236}">
+                <a16:creationId xmlns:a16="http://schemas.microsoft.com/office/drawing/2014/main" id="{2E476C19-1B72-874E-8ECA-002180BE0DD0}"/>
+              </a:ext>
+            </a:extLst>
+          </p:cNvPr>
+          <p:cNvSpPr txBox="1"/>
           <p:nvPr/>
-        </p:nvPicPr>
-        <p:blipFill>
-          <a:blip r:embed="rId6">
-            <a:extLst>
-              <a:ext uri="{28A0092B-C50C-407E-A947-70E740481C1C}">
-                <a14:useLocalDpi xmlns:a14="http://schemas.microsoft.com/office/drawing/2010/main" val="0"/>
-              </a:ext>
-            </a:extLst>
-          </a:blip>
-          <a:srcRect/>
-          <a:stretch>
-            <a:fillRect/>
-          </a:stretch>
-        </p:blipFill>
-        <p:spPr bwMode="auto">
-          <a:xfrm>
-            <a:off x="5259958" y="4398557"/>
-            <a:ext cx="3054819" cy="2190727"/>
+        </p:nvSpPr>
+        <p:spPr>
+          <a:xfrm>
+            <a:off x="3581617" y="5591876"/>
+            <a:ext cx="1052596" cy="369332"/>
           </a:xfrm>
           <a:prstGeom prst="rect">
             <a:avLst/>
           </a:prstGeom>
           <a:noFill/>
-          <a:extLst>
-            <a:ext uri="{909E8E84-426E-40DD-AFC4-6F175D3DCCD1}">
-              <a14:hiddenFill xmlns:a14="http://schemas.microsoft.com/office/drawing/2010/main">
-                <a:solidFill>
-                  <a:srgbClr val="FFFFFF"/>
-                </a:solidFill>
-              </a14:hiddenFill>
-            </a:ext>
-          </a:extLst>
-        </p:spPr>
-      </p:pic>
+        </p:spPr>
+        <p:txBody>
+          <a:bodyPr wrap="none" rtlCol="0">
+            <a:spAutoFit/>
+          </a:bodyPr>
+          <a:lstStyle/>
+          <a:p>
+            <a:pPr algn="ctr"/>
+            <a:r>
+              <a:rPr lang="en-CH" dirty="0"/>
+              <a:t>Post data</a:t>
+            </a:r>
+          </a:p>
+        </p:txBody>
+      </p:sp>
+      <p:sp>
+        <p:nvSpPr>
+          <p:cNvPr id="18" name="TextBox 17">
+            <a:extLst>
+              <a:ext uri="{FF2B5EF4-FFF2-40B4-BE49-F238E27FC236}">
+                <a16:creationId xmlns:a16="http://schemas.microsoft.com/office/drawing/2014/main" id="{8CABFC6E-A00A-8249-933A-E67A6593E065}"/>
+              </a:ext>
+            </a:extLst>
+          </p:cNvPr>
+          <p:cNvSpPr txBox="1"/>
+          <p:nvPr/>
+        </p:nvSpPr>
+        <p:spPr>
+          <a:xfrm>
+            <a:off x="10461990" y="4031928"/>
+            <a:ext cx="1602298" cy="369332"/>
+          </a:xfrm>
+          <a:prstGeom prst="rect">
+            <a:avLst/>
+          </a:prstGeom>
+          <a:noFill/>
+        </p:spPr>
+        <p:txBody>
+          <a:bodyPr wrap="none" rtlCol="0">
+            <a:spAutoFit/>
+          </a:bodyPr>
+          <a:lstStyle/>
+          <a:p>
+            <a:pPr algn="ctr"/>
+            <a:r>
+              <a:rPr lang="en-CH" dirty="0"/>
+              <a:t>Executes query</a:t>
+            </a:r>
+          </a:p>
+        </p:txBody>
+      </p:sp>
+      <p:sp>
+        <p:nvSpPr>
+          <p:cNvPr id="19" name="TextBox 18">
+            <a:extLst>
+              <a:ext uri="{FF2B5EF4-FFF2-40B4-BE49-F238E27FC236}">
+                <a16:creationId xmlns:a16="http://schemas.microsoft.com/office/drawing/2014/main" id="{338B5268-FF4F-C945-8AFF-9FAFDB427A20}"/>
+              </a:ext>
+            </a:extLst>
+          </p:cNvPr>
+          <p:cNvSpPr txBox="1"/>
+          <p:nvPr/>
+        </p:nvSpPr>
+        <p:spPr>
+          <a:xfrm>
+            <a:off x="8273752" y="4037912"/>
+            <a:ext cx="1288110" cy="369332"/>
+          </a:xfrm>
+          <a:prstGeom prst="rect">
+            <a:avLst/>
+          </a:prstGeom>
+          <a:noFill/>
+        </p:spPr>
+        <p:txBody>
+          <a:bodyPr wrap="none" rtlCol="0">
+            <a:spAutoFit/>
+          </a:bodyPr>
+          <a:lstStyle/>
+          <a:p>
+            <a:pPr algn="ctr"/>
+            <a:r>
+              <a:rPr lang="en-CH" dirty="0"/>
+              <a:t>Gets results</a:t>
+            </a:r>
+          </a:p>
+        </p:txBody>
+      </p:sp>
+      <p:cxnSp>
+        <p:nvCxnSpPr>
+          <p:cNvPr id="20" name="Straight Arrow Connector 19">
+            <a:extLst>
+              <a:ext uri="{FF2B5EF4-FFF2-40B4-BE49-F238E27FC236}">
+                <a16:creationId xmlns:a16="http://schemas.microsoft.com/office/drawing/2014/main" id="{5E9B9F7B-2108-5A48-A594-4A0ADDA3208E}"/>
+              </a:ext>
+            </a:extLst>
+          </p:cNvPr>
+          <p:cNvCxnSpPr>
+            <a:cxnSpLocks/>
+          </p:cNvCxnSpPr>
+          <p:nvPr/>
+        </p:nvCxnSpPr>
+        <p:spPr>
+          <a:xfrm flipH="1">
+            <a:off x="10461990" y="3494980"/>
+            <a:ext cx="1" cy="1494076"/>
+          </a:xfrm>
+          <a:prstGeom prst="straightConnector1">
+            <a:avLst/>
+          </a:prstGeom>
+          <a:ln>
+            <a:tailEnd type="triangle"/>
+          </a:ln>
+        </p:spPr>
+        <p:style>
+          <a:lnRef idx="3">
+            <a:schemeClr val="accent1"/>
+          </a:lnRef>
+          <a:fillRef idx="0">
+            <a:schemeClr val="accent1"/>
+          </a:fillRef>
+          <a:effectRef idx="2">
+            <a:schemeClr val="accent1"/>
+          </a:effectRef>
+          <a:fontRef idx="minor">
+            <a:schemeClr val="tx1"/>
+          </a:fontRef>
+        </p:style>
+      </p:cxnSp>
+      <p:cxnSp>
+        <p:nvCxnSpPr>
+          <p:cNvPr id="21" name="Straight Arrow Connector 20">
+            <a:extLst>
+              <a:ext uri="{FF2B5EF4-FFF2-40B4-BE49-F238E27FC236}">
+                <a16:creationId xmlns:a16="http://schemas.microsoft.com/office/drawing/2014/main" id="{ABCB506A-5933-2442-88A9-EADA7806C3ED}"/>
+              </a:ext>
+            </a:extLst>
+          </p:cNvPr>
+          <p:cNvCxnSpPr/>
+          <p:nvPr/>
+        </p:nvCxnSpPr>
+        <p:spPr>
+          <a:xfrm flipV="1">
+            <a:off x="9769642" y="3494980"/>
+            <a:ext cx="0" cy="1494076"/>
+          </a:xfrm>
+          <a:prstGeom prst="straightConnector1">
+            <a:avLst/>
+          </a:prstGeom>
+          <a:ln>
+            <a:tailEnd type="triangle"/>
+          </a:ln>
+        </p:spPr>
+        <p:style>
+          <a:lnRef idx="3">
+            <a:schemeClr val="accent1"/>
+          </a:lnRef>
+          <a:fillRef idx="0">
+            <a:schemeClr val="accent1"/>
+          </a:fillRef>
+          <a:effectRef idx="2">
+            <a:schemeClr val="accent1"/>
+          </a:effectRef>
+          <a:fontRef idx="minor">
+            <a:schemeClr val="tx1"/>
+          </a:fontRef>
+        </p:style>
+      </p:cxnSp>
+      <p:sp>
+        <p:nvSpPr>
+          <p:cNvPr id="22" name="TextBox 21">
+            <a:extLst>
+              <a:ext uri="{FF2B5EF4-FFF2-40B4-BE49-F238E27FC236}">
+                <a16:creationId xmlns:a16="http://schemas.microsoft.com/office/drawing/2014/main" id="{6925CAC3-A303-EE4E-A55D-30488C463376}"/>
+              </a:ext>
+            </a:extLst>
+          </p:cNvPr>
+          <p:cNvSpPr txBox="1"/>
+          <p:nvPr/>
+        </p:nvSpPr>
+        <p:spPr>
+          <a:xfrm>
+            <a:off x="7324485" y="5591876"/>
+            <a:ext cx="1519198" cy="369332"/>
+          </a:xfrm>
+          <a:prstGeom prst="rect">
+            <a:avLst/>
+          </a:prstGeom>
+          <a:noFill/>
+        </p:spPr>
+        <p:txBody>
+          <a:bodyPr wrap="none" rtlCol="0">
+            <a:spAutoFit/>
+          </a:bodyPr>
+          <a:lstStyle/>
+          <a:p>
+            <a:pPr algn="ctr"/>
+            <a:r>
+              <a:rPr lang="en-CH" dirty="0"/>
+              <a:t>Retrieves data</a:t>
+            </a:r>
+          </a:p>
+        </p:txBody>
+      </p:sp>
+      <p:cxnSp>
+        <p:nvCxnSpPr>
+          <p:cNvPr id="23" name="Straight Arrow Connector 22">
+            <a:extLst>
+              <a:ext uri="{FF2B5EF4-FFF2-40B4-BE49-F238E27FC236}">
+                <a16:creationId xmlns:a16="http://schemas.microsoft.com/office/drawing/2014/main" id="{40EB2CB0-DD1D-8D4E-90EC-9B30E5F7010A}"/>
+              </a:ext>
+            </a:extLst>
+          </p:cNvPr>
+          <p:cNvCxnSpPr>
+            <a:cxnSpLocks/>
+            <a:stCxn id="8" idx="1"/>
+            <a:endCxn id="9" idx="3"/>
+          </p:cNvCxnSpPr>
+          <p:nvPr/>
+        </p:nvCxnSpPr>
+        <p:spPr>
+          <a:xfrm flipH="1">
+            <a:off x="6947836" y="5475132"/>
+            <a:ext cx="2272497" cy="0"/>
+          </a:xfrm>
+          <a:prstGeom prst="straightConnector1">
+            <a:avLst/>
+          </a:prstGeom>
+          <a:ln>
+            <a:tailEnd type="triangle"/>
+          </a:ln>
+        </p:spPr>
+        <p:style>
+          <a:lnRef idx="3">
+            <a:schemeClr val="accent1"/>
+          </a:lnRef>
+          <a:fillRef idx="0">
+            <a:schemeClr val="accent1"/>
+          </a:fillRef>
+          <a:effectRef idx="2">
+            <a:schemeClr val="accent1"/>
+          </a:effectRef>
+          <a:fontRef idx="minor">
+            <a:schemeClr val="tx1"/>
+          </a:fontRef>
+        </p:style>
+      </p:cxnSp>
     </p:spTree>
     <p:extLst>
       <p:ext uri="{BB962C8B-B14F-4D97-AF65-F5344CB8AC3E}">
-        <p14:creationId xmlns:p14="http://schemas.microsoft.com/office/powerpoint/2010/main" val="2154363447"/>
+        <p14:creationId xmlns:p14="http://schemas.microsoft.com/office/powerpoint/2010/main" val="322461470"/>
       </p:ext>
     </p:extLst>
   </p:cSld>
@@ -5194,12 +6372,12 @@
   </p:clrMapOvr>
   <mc:AlternateContent xmlns:mc="http://schemas.openxmlformats.org/markup-compatibility/2006">
     <mc:Choice xmlns:p14="http://schemas.microsoft.com/office/powerpoint/2010/main" Requires="p14">
-      <p:transition spd="med" p14:dur="700">
+      <p:transition p14:dur="200">
         <p:fade/>
       </p:transition>
     </mc:Choice>
     <mc:Fallback>
-      <p:transition spd="med">
+      <p:transition>
         <p:fade/>
       </p:transition>
     </mc:Fallback>
@@ -5242,7 +6420,7 @@
         </p:nvSpPr>
         <p:spPr>
           <a:xfrm>
-            <a:off x="838200" y="287779"/>
+            <a:off x="838200" y="180000"/>
             <a:ext cx="10515600" cy="1325563"/>
           </a:xfrm>
         </p:spPr>
@@ -5252,7 +6430,7 @@
           <a:p>
             <a:r>
               <a:rPr lang="en-CH" dirty="0"/>
-              <a:t>Tech stack (scaled)</a:t>
+              <a:t>Tech stack</a:t>
             </a:r>
           </a:p>
         </p:txBody>
@@ -5286,8 +6464,8 @@
         </p:blipFill>
         <p:spPr bwMode="auto">
           <a:xfrm>
-            <a:off x="6780531" y="1774119"/>
-            <a:ext cx="1904713" cy="764459"/>
+            <a:off x="5116327" y="200654"/>
+            <a:ext cx="5150731" cy="2067253"/>
           </a:xfrm>
           <a:prstGeom prst="rect">
             <a:avLst/>
@@ -5306,10 +6484,10 @@
       </p:pic>
       <p:pic>
         <p:nvPicPr>
-          <p:cNvPr id="3076" name="Picture 4" descr="React.js! Let's Talk About It… – Danielle Developer">
-            <a:extLst>
-              <a:ext uri="{FF2B5EF4-FFF2-40B4-BE49-F238E27FC236}">
-                <a16:creationId xmlns:a16="http://schemas.microsoft.com/office/drawing/2014/main" id="{8869390F-DE7B-CC42-B5AD-86D348C9C0D5}"/>
+          <p:cNvPr id="3078" name="Picture 6" descr="Material-UI: A popular React UI framework">
+            <a:extLst>
+              <a:ext uri="{FF2B5EF4-FFF2-40B4-BE49-F238E27FC236}">
+                <a16:creationId xmlns:a16="http://schemas.microsoft.com/office/drawing/2014/main" id="{0A631001-7AE8-2E43-A65A-501B82A86DCE}"/>
               </a:ext>
             </a:extLst>
           </p:cNvPr>
@@ -5318,7 +6496,7 @@
           </p:cNvPicPr>
           <p:nvPr/>
         </p:nvPicPr>
-        <p:blipFill rotWithShape="1">
+        <p:blipFill>
           <a:blip r:embed="rId3">
             <a:extLst>
               <a:ext uri="{28A0092B-C50C-407E-A947-70E740481C1C}">
@@ -5326,13 +6504,15 @@
               </a:ext>
             </a:extLst>
           </a:blip>
-          <a:srcRect l="2876" t="29869" r="9972" b="15485"/>
-          <a:stretch/>
+          <a:srcRect/>
+          <a:stretch>
+            <a:fillRect/>
+          </a:stretch>
         </p:blipFill>
         <p:spPr bwMode="auto">
           <a:xfrm>
-            <a:off x="364037" y="2073136"/>
-            <a:ext cx="4141076" cy="1485244"/>
+            <a:off x="1262609" y="3772773"/>
+            <a:ext cx="2718026" cy="2718026"/>
           </a:xfrm>
           <a:prstGeom prst="rect">
             <a:avLst/>
@@ -5351,10 +6531,39 @@
       </p:pic>
       <p:pic>
         <p:nvPicPr>
-          <p:cNvPr id="3078" name="Picture 6" descr="Material-UI: A popular React UI framework">
-            <a:extLst>
-              <a:ext uri="{FF2B5EF4-FFF2-40B4-BE49-F238E27FC236}">
-                <a16:creationId xmlns:a16="http://schemas.microsoft.com/office/drawing/2014/main" id="{0A631001-7AE8-2E43-A65A-501B82A86DCE}"/>
+          <p:cNvPr id="4" name="Picture 3">
+            <a:extLst>
+              <a:ext uri="{FF2B5EF4-FFF2-40B4-BE49-F238E27FC236}">
+                <a16:creationId xmlns:a16="http://schemas.microsoft.com/office/drawing/2014/main" id="{05E05E00-07CA-BD49-B7B0-A98A4DB1F02D}"/>
+              </a:ext>
+            </a:extLst>
+          </p:cNvPr>
+          <p:cNvPicPr>
+            <a:picLocks noChangeAspect="1"/>
+          </p:cNvPicPr>
+          <p:nvPr/>
+        </p:nvPicPr>
+        <p:blipFill>
+          <a:blip r:embed="rId4"/>
+          <a:srcRect/>
+          <a:stretch/>
+        </p:blipFill>
+        <p:spPr>
+          <a:xfrm>
+            <a:off x="4102652" y="2232041"/>
+            <a:ext cx="4771130" cy="4771130"/>
+          </a:xfrm>
+          <a:prstGeom prst="rect">
+            <a:avLst/>
+          </a:prstGeom>
+        </p:spPr>
+      </p:pic>
+      <p:pic>
+        <p:nvPicPr>
+          <p:cNvPr id="3080" name="Picture 8" descr="Apache Solr -">
+            <a:extLst>
+              <a:ext uri="{FF2B5EF4-FFF2-40B4-BE49-F238E27FC236}">
+                <a16:creationId xmlns:a16="http://schemas.microsoft.com/office/drawing/2014/main" id="{CA342DC8-1E1F-BF43-8C58-D4655160C56F}"/>
               </a:ext>
             </a:extLst>
           </p:cNvPr>
@@ -5364,7 +6573,7 @@
           <p:nvPr/>
         </p:nvPicPr>
         <p:blipFill>
-          <a:blip r:embed="rId4">
+          <a:blip r:embed="rId5">
             <a:extLst>
               <a:ext uri="{28A0092B-C50C-407E-A947-70E740481C1C}">
                 <a14:useLocalDpi xmlns:a14="http://schemas.microsoft.com/office/drawing/2010/main" val="0"/>
@@ -5378,8 +6587,8 @@
         </p:blipFill>
         <p:spPr bwMode="auto">
           <a:xfrm>
-            <a:off x="968014" y="4930623"/>
-            <a:ext cx="1360234" cy="1360234"/>
+            <a:off x="7691693" y="2327494"/>
+            <a:ext cx="3521739" cy="1779670"/>
           </a:xfrm>
           <a:prstGeom prst="rect">
             <a:avLst/>
@@ -5398,10 +6607,10 @@
       </p:pic>
       <p:pic>
         <p:nvPicPr>
-          <p:cNvPr id="3080" name="Picture 8" descr="Apache Solr -">
-            <a:extLst>
-              <a:ext uri="{FF2B5EF4-FFF2-40B4-BE49-F238E27FC236}">
-                <a16:creationId xmlns:a16="http://schemas.microsoft.com/office/drawing/2014/main" id="{CA342DC8-1E1F-BF43-8C58-D4655160C56F}"/>
+          <p:cNvPr id="3082" name="Picture 10" descr="Docker Logos | Docker">
+            <a:extLst>
+              <a:ext uri="{FF2B5EF4-FFF2-40B4-BE49-F238E27FC236}">
+                <a16:creationId xmlns:a16="http://schemas.microsoft.com/office/drawing/2014/main" id="{AD0A68B4-7E7B-2448-BE2F-A34CE7DC6AAB}"/>
               </a:ext>
             </a:extLst>
           </p:cNvPr>
@@ -5411,7 +6620,7 @@
           <p:nvPr/>
         </p:nvPicPr>
         <p:blipFill>
-          <a:blip r:embed="rId5">
+          <a:blip r:embed="rId6">
             <a:extLst>
               <a:ext uri="{28A0092B-C50C-407E-A947-70E740481C1C}">
                 <a14:useLocalDpi xmlns:a14="http://schemas.microsoft.com/office/drawing/2010/main" val="0"/>
@@ -5425,8 +6634,8 @@
         </p:blipFill>
         <p:spPr bwMode="auto">
           <a:xfrm>
-            <a:off x="544791" y="0"/>
-            <a:ext cx="13561870" cy="6853334"/>
+            <a:off x="5259958" y="4398557"/>
+            <a:ext cx="3054819" cy="2190727"/>
           </a:xfrm>
           <a:prstGeom prst="rect">
             <a:avLst/>
@@ -5445,10 +6654,10 @@
       </p:pic>
       <p:pic>
         <p:nvPicPr>
-          <p:cNvPr id="3082" name="Picture 10" descr="Docker Logos | Docker">
-            <a:extLst>
-              <a:ext uri="{FF2B5EF4-FFF2-40B4-BE49-F238E27FC236}">
-                <a16:creationId xmlns:a16="http://schemas.microsoft.com/office/drawing/2014/main" id="{AD0A68B4-7E7B-2448-BE2F-A34CE7DC6AAB}"/>
+          <p:cNvPr id="6" name="Picture 2" descr="React and Drupal 8 with JSON API 2/3 | Colorfield">
+            <a:extLst>
+              <a:ext uri="{FF2B5EF4-FFF2-40B4-BE49-F238E27FC236}">
+                <a16:creationId xmlns:a16="http://schemas.microsoft.com/office/drawing/2014/main" id="{7A8AAED9-49C4-AE40-A4E7-22571C0BCFF5}"/>
               </a:ext>
             </a:extLst>
           </p:cNvPr>
@@ -5458,7 +6667,7 @@
           <p:nvPr/>
         </p:nvPicPr>
         <p:blipFill>
-          <a:blip r:embed="rId6">
+          <a:blip r:embed="rId7">
             <a:extLst>
               <a:ext uri="{28A0092B-C50C-407E-A947-70E740481C1C}">
                 <a14:useLocalDpi xmlns:a14="http://schemas.microsoft.com/office/drawing/2010/main" val="0"/>
@@ -5471,9 +6680,9 @@
           </a:stretch>
         </p:blipFill>
         <p:spPr bwMode="auto">
-          <a:xfrm rot="19879881">
-            <a:off x="624632" y="280552"/>
-            <a:ext cx="8149756" cy="5844500"/>
+          <a:xfrm>
+            <a:off x="1456008" y="1611789"/>
+            <a:ext cx="3521739" cy="1648174"/>
           </a:xfrm>
           <a:prstGeom prst="rect">
             <a:avLst/>
@@ -5490,10 +6699,45 @@
           </a:extLst>
         </p:spPr>
       </p:pic>
+      <p:sp>
+        <p:nvSpPr>
+          <p:cNvPr id="13" name="TextBox 12">
+            <a:extLst>
+              <a:ext uri="{FF2B5EF4-FFF2-40B4-BE49-F238E27FC236}">
+                <a16:creationId xmlns:a16="http://schemas.microsoft.com/office/drawing/2014/main" id="{3CDB1FDC-7AFE-2247-9B45-35B3E2BB2658}"/>
+              </a:ext>
+            </a:extLst>
+          </p:cNvPr>
+          <p:cNvSpPr txBox="1"/>
+          <p:nvPr/>
+        </p:nvSpPr>
+        <p:spPr>
+          <a:xfrm>
+            <a:off x="9097505" y="191387"/>
+            <a:ext cx="2944678" cy="369332"/>
+          </a:xfrm>
+          <a:prstGeom prst="rect">
+            <a:avLst/>
+          </a:prstGeom>
+          <a:noFill/>
+        </p:spPr>
+        <p:txBody>
+          <a:bodyPr wrap="square" rtlCol="0">
+            <a:spAutoFit/>
+          </a:bodyPr>
+          <a:lstStyle/>
+          <a:p>
+            <a:r>
+              <a:rPr lang="en-CH" dirty="0"/>
+              <a:t>IR Project - Stefano Taillefert</a:t>
+            </a:r>
+          </a:p>
+        </p:txBody>
+      </p:sp>
     </p:spTree>
     <p:extLst>
       <p:ext uri="{BB962C8B-B14F-4D97-AF65-F5344CB8AC3E}">
-        <p14:creationId xmlns:p14="http://schemas.microsoft.com/office/powerpoint/2010/main" val="1720317769"/>
+        <p14:creationId xmlns:p14="http://schemas.microsoft.com/office/powerpoint/2010/main" val="2154363447"/>
       </p:ext>
     </p:extLst>
   </p:cSld>
@@ -5502,12 +6746,12 @@
   </p:clrMapOvr>
   <mc:AlternateContent xmlns:mc="http://schemas.openxmlformats.org/markup-compatibility/2006">
     <mc:Choice xmlns:p14="http://schemas.microsoft.com/office/powerpoint/2010/main" Requires="p14">
-      <p:transition spd="med" p14:dur="700">
+      <p:transition p14:dur="200">
         <p:fade/>
       </p:transition>
     </mc:Choice>
     <mc:Fallback>
-      <p:transition spd="med">
+      <p:transition>
         <p:fade/>
       </p:transition>
     </mc:Fallback>
@@ -5573,7 +6817,7 @@
                                           </p:stCondLst>
                                         </p:cTn>
                                         <p:tgtEl>
-                                          <p:spTgt spid="3080"/>
+                                          <p:spTgt spid="4"/>
                                         </p:tgtEl>
                                         <p:attrNameLst>
                                           <p:attrName>style.visibility</p:attrName>
@@ -5636,113 +6880,52 @@
       </p:grpSpPr>
       <p:sp>
         <p:nvSpPr>
-          <p:cNvPr id="2" name="Title 1">
-            <a:extLst>
-              <a:ext uri="{FF2B5EF4-FFF2-40B4-BE49-F238E27FC236}">
-                <a16:creationId xmlns:a16="http://schemas.microsoft.com/office/drawing/2014/main" id="{881A76BA-1234-1043-ACD6-428080A2F771}"/>
-              </a:ext>
-            </a:extLst>
-          </p:cNvPr>
-          <p:cNvSpPr>
-            <a:spLocks noGrp="1"/>
-          </p:cNvSpPr>
-          <p:nvPr>
-            <p:ph type="title"/>
-          </p:nvPr>
-        </p:nvSpPr>
-        <p:spPr/>
-        <p:txBody>
-          <a:bodyPr/>
+          <p:cNvPr id="12" name="TextBox 11">
+            <a:extLst>
+              <a:ext uri="{FF2B5EF4-FFF2-40B4-BE49-F238E27FC236}">
+                <a16:creationId xmlns:a16="http://schemas.microsoft.com/office/drawing/2014/main" id="{67982D9F-E5E7-BF49-AA93-6CF9ABBD6BBB}"/>
+              </a:ext>
+            </a:extLst>
+          </p:cNvPr>
+          <p:cNvSpPr txBox="1"/>
+          <p:nvPr/>
+        </p:nvSpPr>
+        <p:spPr>
+          <a:xfrm>
+            <a:off x="9097505" y="191387"/>
+            <a:ext cx="2944678" cy="369332"/>
+          </a:xfrm>
+          <a:prstGeom prst="rect">
+            <a:avLst/>
+          </a:prstGeom>
+          <a:noFill/>
+        </p:spPr>
+        <p:txBody>
+          <a:bodyPr wrap="square" rtlCol="0">
+            <a:spAutoFit/>
+          </a:bodyPr>
           <a:lstStyle/>
           <a:p>
             <a:r>
               <a:rPr lang="en-CH" dirty="0"/>
-              <a:t>Problems encountered</a:t>
-            </a:r>
-          </a:p>
-        </p:txBody>
-      </p:sp>
-      <p:sp>
-        <p:nvSpPr>
-          <p:cNvPr id="3" name="Content Placeholder 2">
-            <a:extLst>
-              <a:ext uri="{FF2B5EF4-FFF2-40B4-BE49-F238E27FC236}">
-                <a16:creationId xmlns:a16="http://schemas.microsoft.com/office/drawing/2014/main" id="{AD5E34EE-6A65-8448-BD92-F292E1CD118C}"/>
-              </a:ext>
-            </a:extLst>
-          </p:cNvPr>
-          <p:cNvSpPr>
-            <a:spLocks noGrp="1"/>
-          </p:cNvSpPr>
-          <p:nvPr>
-            <p:ph sz="half" idx="1"/>
-          </p:nvPr>
-        </p:nvSpPr>
-        <p:spPr>
-          <a:xfrm>
-            <a:off x="838200" y="1825625"/>
-            <a:ext cx="5334000" cy="4351338"/>
-          </a:xfrm>
-        </p:spPr>
-        <p:txBody>
-          <a:bodyPr/>
-          <a:lstStyle/>
-          <a:p>
-            <a:pPr marL="0" indent="0">
-              <a:buNone/>
-            </a:pPr>
-            <a:r>
-              <a:rPr lang="en-CH" dirty="0"/>
-              <a:t>Had to adapt some React components to custom behaviour</a:t>
-            </a:r>
-          </a:p>
-          <a:p>
-            <a:pPr marL="0" indent="0">
-              <a:buNone/>
-            </a:pPr>
-            <a:endParaRPr lang="en-CH" dirty="0"/>
-          </a:p>
-          <a:p>
-            <a:pPr marL="0" indent="0">
-              <a:buNone/>
-            </a:pPr>
-            <a:r>
-              <a:rPr lang="en-CH" dirty="0"/>
-              <a:t>Docker networking adds complexity</a:t>
-            </a:r>
-          </a:p>
-          <a:p>
-            <a:pPr marL="0" indent="0">
-              <a:buNone/>
-            </a:pPr>
-            <a:endParaRPr lang="en-CH" dirty="0"/>
-          </a:p>
-          <a:p>
-            <a:pPr marL="0" indent="0">
-              <a:buNone/>
-            </a:pPr>
-            <a:r>
-              <a:rPr lang="en-CH" dirty="0"/>
-              <a:t>Enabling clustering broke my Solr</a:t>
+              <a:t>IR Project - Stefano Taillefert</a:t>
             </a:r>
           </a:p>
         </p:txBody>
       </p:sp>
       <p:pic>
         <p:nvPicPr>
-          <p:cNvPr id="9218" name="Picture 2" descr="KEEP CALM AND NullPointer Exception Poster | Cursed | Keep Calm-o-Matic">
-            <a:extLst>
-              <a:ext uri="{FF2B5EF4-FFF2-40B4-BE49-F238E27FC236}">
-                <a16:creationId xmlns:a16="http://schemas.microsoft.com/office/drawing/2014/main" id="{A80EB4ED-7393-EF46-B4BB-0DE57A571902}"/>
+          <p:cNvPr id="4098" name="Picture 2" descr="React and Drupal 8 with JSON API 2/3 | Colorfield">
+            <a:extLst>
+              <a:ext uri="{FF2B5EF4-FFF2-40B4-BE49-F238E27FC236}">
+                <a16:creationId xmlns:a16="http://schemas.microsoft.com/office/drawing/2014/main" id="{51F98C44-A77F-F749-88E1-BDE7A916D450}"/>
               </a:ext>
             </a:extLst>
           </p:cNvPr>
           <p:cNvPicPr>
-            <a:picLocks noGrp="1" noChangeAspect="1" noChangeArrowheads="1"/>
+            <a:picLocks noChangeAspect="1" noChangeArrowheads="1"/>
           </p:cNvPicPr>
-          <p:nvPr>
-            <p:ph sz="half" idx="2"/>
-          </p:nvPr>
+          <p:nvPr/>
         </p:nvPicPr>
         <p:blipFill>
           <a:blip r:embed="rId2">
@@ -5759,8 +6942,8 @@
         </p:blipFill>
         <p:spPr bwMode="auto">
           <a:xfrm>
-            <a:off x="7443328" y="1253331"/>
-            <a:ext cx="3729718" cy="4351338"/>
+            <a:off x="711710" y="1900889"/>
+            <a:ext cx="4344728" cy="2033333"/>
           </a:xfrm>
           <a:prstGeom prst="rect">
             <a:avLst/>
@@ -5777,10 +6960,260 @@
           </a:extLst>
         </p:spPr>
       </p:pic>
+      <p:sp>
+        <p:nvSpPr>
+          <p:cNvPr id="2" name="Title 1">
+            <a:extLst>
+              <a:ext uri="{FF2B5EF4-FFF2-40B4-BE49-F238E27FC236}">
+                <a16:creationId xmlns:a16="http://schemas.microsoft.com/office/drawing/2014/main" id="{A285EB3F-C8CC-0D47-949C-5306997EA00C}"/>
+              </a:ext>
+            </a:extLst>
+          </p:cNvPr>
+          <p:cNvSpPr>
+            <a:spLocks noGrp="1"/>
+          </p:cNvSpPr>
+          <p:nvPr>
+            <p:ph type="title"/>
+          </p:nvPr>
+        </p:nvSpPr>
+        <p:spPr>
+          <a:xfrm>
+            <a:off x="838200" y="180000"/>
+            <a:ext cx="10515600" cy="1325563"/>
+          </a:xfrm>
+        </p:spPr>
+        <p:txBody>
+          <a:bodyPr/>
+          <a:lstStyle/>
+          <a:p>
+            <a:r>
+              <a:rPr lang="en-CH" dirty="0"/>
+              <a:t>Tech stack (scaled)</a:t>
+            </a:r>
+          </a:p>
+        </p:txBody>
+      </p:sp>
+      <p:pic>
+        <p:nvPicPr>
+          <p:cNvPr id="3074" name="Picture 2" descr="How to scrape websites in 5 minutes with Scrapy? | Theodo">
+            <a:extLst>
+              <a:ext uri="{FF2B5EF4-FFF2-40B4-BE49-F238E27FC236}">
+                <a16:creationId xmlns:a16="http://schemas.microsoft.com/office/drawing/2014/main" id="{F9AD8786-3A80-6347-968C-1C0D86DA0E8F}"/>
+              </a:ext>
+            </a:extLst>
+          </p:cNvPr>
+          <p:cNvPicPr>
+            <a:picLocks noChangeAspect="1" noChangeArrowheads="1"/>
+          </p:cNvPicPr>
+          <p:nvPr/>
+        </p:nvPicPr>
+        <p:blipFill>
+          <a:blip r:embed="rId3">
+            <a:extLst>
+              <a:ext uri="{28A0092B-C50C-407E-A947-70E740481C1C}">
+                <a14:useLocalDpi xmlns:a14="http://schemas.microsoft.com/office/drawing/2010/main" val="0"/>
+              </a:ext>
+            </a:extLst>
+          </a:blip>
+          <a:srcRect/>
+          <a:stretch>
+            <a:fillRect/>
+          </a:stretch>
+        </p:blipFill>
+        <p:spPr bwMode="auto">
+          <a:xfrm>
+            <a:off x="6780531" y="1774119"/>
+            <a:ext cx="1904713" cy="764459"/>
+          </a:xfrm>
+          <a:prstGeom prst="rect">
+            <a:avLst/>
+          </a:prstGeom>
+          <a:noFill/>
+          <a:extLst>
+            <a:ext uri="{909E8E84-426E-40DD-AFC4-6F175D3DCCD1}">
+              <a14:hiddenFill xmlns:a14="http://schemas.microsoft.com/office/drawing/2010/main">
+                <a:solidFill>
+                  <a:srgbClr val="FFFFFF"/>
+                </a:solidFill>
+              </a14:hiddenFill>
+            </a:ext>
+          </a:extLst>
+        </p:spPr>
+      </p:pic>
+      <p:pic>
+        <p:nvPicPr>
+          <p:cNvPr id="3078" name="Picture 6" descr="Material-UI: A popular React UI framework">
+            <a:extLst>
+              <a:ext uri="{FF2B5EF4-FFF2-40B4-BE49-F238E27FC236}">
+                <a16:creationId xmlns:a16="http://schemas.microsoft.com/office/drawing/2014/main" id="{0A631001-7AE8-2E43-A65A-501B82A86DCE}"/>
+              </a:ext>
+            </a:extLst>
+          </p:cNvPr>
+          <p:cNvPicPr>
+            <a:picLocks noChangeAspect="1" noChangeArrowheads="1"/>
+          </p:cNvPicPr>
+          <p:nvPr/>
+        </p:nvPicPr>
+        <p:blipFill>
+          <a:blip r:embed="rId4">
+            <a:extLst>
+              <a:ext uri="{28A0092B-C50C-407E-A947-70E740481C1C}">
+                <a14:useLocalDpi xmlns:a14="http://schemas.microsoft.com/office/drawing/2010/main" val="0"/>
+              </a:ext>
+            </a:extLst>
+          </a:blip>
+          <a:srcRect/>
+          <a:stretch>
+            <a:fillRect/>
+          </a:stretch>
+        </p:blipFill>
+        <p:spPr bwMode="auto">
+          <a:xfrm>
+            <a:off x="1114649" y="4869581"/>
+            <a:ext cx="1360234" cy="1360234"/>
+          </a:xfrm>
+          <a:prstGeom prst="rect">
+            <a:avLst/>
+          </a:prstGeom>
+          <a:noFill/>
+          <a:extLst>
+            <a:ext uri="{909E8E84-426E-40DD-AFC4-6F175D3DCCD1}">
+              <a14:hiddenFill xmlns:a14="http://schemas.microsoft.com/office/drawing/2010/main">
+                <a:solidFill>
+                  <a:srgbClr val="FFFFFF"/>
+                </a:solidFill>
+              </a14:hiddenFill>
+            </a:ext>
+          </a:extLst>
+        </p:spPr>
+      </p:pic>
+      <p:pic>
+        <p:nvPicPr>
+          <p:cNvPr id="8" name="Picture 7">
+            <a:extLst>
+              <a:ext uri="{FF2B5EF4-FFF2-40B4-BE49-F238E27FC236}">
+                <a16:creationId xmlns:a16="http://schemas.microsoft.com/office/drawing/2014/main" id="{3D939756-20FD-1C4D-9CE6-14B4CEFFBB1E}"/>
+              </a:ext>
+            </a:extLst>
+          </p:cNvPr>
+          <p:cNvPicPr>
+            <a:picLocks noChangeAspect="1"/>
+          </p:cNvPicPr>
+          <p:nvPr/>
+        </p:nvPicPr>
+        <p:blipFill>
+          <a:blip r:embed="rId5"/>
+          <a:srcRect/>
+          <a:stretch/>
+        </p:blipFill>
+        <p:spPr>
+          <a:xfrm>
+            <a:off x="-829294" y="-5792282"/>
+            <a:ext cx="14099458" cy="14099458"/>
+          </a:xfrm>
+          <a:prstGeom prst="rect">
+            <a:avLst/>
+          </a:prstGeom>
+        </p:spPr>
+      </p:pic>
+      <p:pic>
+        <p:nvPicPr>
+          <p:cNvPr id="3080" name="Picture 8" descr="Apache Solr -">
+            <a:extLst>
+              <a:ext uri="{FF2B5EF4-FFF2-40B4-BE49-F238E27FC236}">
+                <a16:creationId xmlns:a16="http://schemas.microsoft.com/office/drawing/2014/main" id="{CA342DC8-1E1F-BF43-8C58-D4655160C56F}"/>
+              </a:ext>
+            </a:extLst>
+          </p:cNvPr>
+          <p:cNvPicPr>
+            <a:picLocks noChangeAspect="1" noChangeArrowheads="1"/>
+          </p:cNvPicPr>
+          <p:nvPr/>
+        </p:nvPicPr>
+        <p:blipFill>
+          <a:blip r:embed="rId6">
+            <a:extLst>
+              <a:ext uri="{28A0092B-C50C-407E-A947-70E740481C1C}">
+                <a14:useLocalDpi xmlns:a14="http://schemas.microsoft.com/office/drawing/2010/main" val="0"/>
+              </a:ext>
+            </a:extLst>
+          </a:blip>
+          <a:srcRect/>
+          <a:stretch>
+            <a:fillRect/>
+          </a:stretch>
+        </p:blipFill>
+        <p:spPr bwMode="auto">
+          <a:xfrm>
+            <a:off x="-206674" y="0"/>
+            <a:ext cx="13561870" cy="6853334"/>
+          </a:xfrm>
+          <a:prstGeom prst="rect">
+            <a:avLst/>
+          </a:prstGeom>
+          <a:noFill/>
+          <a:extLst>
+            <a:ext uri="{909E8E84-426E-40DD-AFC4-6F175D3DCCD1}">
+              <a14:hiddenFill xmlns:a14="http://schemas.microsoft.com/office/drawing/2010/main">
+                <a:solidFill>
+                  <a:srgbClr val="FFFFFF"/>
+                </a:solidFill>
+              </a14:hiddenFill>
+            </a:ext>
+          </a:extLst>
+        </p:spPr>
+      </p:pic>
+      <p:pic>
+        <p:nvPicPr>
+          <p:cNvPr id="3082" name="Picture 10" descr="Docker Logos | Docker">
+            <a:extLst>
+              <a:ext uri="{FF2B5EF4-FFF2-40B4-BE49-F238E27FC236}">
+                <a16:creationId xmlns:a16="http://schemas.microsoft.com/office/drawing/2014/main" id="{AD0A68B4-7E7B-2448-BE2F-A34CE7DC6AAB}"/>
+              </a:ext>
+            </a:extLst>
+          </p:cNvPr>
+          <p:cNvPicPr>
+            <a:picLocks noChangeAspect="1" noChangeArrowheads="1"/>
+          </p:cNvPicPr>
+          <p:nvPr/>
+        </p:nvPicPr>
+        <p:blipFill>
+          <a:blip r:embed="rId7">
+            <a:extLst>
+              <a:ext uri="{28A0092B-C50C-407E-A947-70E740481C1C}">
+                <a14:useLocalDpi xmlns:a14="http://schemas.microsoft.com/office/drawing/2010/main" val="0"/>
+              </a:ext>
+            </a:extLst>
+          </a:blip>
+          <a:srcRect/>
+          <a:stretch>
+            <a:fillRect/>
+          </a:stretch>
+        </p:blipFill>
+        <p:spPr bwMode="auto">
+          <a:xfrm rot="19879881">
+            <a:off x="695713" y="141067"/>
+            <a:ext cx="8149756" cy="5844500"/>
+          </a:xfrm>
+          <a:prstGeom prst="rect">
+            <a:avLst/>
+          </a:prstGeom>
+          <a:noFill/>
+          <a:extLst>
+            <a:ext uri="{909E8E84-426E-40DD-AFC4-6F175D3DCCD1}">
+              <a14:hiddenFill xmlns:a14="http://schemas.microsoft.com/office/drawing/2010/main">
+                <a:solidFill>
+                  <a:srgbClr val="FFFFFF"/>
+                </a:solidFill>
+              </a14:hiddenFill>
+            </a:ext>
+          </a:extLst>
+        </p:spPr>
+      </p:pic>
     </p:spTree>
     <p:extLst>
       <p:ext uri="{BB962C8B-B14F-4D97-AF65-F5344CB8AC3E}">
-        <p14:creationId xmlns:p14="http://schemas.microsoft.com/office/powerpoint/2010/main" val="3091557092"/>
+        <p14:creationId xmlns:p14="http://schemas.microsoft.com/office/powerpoint/2010/main" val="1720317769"/>
       </p:ext>
     </p:extLst>
   </p:cSld>
@@ -5788,197 +7221,17 @@
     <a:masterClrMapping/>
   </p:clrMapOvr>
   <mc:AlternateContent xmlns:mc="http://schemas.openxmlformats.org/markup-compatibility/2006">
-    <mc:Choice xmlns:p14="http://schemas.microsoft.com/office/powerpoint/2010/main" Requires="p14">
-      <p:transition spd="med" p14:dur="700">
-        <p:fade/>
+    <mc:Choice xmlns:p159="http://schemas.microsoft.com/office/powerpoint/2015/09/main" Requires="p159">
+      <p:transition xmlns:p14="http://schemas.microsoft.com/office/powerpoint/2010/main" spd="slow" p14:dur="2000">
+        <p159:morph option="byObject"/>
       </p:transition>
     </mc:Choice>
     <mc:Fallback>
-      <p:transition spd="med">
+      <p:transition spd="slow">
         <p:fade/>
       </p:transition>
     </mc:Fallback>
   </mc:AlternateContent>
-  <p:timing>
-    <p:tnLst>
-      <p:par>
-        <p:cTn id="1" dur="indefinite" restart="never" nodeType="tmRoot">
-          <p:childTnLst>
-            <p:seq concurrent="1" nextAc="seek">
-              <p:cTn id="2" dur="indefinite" nodeType="mainSeq">
-                <p:childTnLst>
-                  <p:par>
-                    <p:cTn id="3" fill="hold">
-                      <p:stCondLst>
-                        <p:cond delay="indefinite"/>
-                      </p:stCondLst>
-                      <p:childTnLst>
-                        <p:par>
-                          <p:cTn id="4" fill="hold">
-                            <p:stCondLst>
-                              <p:cond delay="0"/>
-                            </p:stCondLst>
-                            <p:childTnLst>
-                              <p:par>
-                                <p:cTn id="5" presetID="1" presetClass="entr" presetSubtype="0" fill="hold" grpId="0" nodeType="clickEffect">
-                                  <p:stCondLst>
-                                    <p:cond delay="0"/>
-                                  </p:stCondLst>
-                                  <p:childTnLst>
-                                    <p:set>
-                                      <p:cBhvr>
-                                        <p:cTn id="6" dur="1" fill="hold">
-                                          <p:stCondLst>
-                                            <p:cond delay="0"/>
-                                          </p:stCondLst>
-                                        </p:cTn>
-                                        <p:tgtEl>
-                                          <p:spTgt spid="3">
-                                            <p:txEl>
-                                              <p:pRg st="0" end="0"/>
-                                            </p:txEl>
-                                          </p:spTgt>
-                                        </p:tgtEl>
-                                        <p:attrNameLst>
-                                          <p:attrName>style.visibility</p:attrName>
-                                        </p:attrNameLst>
-                                      </p:cBhvr>
-                                      <p:to>
-                                        <p:strVal val="visible"/>
-                                      </p:to>
-                                    </p:set>
-                                  </p:childTnLst>
-                                </p:cTn>
-                              </p:par>
-                            </p:childTnLst>
-                          </p:cTn>
-                        </p:par>
-                      </p:childTnLst>
-                    </p:cTn>
-                  </p:par>
-                  <p:par>
-                    <p:cTn id="7" fill="hold">
-                      <p:stCondLst>
-                        <p:cond delay="indefinite"/>
-                      </p:stCondLst>
-                      <p:childTnLst>
-                        <p:par>
-                          <p:cTn id="8" fill="hold">
-                            <p:stCondLst>
-                              <p:cond delay="0"/>
-                            </p:stCondLst>
-                            <p:childTnLst>
-                              <p:par>
-                                <p:cTn id="9" presetID="1" presetClass="entr" presetSubtype="0" fill="hold" grpId="0" nodeType="clickEffect">
-                                  <p:stCondLst>
-                                    <p:cond delay="0"/>
-                                  </p:stCondLst>
-                                  <p:childTnLst>
-                                    <p:set>
-                                      <p:cBhvr>
-                                        <p:cTn id="10" dur="1" fill="hold">
-                                          <p:stCondLst>
-                                            <p:cond delay="0"/>
-                                          </p:stCondLst>
-                                        </p:cTn>
-                                        <p:tgtEl>
-                                          <p:spTgt spid="3">
-                                            <p:txEl>
-                                              <p:pRg st="2" end="2"/>
-                                            </p:txEl>
-                                          </p:spTgt>
-                                        </p:tgtEl>
-                                        <p:attrNameLst>
-                                          <p:attrName>style.visibility</p:attrName>
-                                        </p:attrNameLst>
-                                      </p:cBhvr>
-                                      <p:to>
-                                        <p:strVal val="visible"/>
-                                      </p:to>
-                                    </p:set>
-                                  </p:childTnLst>
-                                </p:cTn>
-                              </p:par>
-                            </p:childTnLst>
-                          </p:cTn>
-                        </p:par>
-                      </p:childTnLst>
-                    </p:cTn>
-                  </p:par>
-                  <p:par>
-                    <p:cTn id="11" fill="hold">
-                      <p:stCondLst>
-                        <p:cond delay="indefinite"/>
-                      </p:stCondLst>
-                      <p:childTnLst>
-                        <p:par>
-                          <p:cTn id="12" fill="hold">
-                            <p:stCondLst>
-                              <p:cond delay="0"/>
-                            </p:stCondLst>
-                            <p:childTnLst>
-                              <p:par>
-                                <p:cTn id="13" presetID="1" presetClass="entr" presetSubtype="0" fill="hold" grpId="0" nodeType="clickEffect">
-                                  <p:stCondLst>
-                                    <p:cond delay="0"/>
-                                  </p:stCondLst>
-                                  <p:childTnLst>
-                                    <p:set>
-                                      <p:cBhvr>
-                                        <p:cTn id="14" dur="1" fill="hold">
-                                          <p:stCondLst>
-                                            <p:cond delay="0"/>
-                                          </p:stCondLst>
-                                        </p:cTn>
-                                        <p:tgtEl>
-                                          <p:spTgt spid="3">
-                                            <p:txEl>
-                                              <p:pRg st="4" end="4"/>
-                                            </p:txEl>
-                                          </p:spTgt>
-                                        </p:tgtEl>
-                                        <p:attrNameLst>
-                                          <p:attrName>style.visibility</p:attrName>
-                                        </p:attrNameLst>
-                                      </p:cBhvr>
-                                      <p:to>
-                                        <p:strVal val="visible"/>
-                                      </p:to>
-                                    </p:set>
-                                  </p:childTnLst>
-                                </p:cTn>
-                              </p:par>
-                            </p:childTnLst>
-                          </p:cTn>
-                        </p:par>
-                      </p:childTnLst>
-                    </p:cTn>
-                  </p:par>
-                </p:childTnLst>
-              </p:cTn>
-              <p:prevCondLst>
-                <p:cond evt="onPrev" delay="0">
-                  <p:tgtEl>
-                    <p:sldTgt/>
-                  </p:tgtEl>
-                </p:cond>
-              </p:prevCondLst>
-              <p:nextCondLst>
-                <p:cond evt="onNext" delay="0">
-                  <p:tgtEl>
-                    <p:sldTgt/>
-                  </p:tgtEl>
-                </p:cond>
-              </p:nextCondLst>
-            </p:seq>
-          </p:childTnLst>
-        </p:cTn>
-      </p:par>
-    </p:tnLst>
-    <p:bldLst>
-      <p:bldP spid="3" grpId="0" build="p"/>
-    </p:bldLst>
-  </p:timing>
 </p:sld>
 </file>
 
@@ -6004,7 +7257,7 @@
           <p:cNvPr id="2" name="Title 1">
             <a:extLst>
               <a:ext uri="{FF2B5EF4-FFF2-40B4-BE49-F238E27FC236}">
-                <a16:creationId xmlns:a16="http://schemas.microsoft.com/office/drawing/2014/main" id="{031FFD76-DEDE-314A-885D-7124471E0DDD}"/>
+                <a16:creationId xmlns:a16="http://schemas.microsoft.com/office/drawing/2014/main" id="{C8ACACAB-A7B7-3F43-9E2B-937180C2354B}"/>
               </a:ext>
             </a:extLst>
           </p:cNvPr>
@@ -6015,52 +7268,177 @@
             <p:ph type="title"/>
           </p:nvPr>
         </p:nvSpPr>
-        <p:spPr/>
+        <p:spPr>
+          <a:xfrm>
+            <a:off x="838800" y="180000"/>
+            <a:ext cx="10515600" cy="1325563"/>
+          </a:xfrm>
+        </p:spPr>
         <p:txBody>
           <a:bodyPr/>
           <a:lstStyle/>
           <a:p>
             <a:r>
               <a:rPr lang="en-CH" dirty="0"/>
-              <a:t>Questions</a:t>
+              <a:t>Problems encountered</a:t>
+            </a:r>
+          </a:p>
+        </p:txBody>
+      </p:sp>
+      <p:sp>
+        <p:nvSpPr>
+          <p:cNvPr id="3" name="Content Placeholder 2">
+            <a:extLst>
+              <a:ext uri="{FF2B5EF4-FFF2-40B4-BE49-F238E27FC236}">
+                <a16:creationId xmlns:a16="http://schemas.microsoft.com/office/drawing/2014/main" id="{0C6CFF4F-7F84-3E4C-A4BD-9859BE2A58E6}"/>
+              </a:ext>
+            </a:extLst>
+          </p:cNvPr>
+          <p:cNvSpPr>
+            <a:spLocks noGrp="1"/>
+          </p:cNvSpPr>
+          <p:nvPr>
+            <p:ph idx="1"/>
+          </p:nvPr>
+        </p:nvSpPr>
+        <p:spPr>
+          <a:xfrm>
+            <a:off x="838200" y="1690688"/>
+            <a:ext cx="10515600" cy="4975925"/>
+          </a:xfrm>
+        </p:spPr>
+        <p:txBody>
+          <a:bodyPr>
+            <a:normAutofit/>
+          </a:bodyPr>
+          <a:lstStyle/>
+          <a:p>
+            <a:pPr marL="0" indent="0">
+              <a:buNone/>
+            </a:pPr>
+            <a:r>
+              <a:rPr lang="en-CH" dirty="0"/>
+              <a:t>Had to adapt some React components to custom behaviour</a:t>
+            </a:r>
+          </a:p>
+          <a:p>
+            <a:pPr marL="0" indent="0">
+              <a:buNone/>
+            </a:pPr>
+            <a:endParaRPr lang="en-CH" dirty="0"/>
+          </a:p>
+          <a:p>
+            <a:pPr marL="0" indent="0">
+              <a:buNone/>
+            </a:pPr>
+            <a:r>
+              <a:rPr lang="en-CH" dirty="0"/>
+              <a:t>Docker networking adds complexity</a:t>
+            </a:r>
+          </a:p>
+          <a:p>
+            <a:pPr marL="0" indent="0">
+              <a:buNone/>
+            </a:pPr>
+            <a:endParaRPr lang="en-CH" dirty="0"/>
+          </a:p>
+          <a:p>
+            <a:pPr marL="0" indent="0">
+              <a:buNone/>
+            </a:pPr>
+            <a:r>
+              <a:rPr lang="en-CH" dirty="0"/>
+              <a:t>Enabling clustering broke my Solr</a:t>
+            </a:r>
+          </a:p>
+        </p:txBody>
+      </p:sp>
+      <p:sp>
+        <p:nvSpPr>
+          <p:cNvPr id="5" name="TextBox 4">
+            <a:extLst>
+              <a:ext uri="{FF2B5EF4-FFF2-40B4-BE49-F238E27FC236}">
+                <a16:creationId xmlns:a16="http://schemas.microsoft.com/office/drawing/2014/main" id="{EB9F21B8-D179-D14C-8F62-F9459457341F}"/>
+              </a:ext>
+            </a:extLst>
+          </p:cNvPr>
+          <p:cNvSpPr txBox="1"/>
+          <p:nvPr/>
+        </p:nvSpPr>
+        <p:spPr>
+          <a:xfrm>
+            <a:off x="9097505" y="191387"/>
+            <a:ext cx="2944678" cy="369332"/>
+          </a:xfrm>
+          <a:prstGeom prst="rect">
+            <a:avLst/>
+          </a:prstGeom>
+          <a:noFill/>
+        </p:spPr>
+        <p:txBody>
+          <a:bodyPr wrap="square" rtlCol="0">
+            <a:spAutoFit/>
+          </a:bodyPr>
+          <a:lstStyle/>
+          <a:p>
+            <a:r>
+              <a:rPr lang="en-CH" dirty="0"/>
+              <a:t>IR Project - Stefano Taillefert</a:t>
             </a:r>
           </a:p>
         </p:txBody>
       </p:sp>
       <p:pic>
         <p:nvPicPr>
-          <p:cNvPr id="5" name="Picture 4" descr="A picture containing air, water, flying, person&#10;&#10;Description automatically generated">
-            <a:extLst>
-              <a:ext uri="{FF2B5EF4-FFF2-40B4-BE49-F238E27FC236}">
-                <a16:creationId xmlns:a16="http://schemas.microsoft.com/office/drawing/2014/main" id="{B4438E41-10D6-E541-8BE7-D1C92F99072C}"/>
+          <p:cNvPr id="6" name="Picture 2" descr="KEEP CALM AND NullPointer Exception Poster | Cursed | Keep Calm-o-Matic">
+            <a:extLst>
+              <a:ext uri="{FF2B5EF4-FFF2-40B4-BE49-F238E27FC236}">
+                <a16:creationId xmlns:a16="http://schemas.microsoft.com/office/drawing/2014/main" id="{BF614D3E-AAD2-9A4A-99B6-C0019FACC536}"/>
               </a:ext>
             </a:extLst>
           </p:cNvPr>
           <p:cNvPicPr>
-            <a:picLocks noChangeAspect="1"/>
+            <a:picLocks noChangeAspect="1" noChangeArrowheads="1"/>
           </p:cNvPicPr>
           <p:nvPr/>
         </p:nvPicPr>
         <p:blipFill>
-          <a:blip r:embed="rId2"/>
+          <a:blip r:embed="rId2">
+            <a:extLst>
+              <a:ext uri="{28A0092B-C50C-407E-A947-70E740481C1C}">
+                <a14:useLocalDpi xmlns:a14="http://schemas.microsoft.com/office/drawing/2010/main" val="0"/>
+              </a:ext>
+            </a:extLst>
+          </a:blip>
+          <a:srcRect/>
           <a:stretch>
             <a:fillRect/>
           </a:stretch>
         </p:blipFill>
-        <p:spPr>
-          <a:xfrm>
-            <a:off x="2284640" y="1225090"/>
-            <a:ext cx="7622721" cy="5213809"/>
+        <p:spPr bwMode="auto">
+          <a:xfrm>
+            <a:off x="7503534" y="1690688"/>
+            <a:ext cx="3729718" cy="4351338"/>
           </a:xfrm>
           <a:prstGeom prst="rect">
             <a:avLst/>
           </a:prstGeom>
+          <a:noFill/>
+          <a:extLst>
+            <a:ext uri="{909E8E84-426E-40DD-AFC4-6F175D3DCCD1}">
+              <a14:hiddenFill xmlns:a14="http://schemas.microsoft.com/office/drawing/2010/main">
+                <a:solidFill>
+                  <a:srgbClr val="FFFFFF"/>
+                </a:solidFill>
+              </a14:hiddenFill>
+            </a:ext>
+          </a:extLst>
         </p:spPr>
       </p:pic>
     </p:spTree>
     <p:extLst>
       <p:ext uri="{BB962C8B-B14F-4D97-AF65-F5344CB8AC3E}">
-        <p14:creationId xmlns:p14="http://schemas.microsoft.com/office/powerpoint/2010/main" val="4279797967"/>
+        <p14:creationId xmlns:p14="http://schemas.microsoft.com/office/powerpoint/2010/main" val="2626932489"/>
       </p:ext>
     </p:extLst>
   </p:cSld>
@@ -6069,12 +7447,12 @@
   </p:clrMapOvr>
   <mc:AlternateContent xmlns:mc="http://schemas.openxmlformats.org/markup-compatibility/2006">
     <mc:Choice xmlns:p14="http://schemas.microsoft.com/office/powerpoint/2010/main" Requires="p14">
-      <p:transition spd="med" p14:dur="700">
+      <p:transition p14:dur="200">
         <p:fade/>
       </p:transition>
     </mc:Choice>
     <mc:Fallback>
-      <p:transition spd="med">
+      <p:transition>
         <p:fade/>
       </p:transition>
     </mc:Fallback>
@@ -6104,78 +7482,279 @@
           <p:cNvPr id="2" name="Title 1">
             <a:extLst>
               <a:ext uri="{FF2B5EF4-FFF2-40B4-BE49-F238E27FC236}">
-                <a16:creationId xmlns:a16="http://schemas.microsoft.com/office/drawing/2014/main" id="{E1493BF0-AFAF-A346-AD82-5431E9F2E1C0}"/>
-              </a:ext>
-            </a:extLst>
-          </p:cNvPr>
-          <p:cNvSpPr>
-            <a:spLocks noGrp="1"/>
-          </p:cNvSpPr>
-          <p:nvPr>
-            <p:ph type="ctrTitle"/>
-          </p:nvPr>
-        </p:nvSpPr>
-        <p:spPr/>
+                <a16:creationId xmlns:a16="http://schemas.microsoft.com/office/drawing/2014/main" id="{C8ACACAB-A7B7-3F43-9E2B-937180C2354B}"/>
+              </a:ext>
+            </a:extLst>
+          </p:cNvPr>
+          <p:cNvSpPr>
+            <a:spLocks noGrp="1"/>
+          </p:cNvSpPr>
+          <p:nvPr>
+            <p:ph type="title"/>
+          </p:nvPr>
+        </p:nvSpPr>
+        <p:spPr>
+          <a:xfrm>
+            <a:off x="838800" y="180000"/>
+            <a:ext cx="10515600" cy="1325563"/>
+          </a:xfrm>
+        </p:spPr>
         <p:txBody>
           <a:bodyPr/>
           <a:lstStyle/>
           <a:p>
             <a:r>
               <a:rPr lang="en-CH" dirty="0"/>
-              <a:t>Demo time!</a:t>
-            </a:r>
-          </a:p>
-        </p:txBody>
-      </p:sp>
-      <p:pic>
-        <p:nvPicPr>
-          <p:cNvPr id="7170" name="Picture 2" descr="Fubuki &quot;YABE&quot; - YouTube">
-            <a:extLst>
-              <a:ext uri="{FF2B5EF4-FFF2-40B4-BE49-F238E27FC236}">
-                <a16:creationId xmlns:a16="http://schemas.microsoft.com/office/drawing/2014/main" id="{E63856B0-AB58-E746-8A7C-AF01980EE367}"/>
-              </a:ext>
-            </a:extLst>
-          </p:cNvPr>
-          <p:cNvPicPr>
-            <a:picLocks noChangeAspect="1" noChangeArrowheads="1"/>
-          </p:cNvPicPr>
+              <a:t>User evaluation</a:t>
+            </a:r>
+          </a:p>
+        </p:txBody>
+      </p:sp>
+      <p:sp>
+        <p:nvSpPr>
+          <p:cNvPr id="3" name="Content Placeholder 2">
+            <a:extLst>
+              <a:ext uri="{FF2B5EF4-FFF2-40B4-BE49-F238E27FC236}">
+                <a16:creationId xmlns:a16="http://schemas.microsoft.com/office/drawing/2014/main" id="{0C6CFF4F-7F84-3E4C-A4BD-9859BE2A58E6}"/>
+              </a:ext>
+            </a:extLst>
+          </p:cNvPr>
+          <p:cNvSpPr>
+            <a:spLocks noGrp="1"/>
+          </p:cNvSpPr>
+          <p:nvPr>
+            <p:ph idx="1"/>
+          </p:nvPr>
+        </p:nvSpPr>
+        <p:spPr>
+          <a:xfrm>
+            <a:off x="838200" y="1690688"/>
+            <a:ext cx="10515600" cy="4975925"/>
+          </a:xfrm>
+        </p:spPr>
+        <p:txBody>
+          <a:bodyPr>
+            <a:normAutofit/>
+          </a:bodyPr>
+          <a:lstStyle/>
+          <a:p>
+            <a:pPr marL="0" indent="0">
+              <a:buNone/>
+            </a:pPr>
+            <a:r>
+              <a:rPr lang="en-CH" dirty="0"/>
+              <a:t>User1 and User2: very good, intuitive, easy to use, nice features</a:t>
+            </a:r>
+          </a:p>
+          <a:p>
+            <a:pPr marL="0" indent="0">
+              <a:buNone/>
+            </a:pPr>
+            <a:endParaRPr lang="en-CH" dirty="0"/>
+          </a:p>
+          <a:p>
+            <a:pPr marL="0" indent="0">
+              <a:buNone/>
+            </a:pPr>
+            <a:endParaRPr lang="en-CH" dirty="0"/>
+          </a:p>
+          <a:p>
+            <a:pPr marL="0" indent="0">
+              <a:buNone/>
+            </a:pPr>
+            <a:endParaRPr lang="en-CH" dirty="0"/>
+          </a:p>
+          <a:p>
+            <a:pPr marL="0" indent="0">
+              <a:buNone/>
+            </a:pPr>
+            <a:r>
+              <a:rPr lang="en-CH" dirty="0"/>
+              <a:t>User3: change half of the site because it’s redundant</a:t>
+            </a:r>
+          </a:p>
+          <a:p>
+            <a:pPr marL="0" indent="0">
+              <a:buNone/>
+            </a:pPr>
+            <a:endParaRPr lang="en-CH" dirty="0"/>
+          </a:p>
+          <a:p>
+            <a:pPr marL="0" indent="0">
+              <a:buNone/>
+            </a:pPr>
+            <a:endParaRPr lang="en-CH" dirty="0"/>
+          </a:p>
+          <a:p>
+            <a:pPr marL="0" indent="0">
+              <a:buNone/>
+            </a:pPr>
+            <a:r>
+              <a:rPr lang="en-CH" dirty="0"/>
+              <a:t>		Me: okay</a:t>
+            </a:r>
+          </a:p>
+        </p:txBody>
+      </p:sp>
+      <p:sp>
+        <p:nvSpPr>
+          <p:cNvPr id="5" name="TextBox 4">
+            <a:extLst>
+              <a:ext uri="{FF2B5EF4-FFF2-40B4-BE49-F238E27FC236}">
+                <a16:creationId xmlns:a16="http://schemas.microsoft.com/office/drawing/2014/main" id="{EB9F21B8-D179-D14C-8F62-F9459457341F}"/>
+              </a:ext>
+            </a:extLst>
+          </p:cNvPr>
+          <p:cNvSpPr txBox="1"/>
           <p:nvPr/>
-        </p:nvPicPr>
-        <p:blipFill rotWithShape="1">
-          <a:blip r:embed="rId2">
-            <a:extLst>
-              <a:ext uri="{28A0092B-C50C-407E-A947-70E740481C1C}">
-                <a14:useLocalDpi xmlns:a14="http://schemas.microsoft.com/office/drawing/2010/main" val="0"/>
-              </a:ext>
-            </a:extLst>
-          </a:blip>
-          <a:srcRect l="3974" r="12031"/>
-          <a:stretch/>
-        </p:blipFill>
-        <p:spPr bwMode="auto">
-          <a:xfrm>
-            <a:off x="8725786" y="4500711"/>
-            <a:ext cx="3370521" cy="2257200"/>
+        </p:nvSpPr>
+        <p:spPr>
+          <a:xfrm>
+            <a:off x="9097505" y="191387"/>
+            <a:ext cx="2944678" cy="369332"/>
           </a:xfrm>
           <a:prstGeom prst="rect">
             <a:avLst/>
           </a:prstGeom>
           <a:noFill/>
-          <a:extLst>
-            <a:ext uri="{909E8E84-426E-40DD-AFC4-6F175D3DCCD1}">
-              <a14:hiddenFill xmlns:a14="http://schemas.microsoft.com/office/drawing/2010/main">
-                <a:solidFill>
-                  <a:srgbClr val="FFFFFF"/>
-                </a:solidFill>
-              </a14:hiddenFill>
-            </a:ext>
-          </a:extLst>
+        </p:spPr>
+        <p:txBody>
+          <a:bodyPr wrap="square" rtlCol="0">
+            <a:spAutoFit/>
+          </a:bodyPr>
+          <a:lstStyle/>
+          <a:p>
+            <a:r>
+              <a:rPr lang="en-CH" dirty="0"/>
+              <a:t>IR Project - Stefano Taillefert</a:t>
+            </a:r>
+          </a:p>
+        </p:txBody>
+      </p:sp>
+      <p:pic>
+        <p:nvPicPr>
+          <p:cNvPr id="7" name="Picture 6">
+            <a:extLst>
+              <a:ext uri="{FF2B5EF4-FFF2-40B4-BE49-F238E27FC236}">
+                <a16:creationId xmlns:a16="http://schemas.microsoft.com/office/drawing/2014/main" id="{7E6806CF-6029-4442-BC36-BFDD428C4D79}"/>
+              </a:ext>
+            </a:extLst>
+          </p:cNvPr>
+          <p:cNvPicPr>
+            <a:picLocks noChangeAspect="1"/>
+          </p:cNvPicPr>
+          <p:nvPr/>
+        </p:nvPicPr>
+        <p:blipFill>
+          <a:blip r:embed="rId2"/>
+          <a:stretch>
+            <a:fillRect/>
+          </a:stretch>
+        </p:blipFill>
+        <p:spPr>
+          <a:xfrm>
+            <a:off x="6666717" y="2830691"/>
+            <a:ext cx="2170631" cy="2180774"/>
+          </a:xfrm>
+          <a:prstGeom prst="rect">
+            <a:avLst/>
+          </a:prstGeom>
+        </p:spPr>
+      </p:pic>
+      <p:pic>
+        <p:nvPicPr>
+          <p:cNvPr id="8" name="Picture 7">
+            <a:extLst>
+              <a:ext uri="{FF2B5EF4-FFF2-40B4-BE49-F238E27FC236}">
+                <a16:creationId xmlns:a16="http://schemas.microsoft.com/office/drawing/2014/main" id="{2083F2A5-F8F0-0A4B-A9BA-FA5524D2F05C}"/>
+              </a:ext>
+            </a:extLst>
+          </p:cNvPr>
+          <p:cNvPicPr>
+            <a:picLocks noChangeAspect="1"/>
+          </p:cNvPicPr>
+          <p:nvPr/>
+        </p:nvPicPr>
+        <p:blipFill>
+          <a:blip r:embed="rId2"/>
+          <a:stretch>
+            <a:fillRect/>
+          </a:stretch>
+        </p:blipFill>
+        <p:spPr>
+          <a:xfrm flipH="1">
+            <a:off x="522214" y="4045179"/>
+            <a:ext cx="1923582" cy="1932571"/>
+          </a:xfrm>
+          <a:prstGeom prst="rect">
+            <a:avLst/>
+          </a:prstGeom>
+        </p:spPr>
+      </p:pic>
+      <p:pic>
+        <p:nvPicPr>
+          <p:cNvPr id="9" name="Picture 8">
+            <a:extLst>
+              <a:ext uri="{FF2B5EF4-FFF2-40B4-BE49-F238E27FC236}">
+                <a16:creationId xmlns:a16="http://schemas.microsoft.com/office/drawing/2014/main" id="{07517463-5855-114B-A955-DDED89E54DEA}"/>
+              </a:ext>
+            </a:extLst>
+          </p:cNvPr>
+          <p:cNvPicPr>
+            <a:picLocks noChangeAspect="1"/>
+          </p:cNvPicPr>
+          <p:nvPr/>
+        </p:nvPicPr>
+        <p:blipFill>
+          <a:blip r:embed="rId3"/>
+          <a:stretch>
+            <a:fillRect/>
+          </a:stretch>
+        </p:blipFill>
+        <p:spPr>
+          <a:xfrm>
+            <a:off x="5879024" y="197726"/>
+            <a:ext cx="1310631" cy="1400400"/>
+          </a:xfrm>
+          <a:prstGeom prst="rect">
+            <a:avLst/>
+          </a:prstGeom>
+        </p:spPr>
+      </p:pic>
+      <p:pic>
+        <p:nvPicPr>
+          <p:cNvPr id="10" name="Picture 9">
+            <a:extLst>
+              <a:ext uri="{FF2B5EF4-FFF2-40B4-BE49-F238E27FC236}">
+                <a16:creationId xmlns:a16="http://schemas.microsoft.com/office/drawing/2014/main" id="{4433745D-5A4B-EA43-A7E2-9AE0892F8172}"/>
+              </a:ext>
+            </a:extLst>
+          </p:cNvPr>
+          <p:cNvPicPr>
+            <a:picLocks noChangeAspect="1"/>
+          </p:cNvPicPr>
+          <p:nvPr/>
+        </p:nvPicPr>
+        <p:blipFill>
+          <a:blip r:embed="rId4"/>
+          <a:stretch>
+            <a:fillRect/>
+          </a:stretch>
+        </p:blipFill>
+        <p:spPr>
+          <a:xfrm>
+            <a:off x="7968935" y="680571"/>
+            <a:ext cx="1736825" cy="1649984"/>
+          </a:xfrm>
+          <a:prstGeom prst="rect">
+            <a:avLst/>
+          </a:prstGeom>
         </p:spPr>
       </p:pic>
     </p:spTree>
     <p:extLst>
       <p:ext uri="{BB962C8B-B14F-4D97-AF65-F5344CB8AC3E}">
-        <p14:creationId xmlns:p14="http://schemas.microsoft.com/office/powerpoint/2010/main" val="3781458819"/>
+        <p14:creationId xmlns:p14="http://schemas.microsoft.com/office/powerpoint/2010/main" val="2401111259"/>
       </p:ext>
     </p:extLst>
   </p:cSld>
@@ -6184,12 +7763,12 @@
   </p:clrMapOvr>
   <mc:AlternateContent xmlns:mc="http://schemas.openxmlformats.org/markup-compatibility/2006">
     <mc:Choice xmlns:p14="http://schemas.microsoft.com/office/powerpoint/2010/main" Requires="p14">
-      <p:transition spd="med" p14:dur="700">
+      <p:transition p14:dur="200">
         <p:fade/>
       </p:transition>
     </mc:Choice>
     <mc:Fallback>
-      <p:transition spd="med">
+      <p:transition>
         <p:fade/>
       </p:transition>
     </mc:Fallback>
@@ -6490,4 +8069,299 @@
     </a:ext>
   </a:extLst>
 </a:theme>
+</file>
+
+<file path=ppt/theme/theme2.xml><?xml version="1.0" encoding="utf-8"?>
+<a:theme xmlns:a="http://schemas.openxmlformats.org/drawingml/2006/main" name="Office Theme">
+  <a:themeElements>
+    <a:clrScheme name="Office">
+      <a:dk1>
+        <a:sysClr val="windowText" lastClr="000000"/>
+      </a:dk1>
+      <a:lt1>
+        <a:sysClr val="window" lastClr="FFFFFF"/>
+      </a:lt1>
+      <a:dk2>
+        <a:srgbClr val="44546A"/>
+      </a:dk2>
+      <a:lt2>
+        <a:srgbClr val="E7E6E6"/>
+      </a:lt2>
+      <a:accent1>
+        <a:srgbClr val="4472C4"/>
+      </a:accent1>
+      <a:accent2>
+        <a:srgbClr val="ED7D31"/>
+      </a:accent2>
+      <a:accent3>
+        <a:srgbClr val="A5A5A5"/>
+      </a:accent3>
+      <a:accent4>
+        <a:srgbClr val="FFC000"/>
+      </a:accent4>
+      <a:accent5>
+        <a:srgbClr val="5B9BD5"/>
+      </a:accent5>
+      <a:accent6>
+        <a:srgbClr val="70AD47"/>
+      </a:accent6>
+      <a:hlink>
+        <a:srgbClr val="0563C1"/>
+      </a:hlink>
+      <a:folHlink>
+        <a:srgbClr val="954F72"/>
+      </a:folHlink>
+    </a:clrScheme>
+    <a:fontScheme name="Office">
+      <a:majorFont>
+        <a:latin typeface="Calibri Light" panose="020F0302020204030204"/>
+        <a:ea typeface=""/>
+        <a:cs typeface=""/>
+        <a:font script="Jpan" typeface="游ゴシック Light"/>
+        <a:font script="Hang" typeface="맑은 고딕"/>
+        <a:font script="Hans" typeface="等线 Light"/>
+        <a:font script="Hant" typeface="新細明體"/>
+        <a:font script="Arab" typeface="Times New Roman"/>
+        <a:font script="Hebr" typeface="Times New Roman"/>
+        <a:font script="Thai" typeface="Angsana New"/>
+        <a:font script="Ethi" typeface="Nyala"/>
+        <a:font script="Beng" typeface="Vrinda"/>
+        <a:font script="Gujr" typeface="Shruti"/>
+        <a:font script="Khmr" typeface="MoolBoran"/>
+        <a:font script="Knda" typeface="Tunga"/>
+        <a:font script="Guru" typeface="Raavi"/>
+        <a:font script="Cans" typeface="Euphemia"/>
+        <a:font script="Cher" typeface="Plantagenet Cherokee"/>
+        <a:font script="Yiii" typeface="Microsoft Yi Baiti"/>
+        <a:font script="Tibt" typeface="Microsoft Himalaya"/>
+        <a:font script="Thaa" typeface="MV Boli"/>
+        <a:font script="Deva" typeface="Mangal"/>
+        <a:font script="Telu" typeface="Gautami"/>
+        <a:font script="Taml" typeface="Latha"/>
+        <a:font script="Syrc" typeface="Estrangelo Edessa"/>
+        <a:font script="Orya" typeface="Kalinga"/>
+        <a:font script="Mlym" typeface="Kartika"/>
+        <a:font script="Laoo" typeface="DokChampa"/>
+        <a:font script="Sinh" typeface="Iskoola Pota"/>
+        <a:font script="Mong" typeface="Mongolian Baiti"/>
+        <a:font script="Viet" typeface="Times New Roman"/>
+        <a:font script="Uigh" typeface="Microsoft Uighur"/>
+        <a:font script="Geor" typeface="Sylfaen"/>
+        <a:font script="Armn" typeface="Arial"/>
+        <a:font script="Bugi" typeface="Leelawadee UI"/>
+        <a:font script="Bopo" typeface="Microsoft JhengHei"/>
+        <a:font script="Java" typeface="Javanese Text"/>
+        <a:font script="Lisu" typeface="Segoe UI"/>
+        <a:font script="Mymr" typeface="Myanmar Text"/>
+        <a:font script="Nkoo" typeface="Ebrima"/>
+        <a:font script="Olck" typeface="Nirmala UI"/>
+        <a:font script="Osma" typeface="Ebrima"/>
+        <a:font script="Phag" typeface="Phagspa"/>
+        <a:font script="Syrn" typeface="Estrangelo Edessa"/>
+        <a:font script="Syrj" typeface="Estrangelo Edessa"/>
+        <a:font script="Syre" typeface="Estrangelo Edessa"/>
+        <a:font script="Sora" typeface="Nirmala UI"/>
+        <a:font script="Tale" typeface="Microsoft Tai Le"/>
+        <a:font script="Talu" typeface="Microsoft New Tai Lue"/>
+        <a:font script="Tfng" typeface="Ebrima"/>
+      </a:majorFont>
+      <a:minorFont>
+        <a:latin typeface="Calibri" panose="020F0502020204030204"/>
+        <a:ea typeface=""/>
+        <a:cs typeface=""/>
+        <a:font script="Jpan" typeface="游ゴシック"/>
+        <a:font script="Hang" typeface="맑은 고딕"/>
+        <a:font script="Hans" typeface="等线"/>
+        <a:font script="Hant" typeface="新細明體"/>
+        <a:font script="Arab" typeface="Arial"/>
+        <a:font script="Hebr" typeface="Arial"/>
+        <a:font script="Thai" typeface="Cordia New"/>
+        <a:font script="Ethi" typeface="Nyala"/>
+        <a:font script="Beng" typeface="Vrinda"/>
+        <a:font script="Gujr" typeface="Shruti"/>
+        <a:font script="Khmr" typeface="DaunPenh"/>
+        <a:font script="Knda" typeface="Tunga"/>
+        <a:font script="Guru" typeface="Raavi"/>
+        <a:font script="Cans" typeface="Euphemia"/>
+        <a:font script="Cher" typeface="Plantagenet Cherokee"/>
+        <a:font script="Yiii" typeface="Microsoft Yi Baiti"/>
+        <a:font script="Tibt" typeface="Microsoft Himalaya"/>
+        <a:font script="Thaa" typeface="MV Boli"/>
+        <a:font script="Deva" typeface="Mangal"/>
+        <a:font script="Telu" typeface="Gautami"/>
+        <a:font script="Taml" typeface="Latha"/>
+        <a:font script="Syrc" typeface="Estrangelo Edessa"/>
+        <a:font script="Orya" typeface="Kalinga"/>
+        <a:font script="Mlym" typeface="Kartika"/>
+        <a:font script="Laoo" typeface="DokChampa"/>
+        <a:font script="Sinh" typeface="Iskoola Pota"/>
+        <a:font script="Mong" typeface="Mongolian Baiti"/>
+        <a:font script="Viet" typeface="Arial"/>
+        <a:font script="Uigh" typeface="Microsoft Uighur"/>
+        <a:font script="Geor" typeface="Sylfaen"/>
+        <a:font script="Armn" typeface="Arial"/>
+        <a:font script="Bugi" typeface="Leelawadee UI"/>
+        <a:font script="Bopo" typeface="Microsoft JhengHei"/>
+        <a:font script="Java" typeface="Javanese Text"/>
+        <a:font script="Lisu" typeface="Segoe UI"/>
+        <a:font script="Mymr" typeface="Myanmar Text"/>
+        <a:font script="Nkoo" typeface="Ebrima"/>
+        <a:font script="Olck" typeface="Nirmala UI"/>
+        <a:font script="Osma" typeface="Ebrima"/>
+        <a:font script="Phag" typeface="Phagspa"/>
+        <a:font script="Syrn" typeface="Estrangelo Edessa"/>
+        <a:font script="Syrj" typeface="Estrangelo Edessa"/>
+        <a:font script="Syre" typeface="Estrangelo Edessa"/>
+        <a:font script="Sora" typeface="Nirmala UI"/>
+        <a:font script="Tale" typeface="Microsoft Tai Le"/>
+        <a:font script="Talu" typeface="Microsoft New Tai Lue"/>
+        <a:font script="Tfng" typeface="Ebrima"/>
+      </a:minorFont>
+    </a:fontScheme>
+    <a:fmtScheme name="Office">
+      <a:fillStyleLst>
+        <a:solidFill>
+          <a:schemeClr val="phClr"/>
+        </a:solidFill>
+        <a:gradFill rotWithShape="1">
+          <a:gsLst>
+            <a:gs pos="0">
+              <a:schemeClr val="phClr">
+                <a:lumMod val="110000"/>
+                <a:satMod val="105000"/>
+                <a:tint val="67000"/>
+              </a:schemeClr>
+            </a:gs>
+            <a:gs pos="50000">
+              <a:schemeClr val="phClr">
+                <a:lumMod val="105000"/>
+                <a:satMod val="103000"/>
+                <a:tint val="73000"/>
+              </a:schemeClr>
+            </a:gs>
+            <a:gs pos="100000">
+              <a:schemeClr val="phClr">
+                <a:lumMod val="105000"/>
+                <a:satMod val="109000"/>
+                <a:tint val="81000"/>
+              </a:schemeClr>
+            </a:gs>
+          </a:gsLst>
+          <a:lin ang="5400000" scaled="0"/>
+        </a:gradFill>
+        <a:gradFill rotWithShape="1">
+          <a:gsLst>
+            <a:gs pos="0">
+              <a:schemeClr val="phClr">
+                <a:satMod val="103000"/>
+                <a:lumMod val="102000"/>
+                <a:tint val="94000"/>
+              </a:schemeClr>
+            </a:gs>
+            <a:gs pos="50000">
+              <a:schemeClr val="phClr">
+                <a:satMod val="110000"/>
+                <a:lumMod val="100000"/>
+                <a:shade val="100000"/>
+              </a:schemeClr>
+            </a:gs>
+            <a:gs pos="100000">
+              <a:schemeClr val="phClr">
+                <a:lumMod val="99000"/>
+                <a:satMod val="120000"/>
+                <a:shade val="78000"/>
+              </a:schemeClr>
+            </a:gs>
+          </a:gsLst>
+          <a:lin ang="5400000" scaled="0"/>
+        </a:gradFill>
+      </a:fillStyleLst>
+      <a:lnStyleLst>
+        <a:ln w="6350" cap="flat" cmpd="sng" algn="ctr">
+          <a:solidFill>
+            <a:schemeClr val="phClr"/>
+          </a:solidFill>
+          <a:prstDash val="solid"/>
+          <a:miter lim="800000"/>
+        </a:ln>
+        <a:ln w="12700" cap="flat" cmpd="sng" algn="ctr">
+          <a:solidFill>
+            <a:schemeClr val="phClr"/>
+          </a:solidFill>
+          <a:prstDash val="solid"/>
+          <a:miter lim="800000"/>
+        </a:ln>
+        <a:ln w="19050" cap="flat" cmpd="sng" algn="ctr">
+          <a:solidFill>
+            <a:schemeClr val="phClr"/>
+          </a:solidFill>
+          <a:prstDash val="solid"/>
+          <a:miter lim="800000"/>
+        </a:ln>
+      </a:lnStyleLst>
+      <a:effectStyleLst>
+        <a:effectStyle>
+          <a:effectLst/>
+        </a:effectStyle>
+        <a:effectStyle>
+          <a:effectLst/>
+        </a:effectStyle>
+        <a:effectStyle>
+          <a:effectLst>
+            <a:outerShdw blurRad="57150" dist="19050" dir="5400000" algn="ctr" rotWithShape="0">
+              <a:srgbClr val="000000">
+                <a:alpha val="63000"/>
+              </a:srgbClr>
+            </a:outerShdw>
+          </a:effectLst>
+        </a:effectStyle>
+      </a:effectStyleLst>
+      <a:bgFillStyleLst>
+        <a:solidFill>
+          <a:schemeClr val="phClr"/>
+        </a:solidFill>
+        <a:solidFill>
+          <a:schemeClr val="phClr">
+            <a:tint val="95000"/>
+            <a:satMod val="170000"/>
+          </a:schemeClr>
+        </a:solidFill>
+        <a:gradFill rotWithShape="1">
+          <a:gsLst>
+            <a:gs pos="0">
+              <a:schemeClr val="phClr">
+                <a:tint val="93000"/>
+                <a:satMod val="150000"/>
+                <a:shade val="98000"/>
+                <a:lumMod val="102000"/>
+              </a:schemeClr>
+            </a:gs>
+            <a:gs pos="50000">
+              <a:schemeClr val="phClr">
+                <a:tint val="98000"/>
+                <a:satMod val="130000"/>
+                <a:shade val="90000"/>
+                <a:lumMod val="103000"/>
+              </a:schemeClr>
+            </a:gs>
+            <a:gs pos="100000">
+              <a:schemeClr val="phClr">
+                <a:shade val="63000"/>
+                <a:satMod val="120000"/>
+              </a:schemeClr>
+            </a:gs>
+          </a:gsLst>
+          <a:lin ang="5400000" scaled="0"/>
+        </a:gradFill>
+      </a:bgFillStyleLst>
+    </a:fmtScheme>
+  </a:themeElements>
+  <a:objectDefaults/>
+  <a:extraClrSchemeLst/>
+  <a:extLst>
+    <a:ext uri="{05A4C25C-085E-4340-85A3-A5531E510DB2}">
+      <thm15:themeFamily xmlns:thm15="http://schemas.microsoft.com/office/thememl/2012/main" name="Office Theme" id="{62F939B6-93AF-4DB8-9C6B-D6C7DFDC589F}" vid="{4A3C46E8-61CC-4603-A589-7422A47A8E4A}"/>
+    </a:ext>
+  </a:extLst>
+</a:theme>
 </file>
--- a/docs/Project presentation.pptx
+++ b/docs/Project presentation.pptx
@@ -4121,6 +4121,13 @@
                 <a:solidFill>
                   <a:schemeClr val="bg1"/>
                 </a:solidFill>
+                <a:effectLst>
+                  <a:outerShdw blurRad="50800" dist="38100" dir="2700000" algn="tl" rotWithShape="0">
+                    <a:prstClr val="black">
+                      <a:alpha val="40000"/>
+                    </a:prstClr>
+                  </a:outerShdw>
+                </a:effectLst>
               </a:rPr>
               <a:t>IR Project - Stefano Taillefert</a:t>
             </a:r>
